--- a/diagrams/dmd/domainModel.pptx
+++ b/diagrams/dmd/domainModel.pptx
@@ -6,6 +6,7 @@
   </p:sldMasterIdLst>
   <p:sldIdLst>
     <p:sldId id="256" r:id="rId2"/>
+    <p:sldId id="257" r:id="rId3"/>
   </p:sldIdLst>
   <p:sldSz cx="14401800" cy="7200900"/>
   <p:notesSz cx="6858000" cy="9144000"/>
@@ -288,7 +289,7 @@
           <a:p>
             <a:fld id="{DCF155DA-1BAC-41A4-AEA2-7DD759E9BDBC}" type="datetimeFigureOut">
               <a:rPr lang="en-US" smtClean="0"/>
-              <a:t>11-Nov-15</a:t>
+              <a:t>15-Nov-15</a:t>
             </a:fld>
             <a:endParaRPr lang="en-US"/>
           </a:p>
@@ -458,7 +459,7 @@
           <a:p>
             <a:fld id="{DCF155DA-1BAC-41A4-AEA2-7DD759E9BDBC}" type="datetimeFigureOut">
               <a:rPr lang="en-US" smtClean="0"/>
-              <a:t>11-Nov-15</a:t>
+              <a:t>15-Nov-15</a:t>
             </a:fld>
             <a:endParaRPr lang="en-US"/>
           </a:p>
@@ -638,7 +639,7 @@
           <a:p>
             <a:fld id="{DCF155DA-1BAC-41A4-AEA2-7DD759E9BDBC}" type="datetimeFigureOut">
               <a:rPr lang="en-US" smtClean="0"/>
-              <a:t>11-Nov-15</a:t>
+              <a:t>15-Nov-15</a:t>
             </a:fld>
             <a:endParaRPr lang="en-US"/>
           </a:p>
@@ -808,7 +809,7 @@
           <a:p>
             <a:fld id="{DCF155DA-1BAC-41A4-AEA2-7DD759E9BDBC}" type="datetimeFigureOut">
               <a:rPr lang="en-US" smtClean="0"/>
-              <a:t>11-Nov-15</a:t>
+              <a:t>15-Nov-15</a:t>
             </a:fld>
             <a:endParaRPr lang="en-US"/>
           </a:p>
@@ -1054,7 +1055,7 @@
           <a:p>
             <a:fld id="{DCF155DA-1BAC-41A4-AEA2-7DD759E9BDBC}" type="datetimeFigureOut">
               <a:rPr lang="en-US" smtClean="0"/>
-              <a:t>11-Nov-15</a:t>
+              <a:t>15-Nov-15</a:t>
             </a:fld>
             <a:endParaRPr lang="en-US"/>
           </a:p>
@@ -1342,7 +1343,7 @@
           <a:p>
             <a:fld id="{DCF155DA-1BAC-41A4-AEA2-7DD759E9BDBC}" type="datetimeFigureOut">
               <a:rPr lang="en-US" smtClean="0"/>
-              <a:t>11-Nov-15</a:t>
+              <a:t>15-Nov-15</a:t>
             </a:fld>
             <a:endParaRPr lang="en-US"/>
           </a:p>
@@ -1769,7 +1770,7 @@
           <a:p>
             <a:fld id="{DCF155DA-1BAC-41A4-AEA2-7DD759E9BDBC}" type="datetimeFigureOut">
               <a:rPr lang="en-US" smtClean="0"/>
-              <a:t>11-Nov-15</a:t>
+              <a:t>15-Nov-15</a:t>
             </a:fld>
             <a:endParaRPr lang="en-US"/>
           </a:p>
@@ -1887,7 +1888,7 @@
           <a:p>
             <a:fld id="{DCF155DA-1BAC-41A4-AEA2-7DD759E9BDBC}" type="datetimeFigureOut">
               <a:rPr lang="en-US" smtClean="0"/>
-              <a:t>11-Nov-15</a:t>
+              <a:t>15-Nov-15</a:t>
             </a:fld>
             <a:endParaRPr lang="en-US"/>
           </a:p>
@@ -1982,7 +1983,7 @@
           <a:p>
             <a:fld id="{DCF155DA-1BAC-41A4-AEA2-7DD759E9BDBC}" type="datetimeFigureOut">
               <a:rPr lang="en-US" smtClean="0"/>
-              <a:t>11-Nov-15</a:t>
+              <a:t>15-Nov-15</a:t>
             </a:fld>
             <a:endParaRPr lang="en-US"/>
           </a:p>
@@ -2259,7 +2260,7 @@
           <a:p>
             <a:fld id="{DCF155DA-1BAC-41A4-AEA2-7DD759E9BDBC}" type="datetimeFigureOut">
               <a:rPr lang="en-US" smtClean="0"/>
-              <a:t>11-Nov-15</a:t>
+              <a:t>15-Nov-15</a:t>
             </a:fld>
             <a:endParaRPr lang="en-US"/>
           </a:p>
@@ -2512,7 +2513,7 @@
           <a:p>
             <a:fld id="{DCF155DA-1BAC-41A4-AEA2-7DD759E9BDBC}" type="datetimeFigureOut">
               <a:rPr lang="en-US" smtClean="0"/>
-              <a:t>11-Nov-15</a:t>
+              <a:t>15-Nov-15</a:t>
             </a:fld>
             <a:endParaRPr lang="en-US"/>
           </a:p>
@@ -2725,7 +2726,7 @@
           <a:p>
             <a:fld id="{DCF155DA-1BAC-41A4-AEA2-7DD759E9BDBC}" type="datetimeFigureOut">
               <a:rPr lang="en-US" smtClean="0"/>
-              <a:t>11-Nov-15</a:t>
+              <a:t>15-Nov-15</a:t>
             </a:fld>
             <a:endParaRPr lang="en-US"/>
           </a:p>
@@ -3114,13 +3115,15 @@
           <a:prstGeom prst="line">
             <a:avLst/>
           </a:prstGeom>
-          <a:ln w="38100">
+          <a:ln w="19050">
             <a:solidFill>
-              <a:schemeClr val="bg1">
-                <a:lumMod val="75000"/>
+              <a:schemeClr val="tx2">
+                <a:lumMod val="20000"/>
+                <a:lumOff val="80000"/>
               </a:schemeClr>
             </a:solidFill>
           </a:ln>
+          <a:effectLst/>
         </p:spPr>
         <p:style>
           <a:lnRef idx="1">
@@ -3155,6 +3158,7 @@
               <a:lumMod val="95000"/>
             </a:schemeClr>
           </a:solidFill>
+          <a:effectLst/>
         </p:grpSpPr>
         <p:sp>
           <p:nvSpPr>
@@ -3173,18 +3177,15 @@
               </a:avLst>
             </a:prstGeom>
             <a:solidFill>
-              <a:schemeClr val="accent1">
+              <a:schemeClr val="tx2">
                 <a:lumMod val="20000"/>
                 <a:lumOff val="80000"/>
               </a:schemeClr>
             </a:solidFill>
             <a:ln w="6350">
-              <a:solidFill>
-                <a:schemeClr val="bg1">
-                  <a:lumMod val="65000"/>
-                </a:schemeClr>
-              </a:solidFill>
+              <a:noFill/>
             </a:ln>
+            <a:effectLst/>
             <a:scene3d>
               <a:camera prst="orthographicFront">
                 <a:rot lat="0" lon="0" rev="0"/>
@@ -3254,8 +3255,9 @@
             <a:grpFill/>
             <a:ln w="6350">
               <a:solidFill>
-                <a:schemeClr val="bg1">
-                  <a:lumMod val="50000"/>
+                <a:schemeClr val="tx2">
+                  <a:lumMod val="20000"/>
+                  <a:lumOff val="80000"/>
                 </a:schemeClr>
               </a:solidFill>
             </a:ln>
@@ -3359,7 +3361,19 @@
                   </a:solidFill>
                   <a:latin typeface="Lucida Console" panose="020B0609040504020204" pitchFamily="49" charset="0"/>
                 </a:rPr>
-                <a:t>year: dateTime</a:t>
+                <a:t>manufactureDateTime: </a:t>
+              </a:r>
+              <a:r>
+                <a:rPr lang="en-US" sz="1000" smtClean="0">
+                  <a:solidFill>
+                    <a:schemeClr val="tx1">
+                      <a:lumMod val="65000"/>
+                      <a:lumOff val="35000"/>
+                    </a:schemeClr>
+                  </a:solidFill>
+                  <a:latin typeface="Lucida Console" panose="020B0609040504020204" pitchFamily="49" charset="0"/>
+                </a:rPr>
+                <a:t>dateTime</a:t>
               </a:r>
             </a:p>
             <a:p>
@@ -3408,6 +3422,7 @@
               <a:lumMod val="95000"/>
             </a:schemeClr>
           </a:solidFill>
+          <a:effectLst/>
         </p:grpSpPr>
         <p:sp>
           <p:nvSpPr>
@@ -3426,18 +3441,20 @@
               </a:avLst>
             </a:prstGeom>
             <a:solidFill>
-              <a:schemeClr val="accent1">
+              <a:schemeClr val="tx2">
                 <a:lumMod val="20000"/>
                 <a:lumOff val="80000"/>
               </a:schemeClr>
             </a:solidFill>
             <a:ln w="6350">
               <a:solidFill>
-                <a:schemeClr val="bg1">
-                  <a:lumMod val="65000"/>
+                <a:schemeClr val="tx2">
+                  <a:lumMod val="20000"/>
+                  <a:lumOff val="80000"/>
                 </a:schemeClr>
               </a:solidFill>
             </a:ln>
+            <a:effectLst/>
             <a:scene3d>
               <a:camera prst="orthographicFront">
                 <a:rot lat="0" lon="0" rev="0"/>
@@ -3506,11 +3523,7 @@
             </a:prstGeom>
             <a:grpFill/>
             <a:ln w="6350">
-              <a:solidFill>
-                <a:schemeClr val="bg1">
-                  <a:lumMod val="50000"/>
-                </a:schemeClr>
-              </a:solidFill>
+              <a:noFill/>
             </a:ln>
             <a:effectLst/>
             <a:scene3d>
@@ -3633,6 +3646,7 @@
             <a:avLst/>
           </a:prstGeom>
           <a:noFill/>
+          <a:effectLst/>
         </p:spPr>
         <p:txBody>
           <a:bodyPr wrap="square" rtlCol="0">
@@ -3668,6 +3682,7 @@
             <a:avLst/>
           </a:prstGeom>
           <a:noFill/>
+          <a:effectLst/>
         </p:spPr>
         <p:txBody>
           <a:bodyPr wrap="square" rtlCol="0">
@@ -3705,14 +3720,16 @@
           <a:prstGeom prst="straightConnector1">
             <a:avLst/>
           </a:prstGeom>
-          <a:ln w="38100">
+          <a:ln w="19050">
             <a:solidFill>
-              <a:schemeClr val="bg1">
-                <a:lumMod val="75000"/>
+              <a:schemeClr val="tx2">
+                <a:lumMod val="20000"/>
+                <a:lumOff val="80000"/>
               </a:schemeClr>
             </a:solidFill>
             <a:tailEnd type="triangle" w="lg" len="lg"/>
           </a:ln>
+          <a:effectLst/>
         </p:spPr>
         <p:style>
           <a:lnRef idx="1">
@@ -3746,14 +3763,16 @@
           <a:prstGeom prst="straightConnector1">
             <a:avLst/>
           </a:prstGeom>
-          <a:ln w="38100">
+          <a:ln w="19050">
             <a:solidFill>
-              <a:schemeClr val="bg1">
-                <a:lumMod val="75000"/>
+              <a:schemeClr val="tx2">
+                <a:lumMod val="20000"/>
+                <a:lumOff val="80000"/>
               </a:schemeClr>
             </a:solidFill>
             <a:tailEnd type="triangle" w="lg" len="lg"/>
           </a:ln>
+          <a:effectLst/>
         </p:spPr>
         <p:style>
           <a:lnRef idx="1">
@@ -3787,13 +3806,15 @@
           <a:prstGeom prst="line">
             <a:avLst/>
           </a:prstGeom>
-          <a:ln w="38100">
+          <a:ln w="19050">
             <a:solidFill>
-              <a:schemeClr val="bg1">
-                <a:lumMod val="75000"/>
+              <a:schemeClr val="tx2">
+                <a:lumMod val="20000"/>
+                <a:lumOff val="80000"/>
               </a:schemeClr>
             </a:solidFill>
           </a:ln>
+          <a:effectLst/>
         </p:spPr>
         <p:style>
           <a:lnRef idx="1">
@@ -3825,6 +3846,7 @@
             <a:avLst/>
           </a:prstGeom>
           <a:noFill/>
+          <a:effectLst/>
         </p:spPr>
         <p:txBody>
           <a:bodyPr wrap="square" rtlCol="0">
@@ -3860,6 +3882,7 @@
             <a:avLst/>
           </a:prstGeom>
           <a:noFill/>
+          <a:effectLst/>
         </p:spPr>
         <p:txBody>
           <a:bodyPr wrap="square" rtlCol="0">
@@ -3894,13 +3917,15 @@
           <a:prstGeom prst="line">
             <a:avLst/>
           </a:prstGeom>
-          <a:ln w="38100">
+          <a:ln w="19050">
             <a:solidFill>
-              <a:schemeClr val="bg1">
-                <a:lumMod val="75000"/>
+              <a:schemeClr val="tx2">
+                <a:lumMod val="20000"/>
+                <a:lumOff val="80000"/>
               </a:schemeClr>
             </a:solidFill>
           </a:ln>
+          <a:effectLst/>
         </p:spPr>
         <p:style>
           <a:lnRef idx="1">
@@ -3932,6 +3957,7 @@
             <a:avLst/>
           </a:prstGeom>
           <a:noFill/>
+          <a:effectLst/>
         </p:spPr>
         <p:txBody>
           <a:bodyPr wrap="square" rtlCol="0">
@@ -3967,6 +3993,7 @@
             <a:avLst/>
           </a:prstGeom>
           <a:noFill/>
+          <a:effectLst/>
         </p:spPr>
         <p:txBody>
           <a:bodyPr wrap="square" rtlCol="0">
@@ -4002,6 +4029,7 @@
             <a:avLst/>
           </a:prstGeom>
           <a:noFill/>
+          <a:effectLst/>
         </p:spPr>
         <p:txBody>
           <a:bodyPr wrap="square" rtlCol="0">
@@ -4037,6 +4065,7 @@
             <a:avLst/>
           </a:prstGeom>
           <a:noFill/>
+          <a:effectLst/>
         </p:spPr>
         <p:txBody>
           <a:bodyPr wrap="square" rtlCol="0">
@@ -4072,6 +4101,7 @@
             <a:avLst/>
           </a:prstGeom>
           <a:noFill/>
+          <a:effectLst/>
         </p:spPr>
         <p:txBody>
           <a:bodyPr wrap="square" rtlCol="0">
@@ -4109,13 +4139,15 @@
           <a:prstGeom prst="line">
             <a:avLst/>
           </a:prstGeom>
-          <a:ln w="38100">
+          <a:ln w="19050">
             <a:solidFill>
-              <a:schemeClr val="bg1">
-                <a:lumMod val="75000"/>
+              <a:schemeClr val="tx2">
+                <a:lumMod val="20000"/>
+                <a:lumOff val="80000"/>
               </a:schemeClr>
             </a:solidFill>
           </a:ln>
+          <a:effectLst/>
         </p:spPr>
         <p:style>
           <a:lnRef idx="1">
@@ -4147,6 +4179,7 @@
             <a:avLst/>
           </a:prstGeom>
           <a:noFill/>
+          <a:effectLst/>
         </p:spPr>
         <p:txBody>
           <a:bodyPr wrap="square" rtlCol="0">
@@ -4182,6 +4215,7 @@
             <a:avLst/>
           </a:prstGeom>
           <a:noFill/>
+          <a:effectLst/>
         </p:spPr>
         <p:txBody>
           <a:bodyPr wrap="square" rtlCol="0">
@@ -4217,6 +4251,7 @@
             <a:avLst/>
           </a:prstGeom>
           <a:noFill/>
+          <a:effectLst/>
         </p:spPr>
         <p:txBody>
           <a:bodyPr wrap="square" rtlCol="0">
@@ -4248,19 +4283,21 @@
         </p:nvCxnSpPr>
         <p:spPr>
           <a:xfrm>
-            <a:off x="9970891" y="3634504"/>
-            <a:ext cx="2457" cy="1099403"/>
+            <a:off x="9970892" y="3850504"/>
+            <a:ext cx="2456" cy="883403"/>
           </a:xfrm>
           <a:prstGeom prst="line">
             <a:avLst/>
           </a:prstGeom>
-          <a:ln w="38100">
+          <a:ln w="19050">
             <a:solidFill>
-              <a:schemeClr val="bg1">
-                <a:lumMod val="75000"/>
+              <a:schemeClr val="tx2">
+                <a:lumMod val="20000"/>
+                <a:lumOff val="80000"/>
               </a:schemeClr>
             </a:solidFill>
           </a:ln>
+          <a:effectLst/>
         </p:spPr>
         <p:style>
           <a:lnRef idx="1">
@@ -4285,13 +4322,14 @@
         </p:nvSpPr>
         <p:spPr>
           <a:xfrm>
-            <a:off x="10009212" y="3670588"/>
+            <a:off x="9985114" y="3854169"/>
             <a:ext cx="216024" cy="246221"/>
           </a:xfrm>
           <a:prstGeom prst="rect">
             <a:avLst/>
           </a:prstGeom>
           <a:noFill/>
+          <a:effectLst/>
         </p:spPr>
         <p:txBody>
           <a:bodyPr wrap="square" rtlCol="0">
@@ -4301,10 +4339,10 @@
           <a:p>
             <a:pPr algn="ctr"/>
             <a:r>
-              <a:rPr lang="en-US" sz="1000" smtClean="0">
+              <a:rPr lang="en-US" sz="1000">
                 <a:latin typeface="Lucida Console" panose="020B0609040504020204" pitchFamily="49" charset="0"/>
               </a:rPr>
-              <a:t>1</a:t>
+              <a:t>*</a:t>
             </a:r>
             <a:endParaRPr lang="en-US" sz="1000">
               <a:latin typeface="Lucida Console" panose="020B0609040504020204" pitchFamily="49" charset="0"/>
@@ -4327,6 +4365,7 @@
             <a:avLst/>
           </a:prstGeom>
           <a:noFill/>
+          <a:effectLst/>
         </p:spPr>
         <p:txBody>
           <a:bodyPr wrap="square" rtlCol="0">
@@ -4355,13 +4394,14 @@
         </p:nvSpPr>
         <p:spPr>
           <a:xfrm>
-            <a:off x="9937204" y="4097838"/>
+            <a:off x="9953094" y="4151047"/>
             <a:ext cx="873600" cy="246221"/>
           </a:xfrm>
           <a:prstGeom prst="rect">
             <a:avLst/>
           </a:prstGeom>
           <a:noFill/>
+          <a:effectLst/>
         </p:spPr>
         <p:txBody>
           <a:bodyPr wrap="square" rtlCol="0">
@@ -4400,6 +4440,7 @@
               <a:lumMod val="95000"/>
             </a:schemeClr>
           </a:solidFill>
+          <a:effectLst/>
         </p:grpSpPr>
         <p:sp>
           <p:nvSpPr>
@@ -4418,18 +4459,20 @@
               </a:avLst>
             </a:prstGeom>
             <a:solidFill>
-              <a:schemeClr val="accent1">
+              <a:schemeClr val="tx2">
                 <a:lumMod val="20000"/>
                 <a:lumOff val="80000"/>
               </a:schemeClr>
             </a:solidFill>
-            <a:ln w="6350">
+            <a:ln w="19050">
               <a:solidFill>
-                <a:schemeClr val="bg1">
-                  <a:lumMod val="65000"/>
+                <a:schemeClr val="tx2">
+                  <a:lumMod val="20000"/>
+                  <a:lumOff val="80000"/>
                 </a:schemeClr>
               </a:solidFill>
             </a:ln>
+            <a:effectLst/>
             <a:scene3d>
               <a:camera prst="orthographicFront">
                 <a:rot lat="0" lon="0" rev="0"/>
@@ -4489,11 +4532,7 @@
             </a:prstGeom>
             <a:grpFill/>
             <a:ln w="6350">
-              <a:solidFill>
-                <a:schemeClr val="bg1">
-                  <a:lumMod val="50000"/>
-                </a:schemeClr>
-              </a:solidFill>
+              <a:noFill/>
             </a:ln>
             <a:effectLst/>
             <a:scene3d>
@@ -4539,19 +4578,7 @@
                   </a:solidFill>
                   <a:latin typeface="Lucida Console" panose="020B0609040504020204" pitchFamily="49" charset="0"/>
                 </a:rPr>
-                <a:t>username</a:t>
-              </a:r>
-              <a:r>
-                <a:rPr lang="en-US" sz="1000" smtClean="0">
-                  <a:solidFill>
-                    <a:schemeClr val="tx1">
-                      <a:lumMod val="65000"/>
-                      <a:lumOff val="35000"/>
-                    </a:schemeClr>
-                  </a:solidFill>
-                  <a:latin typeface="Lucida Console" panose="020B0609040504020204" pitchFamily="49" charset="0"/>
-                </a:rPr>
-                <a:t>: string</a:t>
+                <a:t>username: string</a:t>
               </a:r>
             </a:p>
             <a:p>
@@ -4565,19 +4592,7 @@
                   </a:solidFill>
                   <a:latin typeface="Lucida Console" panose="020B0609040504020204" pitchFamily="49" charset="0"/>
                 </a:rPr>
-                <a:t>password: </a:t>
-              </a:r>
-              <a:r>
-                <a:rPr lang="en-US" sz="1000" smtClean="0">
-                  <a:solidFill>
-                    <a:schemeClr val="tx1">
-                      <a:lumMod val="65000"/>
-                      <a:lumOff val="35000"/>
-                    </a:schemeClr>
-                  </a:solidFill>
-                  <a:latin typeface="Lucida Console" panose="020B0609040504020204" pitchFamily="49" charset="0"/>
-                </a:rPr>
-                <a:t>string</a:t>
+                <a:t>password: string</a:t>
               </a:r>
             </a:p>
             <a:p>
@@ -4593,15 +4608,6 @@
                 </a:rPr>
                 <a:t>telephone: string</a:t>
               </a:r>
-              <a:endParaRPr lang="en-US" sz="1000" smtClean="0">
-                <a:solidFill>
-                  <a:schemeClr val="tx1">
-                    <a:lumMod val="65000"/>
-                    <a:lumOff val="35000"/>
-                  </a:schemeClr>
-                </a:solidFill>
-                <a:latin typeface="Lucida Console" panose="020B0609040504020204" pitchFamily="49" charset="0"/>
-              </a:endParaRPr>
             </a:p>
           </p:txBody>
         </p:sp>
@@ -4624,6 +4630,7 @@
               <a:lumMod val="95000"/>
             </a:schemeClr>
           </a:solidFill>
+          <a:effectLst/>
         </p:grpSpPr>
         <p:sp>
           <p:nvSpPr>
@@ -4642,18 +4649,20 @@
               </a:avLst>
             </a:prstGeom>
             <a:solidFill>
-              <a:schemeClr val="accent1">
+              <a:schemeClr val="tx2">
                 <a:lumMod val="20000"/>
                 <a:lumOff val="80000"/>
               </a:schemeClr>
             </a:solidFill>
-            <a:ln w="6350">
+            <a:ln w="19050">
               <a:solidFill>
-                <a:schemeClr val="bg1">
-                  <a:lumMod val="65000"/>
+                <a:schemeClr val="tx2">
+                  <a:lumMod val="20000"/>
+                  <a:lumOff val="80000"/>
                 </a:schemeClr>
               </a:solidFill>
             </a:ln>
+            <a:effectLst/>
             <a:scene3d>
               <a:camera prst="orthographicFront">
                 <a:rot lat="0" lon="0" rev="0"/>
@@ -4722,11 +4731,7 @@
             </a:prstGeom>
             <a:grpFill/>
             <a:ln w="6350">
-              <a:solidFill>
-                <a:schemeClr val="bg1">
-                  <a:lumMod val="50000"/>
-                </a:schemeClr>
-              </a:solidFill>
+              <a:noFill/>
             </a:ln>
             <a:effectLst/>
             <a:scene3d>
@@ -4772,19 +4777,7 @@
                   </a:solidFill>
                   <a:latin typeface="Lucida Console" panose="020B0609040504020204" pitchFamily="49" charset="0"/>
                 </a:rPr>
-                <a:t>firstName</a:t>
-              </a:r>
-              <a:r>
-                <a:rPr lang="en-US" sz="1000" smtClean="0">
-                  <a:solidFill>
-                    <a:schemeClr val="tx1">
-                      <a:lumMod val="65000"/>
-                      <a:lumOff val="35000"/>
-                    </a:schemeClr>
-                  </a:solidFill>
-                  <a:latin typeface="Lucida Console" panose="020B0609040504020204" pitchFamily="49" charset="0"/>
-                </a:rPr>
-                <a:t>: string</a:t>
+                <a:t>firstName: string</a:t>
               </a:r>
             </a:p>
             <a:p>
@@ -4812,29 +4805,8 @@
                   </a:solidFill>
                   <a:latin typeface="Lucida Console" panose="020B0609040504020204" pitchFamily="49" charset="0"/>
                 </a:rPr>
-                <a:t>telphone: </a:t>
+                <a:t>telphone: string</a:t>
               </a:r>
-              <a:r>
-                <a:rPr lang="en-US" sz="1000" smtClean="0">
-                  <a:solidFill>
-                    <a:schemeClr val="tx1">
-                      <a:lumMod val="65000"/>
-                      <a:lumOff val="35000"/>
-                    </a:schemeClr>
-                  </a:solidFill>
-                  <a:latin typeface="Lucida Console" panose="020B0609040504020204" pitchFamily="49" charset="0"/>
-                </a:rPr>
-                <a:t>string</a:t>
-              </a:r>
-              <a:endParaRPr lang="en-US" sz="1000" smtClean="0">
-                <a:solidFill>
-                  <a:schemeClr val="tx1">
-                    <a:lumMod val="65000"/>
-                    <a:lumOff val="35000"/>
-                  </a:schemeClr>
-                </a:solidFill>
-                <a:latin typeface="Lucida Console" panose="020B0609040504020204" pitchFamily="49" charset="0"/>
-              </a:endParaRPr>
             </a:p>
           </p:txBody>
         </p:sp>
@@ -4857,6 +4829,7 @@
               <a:lumMod val="95000"/>
             </a:schemeClr>
           </a:solidFill>
+          <a:effectLst/>
         </p:grpSpPr>
         <p:sp>
           <p:nvSpPr>
@@ -4875,18 +4848,20 @@
               </a:avLst>
             </a:prstGeom>
             <a:solidFill>
-              <a:schemeClr val="accent1">
+              <a:schemeClr val="tx2">
                 <a:lumMod val="20000"/>
                 <a:lumOff val="80000"/>
               </a:schemeClr>
             </a:solidFill>
-            <a:ln w="6350">
+            <a:ln w="19050">
               <a:solidFill>
-                <a:schemeClr val="bg1">
-                  <a:lumMod val="65000"/>
+                <a:schemeClr val="tx2">
+                  <a:lumMod val="20000"/>
+                  <a:lumOff val="80000"/>
                 </a:schemeClr>
               </a:solidFill>
             </a:ln>
+            <a:effectLst/>
             <a:scene3d>
               <a:camera prst="orthographicFront">
                 <a:rot lat="0" lon="0" rev="0"/>
@@ -4955,11 +4930,7 @@
             </a:prstGeom>
             <a:grpFill/>
             <a:ln w="6350">
-              <a:solidFill>
-                <a:schemeClr val="bg1">
-                  <a:lumMod val="50000"/>
-                </a:schemeClr>
-              </a:solidFill>
+              <a:noFill/>
             </a:ln>
             <a:effectLst/>
             <a:scene3d>
@@ -5061,19 +5032,7 @@
                   </a:solidFill>
                   <a:latin typeface="Lucida Console" panose="020B0609040504020204" pitchFamily="49" charset="0"/>
                 </a:rPr>
-                <a:t>engine: </a:t>
-              </a:r>
-              <a:r>
-                <a:rPr lang="en-US" sz="1000" smtClean="0">
-                  <a:solidFill>
-                    <a:schemeClr val="tx1">
-                      <a:lumMod val="65000"/>
-                      <a:lumOff val="35000"/>
-                    </a:schemeClr>
-                  </a:solidFill>
-                  <a:latin typeface="Lucida Console" panose="020B0609040504020204" pitchFamily="49" charset="0"/>
-                </a:rPr>
-                <a:t>string</a:t>
+                <a:t>engine: string</a:t>
               </a:r>
             </a:p>
             <a:p>
@@ -5087,41 +5046,8 @@
                   </a:solidFill>
                   <a:latin typeface="Lucida Console" panose="020B0609040504020204" pitchFamily="49" charset="0"/>
                 </a:rPr>
-                <a:t>tiresSerial</a:t>
+                <a:t>tiresSerial: string</a:t>
               </a:r>
-              <a:r>
-                <a:rPr lang="en-US" sz="1000" smtClean="0">
-                  <a:solidFill>
-                    <a:schemeClr val="tx1">
-                      <a:lumMod val="65000"/>
-                      <a:lumOff val="35000"/>
-                    </a:schemeClr>
-                  </a:solidFill>
-                  <a:latin typeface="Lucida Console" panose="020B0609040504020204" pitchFamily="49" charset="0"/>
-                </a:rPr>
-                <a:t>: </a:t>
-              </a:r>
-              <a:r>
-                <a:rPr lang="en-US" sz="1000" smtClean="0">
-                  <a:solidFill>
-                    <a:schemeClr val="tx1">
-                      <a:lumMod val="65000"/>
-                      <a:lumOff val="35000"/>
-                    </a:schemeClr>
-                  </a:solidFill>
-                  <a:latin typeface="Lucida Console" panose="020B0609040504020204" pitchFamily="49" charset="0"/>
-                </a:rPr>
-                <a:t>string</a:t>
-              </a:r>
-              <a:endParaRPr lang="en-US" sz="1000" smtClean="0">
-                <a:solidFill>
-                  <a:schemeClr val="tx1">
-                    <a:lumMod val="65000"/>
-                    <a:lumOff val="35000"/>
-                  </a:schemeClr>
-                </a:solidFill>
-                <a:latin typeface="Lucida Console" panose="020B0609040504020204" pitchFamily="49" charset="0"/>
-              </a:endParaRPr>
             </a:p>
             <a:p>
               <a:endParaRPr lang="en-US" sz="1000" smtClean="0">
@@ -5145,16 +5071,17 @@
         </p:nvGrpSpPr>
         <p:grpSpPr>
           <a:xfrm>
-            <a:off x="8713347" y="2230504"/>
-            <a:ext cx="2524912" cy="1404000"/>
-            <a:chOff x="6020937" y="163772"/>
-            <a:chExt cx="2529844" cy="477387"/>
+            <a:off x="8713348" y="2230504"/>
+            <a:ext cx="2515087" cy="1620000"/>
+            <a:chOff x="6020938" y="163772"/>
+            <a:chExt cx="2520000" cy="550831"/>
           </a:xfrm>
           <a:solidFill>
             <a:schemeClr val="bg1">
               <a:lumMod val="95000"/>
             </a:schemeClr>
           </a:solidFill>
+          <a:effectLst/>
         </p:grpSpPr>
         <p:sp>
           <p:nvSpPr>
@@ -5164,8 +5091,8 @@
           </p:nvSpPr>
           <p:spPr>
             <a:xfrm>
-              <a:off x="6020937" y="163772"/>
-              <a:ext cx="2520000" cy="477387"/>
+              <a:off x="6020938" y="163772"/>
+              <a:ext cx="2520000" cy="550831"/>
             </a:xfrm>
             <a:prstGeom prst="roundRect">
               <a:avLst>
@@ -5173,18 +5100,20 @@
               </a:avLst>
             </a:prstGeom>
             <a:solidFill>
-              <a:schemeClr val="accent1">
+              <a:schemeClr val="tx2">
                 <a:lumMod val="20000"/>
                 <a:lumOff val="80000"/>
               </a:schemeClr>
             </a:solidFill>
-            <a:ln w="6350">
+            <a:ln w="19050">
               <a:solidFill>
-                <a:schemeClr val="bg1">
-                  <a:lumMod val="65000"/>
+                <a:schemeClr val="tx2">
+                  <a:lumMod val="20000"/>
+                  <a:lumOff val="80000"/>
                 </a:schemeClr>
               </a:solidFill>
             </a:ln>
+            <a:effectLst/>
             <a:scene3d>
               <a:camera prst="orthographicFront">
                 <a:rot lat="0" lon="0" rev="0"/>
@@ -5246,18 +5175,14 @@
           <p:spPr>
             <a:xfrm>
               <a:off x="6025859" y="267656"/>
-              <a:ext cx="2524922" cy="318258"/>
+              <a:ext cx="2515078" cy="391702"/>
             </a:xfrm>
             <a:prstGeom prst="rect">
               <a:avLst/>
             </a:prstGeom>
             <a:grpFill/>
             <a:ln w="6350">
-              <a:solidFill>
-                <a:schemeClr val="bg1">
-                  <a:lumMod val="50000"/>
-                </a:schemeClr>
-              </a:solidFill>
+              <a:noFill/>
             </a:ln>
             <a:effectLst/>
             <a:scene3d>
@@ -5317,7 +5242,19 @@
                   </a:solidFill>
                   <a:latin typeface="Lucida Console" panose="020B0609040504020204" pitchFamily="49" charset="0"/>
                 </a:rPr>
-                <a:t>creationDateTime: dateTime</a:t>
+                <a:t>creationTimeStamp: </a:t>
+              </a:r>
+              <a:r>
+                <a:rPr lang="en-US" sz="1000" smtClean="0">
+                  <a:solidFill>
+                    <a:schemeClr val="tx1">
+                      <a:lumMod val="65000"/>
+                      <a:lumOff val="35000"/>
+                    </a:schemeClr>
+                  </a:solidFill>
+                  <a:latin typeface="Lucida Console" panose="020B0609040504020204" pitchFamily="49" charset="0"/>
+                </a:rPr>
+                <a:t>dateTime</a:t>
               </a:r>
             </a:p>
             <a:p>
@@ -5345,19 +5282,7 @@
                   </a:solidFill>
                   <a:latin typeface="Lucida Console" panose="020B0609040504020204" pitchFamily="49" charset="0"/>
                 </a:rPr>
-                <a:t>deliverCarsDateTime: </a:t>
-              </a:r>
-              <a:r>
-                <a:rPr lang="en-US" sz="1000" smtClean="0">
-                  <a:solidFill>
-                    <a:schemeClr val="tx1">
-                      <a:lumMod val="65000"/>
-                      <a:lumOff val="35000"/>
-                    </a:schemeClr>
-                  </a:solidFill>
-                  <a:latin typeface="Lucida Console" panose="020B0609040504020204" pitchFamily="49" charset="0"/>
-                </a:rPr>
-                <a:t>dateTime</a:t>
+                <a:t>deliverCarsDateTime: dateTime</a:t>
               </a:r>
             </a:p>
             <a:p>
@@ -5371,7 +5296,47 @@
                   </a:solidFill>
                   <a:latin typeface="Lucida Console" panose="020B0609040504020204" pitchFamily="49" charset="0"/>
                 </a:rPr>
-                <a:t>status: string</a:t>
+                <a:t>status: </a:t>
+              </a:r>
+              <a:r>
+                <a:rPr lang="en-US" sz="1000" smtClean="0">
+                  <a:solidFill>
+                    <a:schemeClr val="tx1">
+                      <a:lumMod val="65000"/>
+                      <a:lumOff val="35000"/>
+                    </a:schemeClr>
+                  </a:solidFill>
+                  <a:latin typeface="Lucida Console" panose="020B0609040504020204" pitchFamily="49" charset="0"/>
+                </a:rPr>
+                <a:t>string</a:t>
+              </a:r>
+            </a:p>
+            <a:p>
+              <a:r>
+                <a:rPr lang="en-US" sz="1000" smtClean="0">
+                  <a:solidFill>
+                    <a:schemeClr val="tx1">
+                      <a:lumMod val="65000"/>
+                      <a:lumOff val="35000"/>
+                    </a:schemeClr>
+                  </a:solidFill>
+                  <a:latin typeface="Lucida Console" panose="020B0609040504020204" pitchFamily="49" charset="0"/>
+                </a:rPr>
+                <a:t>quantity: int</a:t>
+              </a:r>
+            </a:p>
+            <a:p>
+              <a:r>
+                <a:rPr lang="en-US" sz="1000" smtClean="0">
+                  <a:solidFill>
+                    <a:schemeClr val="tx1">
+                      <a:lumMod val="65000"/>
+                      <a:lumOff val="35000"/>
+                    </a:schemeClr>
+                  </a:solidFill>
+                  <a:latin typeface="Lucida Console" panose="020B0609040504020204" pitchFamily="49" charset="0"/>
+                </a:rPr>
+                <a:t>price: double</a:t>
               </a:r>
               <a:endParaRPr lang="en-US" sz="1000" smtClean="0">
                 <a:solidFill>
@@ -5404,6 +5369,7 @@
               <a:lumMod val="95000"/>
             </a:schemeClr>
           </a:solidFill>
+          <a:effectLst/>
         </p:grpSpPr>
         <p:sp>
           <p:nvSpPr>
@@ -5422,18 +5388,20 @@
               </a:avLst>
             </a:prstGeom>
             <a:solidFill>
-              <a:schemeClr val="accent1">
+              <a:schemeClr val="tx2">
                 <a:lumMod val="20000"/>
                 <a:lumOff val="80000"/>
               </a:schemeClr>
             </a:solidFill>
-            <a:ln w="6350">
+            <a:ln w="19050">
               <a:solidFill>
-                <a:schemeClr val="bg1">
-                  <a:lumMod val="65000"/>
+                <a:schemeClr val="tx2">
+                  <a:lumMod val="20000"/>
+                  <a:lumOff val="80000"/>
                 </a:schemeClr>
               </a:solidFill>
             </a:ln>
+            <a:effectLst/>
             <a:scene3d>
               <a:camera prst="orthographicFront">
                 <a:rot lat="0" lon="0" rev="0"/>
@@ -5502,11 +5470,7 @@
             </a:prstGeom>
             <a:grpFill/>
             <a:ln w="6350">
-              <a:solidFill>
-                <a:schemeClr val="bg1">
-                  <a:lumMod val="50000"/>
-                </a:schemeClr>
-              </a:solidFill>
+              <a:noFill/>
             </a:ln>
             <a:effectLst/>
             <a:scene3d>
@@ -5576,6 +5540,7 @@
               <a:lumMod val="95000"/>
             </a:schemeClr>
           </a:solidFill>
+          <a:effectLst/>
         </p:grpSpPr>
         <p:sp>
           <p:nvSpPr>
@@ -5594,18 +5559,20 @@
               </a:avLst>
             </a:prstGeom>
             <a:solidFill>
-              <a:schemeClr val="accent1">
+              <a:schemeClr val="tx2">
                 <a:lumMod val="20000"/>
                 <a:lumOff val="80000"/>
               </a:schemeClr>
             </a:solidFill>
-            <a:ln w="6350">
+            <a:ln w="19050">
               <a:solidFill>
-                <a:schemeClr val="bg1">
-                  <a:lumMod val="65000"/>
+                <a:schemeClr val="tx2">
+                  <a:lumMod val="20000"/>
+                  <a:lumOff val="80000"/>
                 </a:schemeClr>
               </a:solidFill>
             </a:ln>
+            <a:effectLst/>
             <a:scene3d>
               <a:camera prst="orthographicFront">
                 <a:rot lat="0" lon="0" rev="0"/>
@@ -5665,11 +5632,7 @@
             </a:prstGeom>
             <a:grpFill/>
             <a:ln w="6350">
-              <a:solidFill>
-                <a:schemeClr val="bg1">
-                  <a:lumMod val="50000"/>
-                </a:schemeClr>
-              </a:solidFill>
+              <a:noFill/>
             </a:ln>
             <a:effectLst/>
             <a:scene3d>
@@ -5729,7 +5692,7 @@
                   </a:solidFill>
                   <a:latin typeface="Lucida Console" panose="020B0609040504020204" pitchFamily="49" charset="0"/>
                 </a:rPr>
-                <a:t>date: </a:t>
+                <a:t>creationTimeStamp: </a:t>
               </a:r>
               <a:r>
                 <a:rPr lang="en-US" sz="1000" smtClean="0">
@@ -5755,19 +5718,7 @@
                   </a:solidFill>
                   <a:latin typeface="Lucida Console" panose="020B0609040504020204" pitchFamily="49" charset="0"/>
                 </a:rPr>
-                <a:t>text</a:t>
-              </a:r>
-              <a:r>
-                <a:rPr lang="en-US" sz="1000" smtClean="0">
-                  <a:solidFill>
-                    <a:schemeClr val="tx1">
-                      <a:lumMod val="65000"/>
-                      <a:lumOff val="35000"/>
-                    </a:schemeClr>
-                  </a:solidFill>
-                  <a:latin typeface="Lucida Console" panose="020B0609040504020204" pitchFamily="49" charset="0"/>
-                </a:rPr>
-                <a:t>: string</a:t>
+                <a:t>text: string</a:t>
               </a:r>
             </a:p>
             <a:p>
@@ -5834,19 +5785,21 @@
         </p:nvCxnSpPr>
         <p:spPr>
           <a:xfrm rot="16200000" flipH="1">
-            <a:off x="7467523" y="1753292"/>
-            <a:ext cx="875960" cy="1625511"/>
+            <a:off x="7413523" y="1807292"/>
+            <a:ext cx="983960" cy="1625511"/>
           </a:xfrm>
           <a:prstGeom prst="bentConnector2">
             <a:avLst/>
           </a:prstGeom>
-          <a:ln w="38100">
+          <a:ln w="19050">
             <a:solidFill>
-              <a:schemeClr val="bg1">
-                <a:lumMod val="75000"/>
+              <a:schemeClr val="tx2">
+                <a:lumMod val="20000"/>
+                <a:lumOff val="80000"/>
               </a:schemeClr>
             </a:solidFill>
           </a:ln>
+          <a:effectLst/>
         </p:spPr>
         <p:style>
           <a:lnRef idx="1">
@@ -5871,13 +5824,14 @@
         </p:nvSpPr>
         <p:spPr>
           <a:xfrm>
-            <a:off x="8497324" y="2757807"/>
+            <a:off x="8497324" y="2865807"/>
             <a:ext cx="216024" cy="246221"/>
           </a:xfrm>
           <a:prstGeom prst="rect">
             <a:avLst/>
           </a:prstGeom>
           <a:noFill/>
+          <a:effectLst/>
         </p:spPr>
         <p:txBody>
           <a:bodyPr wrap="square" rtlCol="0">
@@ -5913,6 +5867,7 @@
             <a:avLst/>
           </a:prstGeom>
           <a:noFill/>
+          <a:effectLst/>
         </p:spPr>
         <p:txBody>
           <a:bodyPr wrap="square" rtlCol="0">
@@ -5941,13 +5896,14 @@
         </p:nvSpPr>
         <p:spPr>
           <a:xfrm>
-            <a:off x="7530097" y="3020539"/>
+            <a:off x="7519116" y="2865961"/>
             <a:ext cx="750812" cy="246221"/>
           </a:xfrm>
           <a:prstGeom prst="rect">
             <a:avLst/>
           </a:prstGeom>
           <a:noFill/>
+          <a:effectLst/>
         </p:spPr>
         <p:txBody>
           <a:bodyPr wrap="square" rtlCol="0">
@@ -5979,19 +5935,21 @@
         </p:nvCxnSpPr>
         <p:spPr>
           <a:xfrm flipV="1">
-            <a:off x="11238259" y="1948738"/>
-            <a:ext cx="1615129" cy="1055290"/>
+            <a:off x="11228434" y="1948738"/>
+            <a:ext cx="1624954" cy="1163290"/>
           </a:xfrm>
           <a:prstGeom prst="bentConnector2">
             <a:avLst/>
           </a:prstGeom>
-          <a:ln w="38100">
+          <a:ln w="19050">
             <a:solidFill>
-              <a:schemeClr val="bg1">
-                <a:lumMod val="75000"/>
+              <a:schemeClr val="tx2">
+                <a:lumMod val="20000"/>
+                <a:lumOff val="80000"/>
               </a:schemeClr>
             </a:solidFill>
           </a:ln>
+          <a:effectLst/>
         </p:spPr>
         <p:style>
           <a:lnRef idx="1">
@@ -6019,19 +5977,21 @@
         </p:nvCxnSpPr>
         <p:spPr>
           <a:xfrm rot="5400000" flipH="1" flipV="1">
-            <a:off x="10356631" y="993748"/>
-            <a:ext cx="851017" cy="1622497"/>
+            <a:off x="10356632" y="993748"/>
+            <a:ext cx="851017" cy="1622496"/>
           </a:xfrm>
           <a:prstGeom prst="bentConnector2">
             <a:avLst/>
           </a:prstGeom>
-          <a:ln w="38100">
+          <a:ln w="19050">
             <a:solidFill>
-              <a:schemeClr val="bg1">
-                <a:lumMod val="75000"/>
+              <a:schemeClr val="tx2">
+                <a:lumMod val="20000"/>
+                <a:lumOff val="80000"/>
               </a:schemeClr>
             </a:solidFill>
           </a:ln>
+          <a:effectLst/>
         </p:spPr>
         <p:style>
           <a:lnRef idx="1">
@@ -6063,6 +6023,7 @@
             <a:avLst/>
           </a:prstGeom>
           <a:noFill/>
+          <a:effectLst/>
         </p:spPr>
         <p:txBody>
           <a:bodyPr wrap="square" rtlCol="0">
@@ -6098,6 +6059,7 @@
             <a:avLst/>
           </a:prstGeom>
           <a:noFill/>
+          <a:effectLst/>
         </p:spPr>
         <p:txBody>
           <a:bodyPr wrap="square" rtlCol="0">
@@ -6133,6 +6095,7 @@
             <a:avLst/>
           </a:prstGeom>
           <a:noFill/>
+          <a:effectLst/>
         </p:spPr>
         <p:txBody>
           <a:bodyPr wrap="square" rtlCol="0">
@@ -6161,13 +6124,14 @@
         </p:nvSpPr>
         <p:spPr>
           <a:xfrm>
-            <a:off x="11257671" y="3035188"/>
+            <a:off x="11257671" y="2869626"/>
             <a:ext cx="216024" cy="246221"/>
           </a:xfrm>
           <a:prstGeom prst="rect">
             <a:avLst/>
           </a:prstGeom>
           <a:noFill/>
+          <a:effectLst/>
         </p:spPr>
         <p:txBody>
           <a:bodyPr wrap="square" rtlCol="0">
@@ -6203,6 +6167,7 @@
             <a:avLst/>
           </a:prstGeom>
           <a:noFill/>
+          <a:effectLst/>
         </p:spPr>
         <p:txBody>
           <a:bodyPr wrap="square" rtlCol="0">
@@ -6238,6 +6203,7 @@
             <a:avLst/>
           </a:prstGeom>
           <a:noFill/>
+          <a:effectLst/>
         </p:spPr>
         <p:txBody>
           <a:bodyPr wrap="square" rtlCol="0">
@@ -6262,6 +6228,6093 @@
     <p:extLst>
       <p:ext uri="{BB962C8B-B14F-4D97-AF65-F5344CB8AC3E}">
         <p14:creationId xmlns:p14="http://schemas.microsoft.com/office/powerpoint/2010/main" val="1231111037"/>
+      </p:ext>
+    </p:extLst>
+  </p:cSld>
+  <p:clrMapOvr>
+    <a:masterClrMapping/>
+  </p:clrMapOvr>
+  <p:timing>
+    <p:tnLst>
+      <p:par>
+        <p:cTn id="1" dur="indefinite" restart="never" nodeType="tmRoot"/>
+      </p:par>
+    </p:tnLst>
+  </p:timing>
+</p:sld>
+</file>
+
+<file path=ppt/slides/slide2.xml><?xml version="1.0" encoding="utf-8"?>
+<p:sld xmlns:a="http://schemas.openxmlformats.org/drawingml/2006/main" xmlns:r="http://schemas.openxmlformats.org/officeDocument/2006/relationships" xmlns:p="http://schemas.openxmlformats.org/presentationml/2006/main">
+  <p:cSld>
+    <p:spTree>
+      <p:nvGrpSpPr>
+        <p:cNvPr id="1" name=""/>
+        <p:cNvGrpSpPr/>
+        <p:nvPr/>
+      </p:nvGrpSpPr>
+      <p:grpSpPr>
+        <a:xfrm>
+          <a:off x="0" y="0"/>
+          <a:ext cx="0" cy="0"/>
+          <a:chOff x="0" y="0"/>
+          <a:chExt cx="0" cy="0"/>
+        </a:xfrm>
+      </p:grpSpPr>
+      <p:sp>
+        <p:nvSpPr>
+          <p:cNvPr id="152" name="Isosceles Triangle 151"/>
+          <p:cNvSpPr/>
+          <p:nvPr/>
+        </p:nvSpPr>
+        <p:spPr>
+          <a:xfrm>
+            <a:off x="5483235" y="1476274"/>
+            <a:ext cx="360040" cy="179960"/>
+          </a:xfrm>
+          <a:prstGeom prst="triangle">
+            <a:avLst/>
+          </a:prstGeom>
+          <a:noFill/>
+          <a:ln w="6350">
+            <a:solidFill>
+              <a:schemeClr val="tx1"/>
+            </a:solidFill>
+          </a:ln>
+          <a:effectLst/>
+          <a:scene3d>
+            <a:camera prst="orthographicFront">
+              <a:rot lat="0" lon="0" rev="0"/>
+            </a:camera>
+            <a:lightRig rig="threePt" dir="t">
+              <a:rot lat="0" lon="0" rev="1200000"/>
+            </a:lightRig>
+          </a:scene3d>
+          <a:sp3d/>
+        </p:spPr>
+        <p:style>
+          <a:lnRef idx="0">
+            <a:schemeClr val="accent1"/>
+          </a:lnRef>
+          <a:fillRef idx="3">
+            <a:schemeClr val="accent1"/>
+          </a:fillRef>
+          <a:effectRef idx="3">
+            <a:schemeClr val="accent1"/>
+          </a:effectRef>
+          <a:fontRef idx="minor">
+            <a:schemeClr val="lt1"/>
+          </a:fontRef>
+        </p:style>
+        <p:txBody>
+          <a:bodyPr rtlCol="0" anchor="t" anchorCtr="0"/>
+          <a:lstStyle/>
+          <a:p>
+            <a:pPr algn="ctr"/>
+            <a:endParaRPr lang="en-US" sz="1200" smtClean="0">
+              <a:solidFill>
+                <a:schemeClr val="tx1">
+                  <a:lumMod val="65000"/>
+                  <a:lumOff val="35000"/>
+                </a:schemeClr>
+              </a:solidFill>
+              <a:latin typeface="Lucida Sans" panose="020B0602030504020204" pitchFamily="34" charset="0"/>
+            </a:endParaRPr>
+          </a:p>
+        </p:txBody>
+      </p:sp>
+      <p:sp>
+        <p:nvSpPr>
+          <p:cNvPr id="149" name="Isosceles Triangle 148"/>
+          <p:cNvSpPr/>
+          <p:nvPr/>
+        </p:nvSpPr>
+        <p:spPr>
+          <a:xfrm>
+            <a:off x="5123195" y="1476274"/>
+            <a:ext cx="360040" cy="179960"/>
+          </a:xfrm>
+          <a:prstGeom prst="triangle">
+            <a:avLst/>
+          </a:prstGeom>
+          <a:noFill/>
+          <a:ln w="6350">
+            <a:solidFill>
+              <a:schemeClr val="tx1"/>
+            </a:solidFill>
+          </a:ln>
+          <a:effectLst/>
+          <a:scene3d>
+            <a:camera prst="orthographicFront">
+              <a:rot lat="0" lon="0" rev="0"/>
+            </a:camera>
+            <a:lightRig rig="threePt" dir="t">
+              <a:rot lat="0" lon="0" rev="1200000"/>
+            </a:lightRig>
+          </a:scene3d>
+          <a:sp3d/>
+        </p:spPr>
+        <p:style>
+          <a:lnRef idx="0">
+            <a:schemeClr val="accent1"/>
+          </a:lnRef>
+          <a:fillRef idx="3">
+            <a:schemeClr val="accent1"/>
+          </a:fillRef>
+          <a:effectRef idx="3">
+            <a:schemeClr val="accent1"/>
+          </a:effectRef>
+          <a:fontRef idx="minor">
+            <a:schemeClr val="lt1"/>
+          </a:fontRef>
+        </p:style>
+        <p:txBody>
+          <a:bodyPr rtlCol="0" anchor="t" anchorCtr="0"/>
+          <a:lstStyle/>
+          <a:p>
+            <a:pPr algn="ctr"/>
+            <a:endParaRPr lang="en-US" sz="1200" smtClean="0">
+              <a:solidFill>
+                <a:schemeClr val="tx1">
+                  <a:lumMod val="65000"/>
+                  <a:lumOff val="35000"/>
+                </a:schemeClr>
+              </a:solidFill>
+              <a:latin typeface="Lucida Sans" panose="020B0602030504020204" pitchFamily="34" charset="0"/>
+            </a:endParaRPr>
+          </a:p>
+        </p:txBody>
+      </p:sp>
+      <p:sp>
+        <p:nvSpPr>
+          <p:cNvPr id="159" name="Isosceles Triangle 158"/>
+          <p:cNvSpPr/>
+          <p:nvPr/>
+        </p:nvSpPr>
+        <p:spPr>
+          <a:xfrm>
+            <a:off x="2391828" y="2399214"/>
+            <a:ext cx="360040" cy="179960"/>
+          </a:xfrm>
+          <a:prstGeom prst="triangle">
+            <a:avLst/>
+          </a:prstGeom>
+          <a:noFill/>
+          <a:ln w="6350">
+            <a:solidFill>
+              <a:schemeClr val="tx1"/>
+            </a:solidFill>
+          </a:ln>
+          <a:effectLst/>
+          <a:scene3d>
+            <a:camera prst="orthographicFront">
+              <a:rot lat="0" lon="0" rev="0"/>
+            </a:camera>
+            <a:lightRig rig="threePt" dir="t">
+              <a:rot lat="0" lon="0" rev="1200000"/>
+            </a:lightRig>
+          </a:scene3d>
+          <a:sp3d/>
+        </p:spPr>
+        <p:style>
+          <a:lnRef idx="0">
+            <a:schemeClr val="accent1"/>
+          </a:lnRef>
+          <a:fillRef idx="3">
+            <a:schemeClr val="accent1"/>
+          </a:fillRef>
+          <a:effectRef idx="3">
+            <a:schemeClr val="accent1"/>
+          </a:effectRef>
+          <a:fontRef idx="minor">
+            <a:schemeClr val="lt1"/>
+          </a:fontRef>
+        </p:style>
+        <p:txBody>
+          <a:bodyPr rtlCol="0" anchor="t" anchorCtr="0"/>
+          <a:lstStyle/>
+          <a:p>
+            <a:pPr algn="ctr"/>
+            <a:endParaRPr lang="en-US" sz="1200" smtClean="0">
+              <a:solidFill>
+                <a:schemeClr val="tx1">
+                  <a:lumMod val="65000"/>
+                  <a:lumOff val="35000"/>
+                </a:schemeClr>
+              </a:solidFill>
+              <a:latin typeface="Lucida Sans" panose="020B0602030504020204" pitchFamily="34" charset="0"/>
+            </a:endParaRPr>
+          </a:p>
+        </p:txBody>
+      </p:sp>
+      <p:sp>
+        <p:nvSpPr>
+          <p:cNvPr id="160" name="Isosceles Triangle 159"/>
+          <p:cNvSpPr/>
+          <p:nvPr/>
+        </p:nvSpPr>
+        <p:spPr>
+          <a:xfrm>
+            <a:off x="5843275" y="2399214"/>
+            <a:ext cx="360040" cy="179960"/>
+          </a:xfrm>
+          <a:prstGeom prst="triangle">
+            <a:avLst/>
+          </a:prstGeom>
+          <a:noFill/>
+          <a:ln w="6350">
+            <a:solidFill>
+              <a:schemeClr val="tx1"/>
+            </a:solidFill>
+          </a:ln>
+          <a:effectLst/>
+          <a:scene3d>
+            <a:camera prst="orthographicFront">
+              <a:rot lat="0" lon="0" rev="0"/>
+            </a:camera>
+            <a:lightRig rig="threePt" dir="t">
+              <a:rot lat="0" lon="0" rev="1200000"/>
+            </a:lightRig>
+          </a:scene3d>
+          <a:sp3d/>
+        </p:spPr>
+        <p:style>
+          <a:lnRef idx="0">
+            <a:schemeClr val="accent1"/>
+          </a:lnRef>
+          <a:fillRef idx="3">
+            <a:schemeClr val="accent1"/>
+          </a:fillRef>
+          <a:effectRef idx="3">
+            <a:schemeClr val="accent1"/>
+          </a:effectRef>
+          <a:fontRef idx="minor">
+            <a:schemeClr val="lt1"/>
+          </a:fontRef>
+        </p:style>
+        <p:txBody>
+          <a:bodyPr rtlCol="0" anchor="t" anchorCtr="0"/>
+          <a:lstStyle/>
+          <a:p>
+            <a:pPr algn="ctr"/>
+            <a:endParaRPr lang="en-US" sz="1200" smtClean="0">
+              <a:solidFill>
+                <a:schemeClr val="tx1">
+                  <a:lumMod val="65000"/>
+                  <a:lumOff val="35000"/>
+                </a:schemeClr>
+              </a:solidFill>
+              <a:latin typeface="Lucida Sans" panose="020B0602030504020204" pitchFamily="34" charset="0"/>
+            </a:endParaRPr>
+          </a:p>
+        </p:txBody>
+      </p:sp>
+      <p:sp>
+        <p:nvSpPr>
+          <p:cNvPr id="185" name="Isosceles Triangle 184"/>
+          <p:cNvSpPr/>
+          <p:nvPr/>
+        </p:nvSpPr>
+        <p:spPr>
+          <a:xfrm>
+            <a:off x="2391827" y="4227098"/>
+            <a:ext cx="360040" cy="179960"/>
+          </a:xfrm>
+          <a:prstGeom prst="triangle">
+            <a:avLst/>
+          </a:prstGeom>
+          <a:noFill/>
+          <a:ln w="6350">
+            <a:solidFill>
+              <a:schemeClr val="tx1"/>
+            </a:solidFill>
+          </a:ln>
+          <a:effectLst/>
+          <a:scene3d>
+            <a:camera prst="orthographicFront">
+              <a:rot lat="0" lon="0" rev="0"/>
+            </a:camera>
+            <a:lightRig rig="threePt" dir="t">
+              <a:rot lat="0" lon="0" rev="1200000"/>
+            </a:lightRig>
+          </a:scene3d>
+          <a:sp3d/>
+        </p:spPr>
+        <p:style>
+          <a:lnRef idx="0">
+            <a:schemeClr val="accent1"/>
+          </a:lnRef>
+          <a:fillRef idx="3">
+            <a:schemeClr val="accent1"/>
+          </a:fillRef>
+          <a:effectRef idx="3">
+            <a:schemeClr val="accent1"/>
+          </a:effectRef>
+          <a:fontRef idx="minor">
+            <a:schemeClr val="lt1"/>
+          </a:fontRef>
+        </p:style>
+        <p:txBody>
+          <a:bodyPr rtlCol="0" anchor="t" anchorCtr="0"/>
+          <a:lstStyle/>
+          <a:p>
+            <a:pPr algn="ctr"/>
+            <a:endParaRPr lang="en-US" sz="1200" smtClean="0">
+              <a:solidFill>
+                <a:schemeClr val="tx1">
+                  <a:lumMod val="65000"/>
+                  <a:lumOff val="35000"/>
+                </a:schemeClr>
+              </a:solidFill>
+              <a:latin typeface="Lucida Sans" panose="020B0602030504020204" pitchFamily="34" charset="0"/>
+            </a:endParaRPr>
+          </a:p>
+        </p:txBody>
+      </p:sp>
+      <p:sp>
+        <p:nvSpPr>
+          <p:cNvPr id="203" name="Isosceles Triangle 202"/>
+          <p:cNvSpPr/>
+          <p:nvPr/>
+        </p:nvSpPr>
+        <p:spPr>
+          <a:xfrm>
+            <a:off x="8750460" y="6052196"/>
+            <a:ext cx="360040" cy="179960"/>
+          </a:xfrm>
+          <a:prstGeom prst="triangle">
+            <a:avLst/>
+          </a:prstGeom>
+          <a:noFill/>
+          <a:ln w="6350">
+            <a:solidFill>
+              <a:schemeClr val="tx1"/>
+            </a:solidFill>
+          </a:ln>
+          <a:effectLst/>
+          <a:scene3d>
+            <a:camera prst="orthographicFront">
+              <a:rot lat="0" lon="0" rev="0"/>
+            </a:camera>
+            <a:lightRig rig="threePt" dir="t">
+              <a:rot lat="0" lon="0" rev="1200000"/>
+            </a:lightRig>
+          </a:scene3d>
+          <a:sp3d/>
+        </p:spPr>
+        <p:style>
+          <a:lnRef idx="0">
+            <a:schemeClr val="accent1"/>
+          </a:lnRef>
+          <a:fillRef idx="3">
+            <a:schemeClr val="accent1"/>
+          </a:fillRef>
+          <a:effectRef idx="3">
+            <a:schemeClr val="accent1"/>
+          </a:effectRef>
+          <a:fontRef idx="minor">
+            <a:schemeClr val="lt1"/>
+          </a:fontRef>
+        </p:style>
+        <p:txBody>
+          <a:bodyPr rtlCol="0" anchor="t" anchorCtr="0"/>
+          <a:lstStyle/>
+          <a:p>
+            <a:pPr algn="ctr"/>
+            <a:endParaRPr lang="en-US" sz="1200" smtClean="0">
+              <a:solidFill>
+                <a:schemeClr val="tx1">
+                  <a:lumMod val="65000"/>
+                  <a:lumOff val="35000"/>
+                </a:schemeClr>
+              </a:solidFill>
+              <a:latin typeface="Lucida Sans" panose="020B0602030504020204" pitchFamily="34" charset="0"/>
+            </a:endParaRPr>
+          </a:p>
+        </p:txBody>
+      </p:sp>
+      <p:grpSp>
+        <p:nvGrpSpPr>
+          <p:cNvPr id="15" name="Group 14"/>
+          <p:cNvGrpSpPr/>
+          <p:nvPr/>
+        </p:nvGrpSpPr>
+        <p:grpSpPr>
+          <a:xfrm>
+            <a:off x="2391868" y="216074"/>
+            <a:ext cx="5652000" cy="543474"/>
+            <a:chOff x="2202622" y="616068"/>
+            <a:chExt cx="5652000" cy="543474"/>
+          </a:xfrm>
+        </p:grpSpPr>
+        <p:sp>
+          <p:nvSpPr>
+            <p:cNvPr id="3" name="Rounded Rectangle 2"/>
+            <p:cNvSpPr/>
+            <p:nvPr/>
+          </p:nvSpPr>
+          <p:spPr>
+            <a:xfrm>
+              <a:off x="2202622" y="616068"/>
+              <a:ext cx="5652000" cy="540000"/>
+            </a:xfrm>
+            <a:prstGeom prst="roundRect">
+              <a:avLst>
+                <a:gd name="adj" fmla="val 0"/>
+              </a:avLst>
+            </a:prstGeom>
+            <a:solidFill>
+              <a:schemeClr val="tx2">
+                <a:lumMod val="20000"/>
+                <a:lumOff val="80000"/>
+              </a:schemeClr>
+            </a:solidFill>
+            <a:ln w="19050">
+              <a:solidFill>
+                <a:schemeClr val="tx2">
+                  <a:lumMod val="20000"/>
+                  <a:lumOff val="80000"/>
+                </a:schemeClr>
+              </a:solidFill>
+            </a:ln>
+            <a:effectLst/>
+            <a:scene3d>
+              <a:camera prst="orthographicFront">
+                <a:rot lat="0" lon="0" rev="0"/>
+              </a:camera>
+              <a:lightRig rig="threePt" dir="t">
+                <a:rot lat="0" lon="0" rev="1200000"/>
+              </a:lightRig>
+            </a:scene3d>
+            <a:sp3d/>
+          </p:spPr>
+          <p:style>
+            <a:lnRef idx="0">
+              <a:schemeClr val="accent1"/>
+            </a:lnRef>
+            <a:fillRef idx="3">
+              <a:schemeClr val="accent1"/>
+            </a:fillRef>
+            <a:effectRef idx="3">
+              <a:schemeClr val="accent1"/>
+            </a:effectRef>
+            <a:fontRef idx="minor">
+              <a:schemeClr val="lt1"/>
+            </a:fontRef>
+          </p:style>
+          <p:txBody>
+            <a:bodyPr rtlCol="0" anchor="t" anchorCtr="0"/>
+            <a:lstStyle/>
+            <a:p>
+              <a:r>
+                <a:rPr lang="en-US" sz="1200" b="1" smtClean="0">
+                  <a:solidFill>
+                    <a:schemeClr val="tx1">
+                      <a:lumMod val="65000"/>
+                      <a:lumOff val="35000"/>
+                    </a:schemeClr>
+                  </a:solidFill>
+                  <a:latin typeface="Lucida Sans" panose="020B0602030504020204" pitchFamily="34" charset="0"/>
+                </a:rPr>
+                <a:t>sms</a:t>
+              </a:r>
+              <a:endParaRPr lang="en-US" sz="1200" b="1" smtClean="0">
+                <a:solidFill>
+                  <a:schemeClr val="tx1">
+                    <a:lumMod val="65000"/>
+                    <a:lumOff val="35000"/>
+                  </a:schemeClr>
+                </a:solidFill>
+                <a:latin typeface="Lucida Sans" panose="020B0602030504020204" pitchFamily="34" charset="0"/>
+              </a:endParaRPr>
+            </a:p>
+          </p:txBody>
+        </p:sp>
+        <p:sp>
+          <p:nvSpPr>
+            <p:cNvPr id="5" name="Rectangle 4"/>
+            <p:cNvSpPr/>
+            <p:nvPr/>
+          </p:nvSpPr>
+          <p:spPr>
+            <a:xfrm>
+              <a:off x="2202622" y="904068"/>
+              <a:ext cx="360000" cy="252000"/>
+            </a:xfrm>
+            <a:prstGeom prst="rect">
+              <a:avLst/>
+            </a:prstGeom>
+            <a:solidFill>
+              <a:schemeClr val="bg1"/>
+            </a:solidFill>
+            <a:ln w="6350">
+              <a:solidFill>
+                <a:schemeClr val="tx2">
+                  <a:lumMod val="20000"/>
+                  <a:lumOff val="80000"/>
+                </a:schemeClr>
+              </a:solidFill>
+            </a:ln>
+            <a:effectLst/>
+            <a:scene3d>
+              <a:camera prst="orthographicFront">
+                <a:rot lat="0" lon="0" rev="0"/>
+              </a:camera>
+              <a:lightRig rig="threePt" dir="t">
+                <a:rot lat="0" lon="0" rev="1200000"/>
+              </a:lightRig>
+            </a:scene3d>
+            <a:sp3d/>
+          </p:spPr>
+          <p:style>
+            <a:lnRef idx="0">
+              <a:schemeClr val="accent1"/>
+            </a:lnRef>
+            <a:fillRef idx="3">
+              <a:schemeClr val="accent1"/>
+            </a:fillRef>
+            <a:effectRef idx="3">
+              <a:schemeClr val="accent1"/>
+            </a:effectRef>
+            <a:fontRef idx="minor">
+              <a:schemeClr val="lt1"/>
+            </a:fontRef>
+          </p:style>
+          <p:txBody>
+            <a:bodyPr rot="0" spcFirstLastPara="0" vertOverflow="overflow" horzOverflow="overflow" vert="horz" wrap="square" lIns="91440" tIns="45720" rIns="91440" bIns="45720" numCol="1" spcCol="0" rtlCol="0" fromWordArt="0" anchor="t" anchorCtr="0" forceAA="0" compatLnSpc="1">
+              <a:prstTxWarp prst="textNoShape">
+                <a:avLst/>
+              </a:prstTxWarp>
+              <a:noAutofit/>
+            </a:bodyPr>
+            <a:lstStyle/>
+            <a:p>
+              <a:r>
+                <a:rPr lang="en-US" sz="1000" b="1" smtClean="0">
+                  <a:solidFill>
+                    <a:schemeClr val="tx1">
+                      <a:lumMod val="65000"/>
+                      <a:lumOff val="35000"/>
+                    </a:schemeClr>
+                  </a:solidFill>
+                  <a:latin typeface="Lucida Console" panose="020B0609040504020204" pitchFamily="49" charset="0"/>
+                </a:rPr>
+                <a:t>id</a:t>
+              </a:r>
+              <a:endParaRPr lang="en-US" sz="1000" b="1" smtClean="0">
+                <a:solidFill>
+                  <a:schemeClr val="tx1">
+                    <a:lumMod val="65000"/>
+                    <a:lumOff val="35000"/>
+                  </a:schemeClr>
+                </a:solidFill>
+                <a:latin typeface="Lucida Console" panose="020B0609040504020204" pitchFamily="49" charset="0"/>
+              </a:endParaRPr>
+            </a:p>
+          </p:txBody>
+        </p:sp>
+        <p:sp>
+          <p:nvSpPr>
+            <p:cNvPr id="11" name="Rectangle 10"/>
+            <p:cNvSpPr/>
+            <p:nvPr/>
+          </p:nvSpPr>
+          <p:spPr>
+            <a:xfrm>
+              <a:off x="2562622" y="904068"/>
+              <a:ext cx="1044000" cy="252000"/>
+            </a:xfrm>
+            <a:prstGeom prst="rect">
+              <a:avLst/>
+            </a:prstGeom>
+            <a:solidFill>
+              <a:schemeClr val="bg1"/>
+            </a:solidFill>
+            <a:ln w="6350">
+              <a:solidFill>
+                <a:schemeClr val="tx2">
+                  <a:lumMod val="20000"/>
+                  <a:lumOff val="80000"/>
+                </a:schemeClr>
+              </a:solidFill>
+            </a:ln>
+            <a:effectLst/>
+            <a:scene3d>
+              <a:camera prst="orthographicFront">
+                <a:rot lat="0" lon="0" rev="0"/>
+              </a:camera>
+              <a:lightRig rig="threePt" dir="t">
+                <a:rot lat="0" lon="0" rev="1200000"/>
+              </a:lightRig>
+            </a:scene3d>
+            <a:sp3d/>
+          </p:spPr>
+          <p:style>
+            <a:lnRef idx="0">
+              <a:schemeClr val="accent1"/>
+            </a:lnRef>
+            <a:fillRef idx="3">
+              <a:schemeClr val="accent1"/>
+            </a:fillRef>
+            <a:effectRef idx="3">
+              <a:schemeClr val="accent1"/>
+            </a:effectRef>
+            <a:fontRef idx="minor">
+              <a:schemeClr val="lt1"/>
+            </a:fontRef>
+          </p:style>
+          <p:txBody>
+            <a:bodyPr rot="0" spcFirstLastPara="0" vertOverflow="overflow" horzOverflow="overflow" vert="horz" wrap="square" lIns="91440" tIns="45720" rIns="91440" bIns="45720" numCol="1" spcCol="0" rtlCol="0" fromWordArt="0" anchor="t" anchorCtr="0" forceAA="0" compatLnSpc="1">
+              <a:prstTxWarp prst="textNoShape">
+                <a:avLst/>
+              </a:prstTxWarp>
+              <a:noAutofit/>
+            </a:bodyPr>
+            <a:lstStyle/>
+            <a:p>
+              <a:r>
+                <a:rPr lang="en-US" sz="1000" smtClean="0">
+                  <a:solidFill>
+                    <a:schemeClr val="tx1">
+                      <a:lumMod val="65000"/>
+                      <a:lumOff val="35000"/>
+                    </a:schemeClr>
+                  </a:solidFill>
+                  <a:latin typeface="Lucida Console" panose="020B0609040504020204" pitchFamily="49" charset="0"/>
+                </a:rPr>
+                <a:t>creation_ts</a:t>
+              </a:r>
+              <a:endParaRPr lang="en-US" sz="1000" smtClean="0">
+                <a:solidFill>
+                  <a:schemeClr val="tx1">
+                    <a:lumMod val="65000"/>
+                    <a:lumOff val="35000"/>
+                  </a:schemeClr>
+                </a:solidFill>
+                <a:latin typeface="Lucida Console" panose="020B0609040504020204" pitchFamily="49" charset="0"/>
+              </a:endParaRPr>
+            </a:p>
+          </p:txBody>
+        </p:sp>
+        <p:sp>
+          <p:nvSpPr>
+            <p:cNvPr id="12" name="Rectangle 11"/>
+            <p:cNvSpPr/>
+            <p:nvPr/>
+          </p:nvSpPr>
+          <p:spPr>
+            <a:xfrm>
+              <a:off x="3606622" y="904068"/>
+              <a:ext cx="504000" cy="252000"/>
+            </a:xfrm>
+            <a:prstGeom prst="rect">
+              <a:avLst/>
+            </a:prstGeom>
+            <a:solidFill>
+              <a:schemeClr val="bg1"/>
+            </a:solidFill>
+            <a:ln w="6350">
+              <a:solidFill>
+                <a:schemeClr val="tx2">
+                  <a:lumMod val="20000"/>
+                  <a:lumOff val="80000"/>
+                </a:schemeClr>
+              </a:solidFill>
+            </a:ln>
+            <a:effectLst/>
+            <a:scene3d>
+              <a:camera prst="orthographicFront">
+                <a:rot lat="0" lon="0" rev="0"/>
+              </a:camera>
+              <a:lightRig rig="threePt" dir="t">
+                <a:rot lat="0" lon="0" rev="1200000"/>
+              </a:lightRig>
+            </a:scene3d>
+            <a:sp3d/>
+          </p:spPr>
+          <p:style>
+            <a:lnRef idx="0">
+              <a:schemeClr val="accent1"/>
+            </a:lnRef>
+            <a:fillRef idx="3">
+              <a:schemeClr val="accent1"/>
+            </a:fillRef>
+            <a:effectRef idx="3">
+              <a:schemeClr val="accent1"/>
+            </a:effectRef>
+            <a:fontRef idx="minor">
+              <a:schemeClr val="lt1"/>
+            </a:fontRef>
+          </p:style>
+          <p:txBody>
+            <a:bodyPr rot="0" spcFirstLastPara="0" vertOverflow="overflow" horzOverflow="overflow" vert="horz" wrap="square" lIns="91440" tIns="45720" rIns="91440" bIns="45720" numCol="1" spcCol="0" rtlCol="0" fromWordArt="0" anchor="t" anchorCtr="0" forceAA="0" compatLnSpc="1">
+              <a:prstTxWarp prst="textNoShape">
+                <a:avLst/>
+              </a:prstTxWarp>
+              <a:noAutofit/>
+            </a:bodyPr>
+            <a:lstStyle/>
+            <a:p>
+              <a:r>
+                <a:rPr lang="en-US" sz="1000" smtClean="0">
+                  <a:solidFill>
+                    <a:schemeClr val="tx1">
+                      <a:lumMod val="65000"/>
+                      <a:lumOff val="35000"/>
+                    </a:schemeClr>
+                  </a:solidFill>
+                  <a:latin typeface="Lucida Console" panose="020B0609040504020204" pitchFamily="49" charset="0"/>
+                </a:rPr>
+                <a:t>text</a:t>
+              </a:r>
+              <a:endParaRPr lang="en-US" sz="1000" smtClean="0">
+                <a:solidFill>
+                  <a:schemeClr val="tx1">
+                    <a:lumMod val="65000"/>
+                    <a:lumOff val="35000"/>
+                  </a:schemeClr>
+                </a:solidFill>
+                <a:latin typeface="Lucida Console" panose="020B0609040504020204" pitchFamily="49" charset="0"/>
+              </a:endParaRPr>
+            </a:p>
+          </p:txBody>
+        </p:sp>
+        <p:sp>
+          <p:nvSpPr>
+            <p:cNvPr id="13" name="Rectangle 12"/>
+            <p:cNvSpPr/>
+            <p:nvPr/>
+          </p:nvSpPr>
+          <p:spPr>
+            <a:xfrm>
+              <a:off x="4118844" y="904068"/>
+              <a:ext cx="648000" cy="252000"/>
+            </a:xfrm>
+            <a:prstGeom prst="rect">
+              <a:avLst/>
+            </a:prstGeom>
+            <a:solidFill>
+              <a:schemeClr val="bg1"/>
+            </a:solidFill>
+            <a:ln w="6350">
+              <a:solidFill>
+                <a:schemeClr val="tx2">
+                  <a:lumMod val="20000"/>
+                  <a:lumOff val="80000"/>
+                </a:schemeClr>
+              </a:solidFill>
+            </a:ln>
+            <a:effectLst/>
+            <a:scene3d>
+              <a:camera prst="orthographicFront">
+                <a:rot lat="0" lon="0" rev="0"/>
+              </a:camera>
+              <a:lightRig rig="threePt" dir="t">
+                <a:rot lat="0" lon="0" rev="1200000"/>
+              </a:lightRig>
+            </a:scene3d>
+            <a:sp3d/>
+          </p:spPr>
+          <p:style>
+            <a:lnRef idx="0">
+              <a:schemeClr val="accent1"/>
+            </a:lnRef>
+            <a:fillRef idx="3">
+              <a:schemeClr val="accent1"/>
+            </a:fillRef>
+            <a:effectRef idx="3">
+              <a:schemeClr val="accent1"/>
+            </a:effectRef>
+            <a:fontRef idx="minor">
+              <a:schemeClr val="lt1"/>
+            </a:fontRef>
+          </p:style>
+          <p:txBody>
+            <a:bodyPr rot="0" spcFirstLastPara="0" vertOverflow="overflow" horzOverflow="overflow" vert="horz" wrap="square" lIns="91440" tIns="45720" rIns="91440" bIns="45720" numCol="1" spcCol="0" rtlCol="0" fromWordArt="0" anchor="t" anchorCtr="0" forceAA="0" compatLnSpc="1">
+              <a:prstTxWarp prst="textNoShape">
+                <a:avLst/>
+              </a:prstTxWarp>
+              <a:noAutofit/>
+            </a:bodyPr>
+            <a:lstStyle/>
+            <a:p>
+              <a:r>
+                <a:rPr lang="en-US" sz="1000" smtClean="0">
+                  <a:solidFill>
+                    <a:schemeClr val="tx1">
+                      <a:lumMod val="65000"/>
+                      <a:lumOff val="35000"/>
+                    </a:schemeClr>
+                  </a:solidFill>
+                  <a:latin typeface="Lucida Console" panose="020B0609040504020204" pitchFamily="49" charset="0"/>
+                </a:rPr>
+                <a:t>isSent</a:t>
+              </a:r>
+              <a:endParaRPr lang="en-US" sz="1000" smtClean="0">
+                <a:solidFill>
+                  <a:schemeClr val="tx1">
+                    <a:lumMod val="65000"/>
+                    <a:lumOff val="35000"/>
+                  </a:schemeClr>
+                </a:solidFill>
+                <a:latin typeface="Lucida Console" panose="020B0609040504020204" pitchFamily="49" charset="0"/>
+              </a:endParaRPr>
+            </a:p>
+          </p:txBody>
+        </p:sp>
+        <p:sp>
+          <p:nvSpPr>
+            <p:cNvPr id="14" name="Rectangle 13"/>
+            <p:cNvSpPr/>
+            <p:nvPr/>
+          </p:nvSpPr>
+          <p:spPr>
+            <a:xfrm>
+              <a:off x="4766844" y="904068"/>
+              <a:ext cx="972000" cy="252000"/>
+            </a:xfrm>
+            <a:prstGeom prst="rect">
+              <a:avLst/>
+            </a:prstGeom>
+            <a:solidFill>
+              <a:schemeClr val="bg1"/>
+            </a:solidFill>
+            <a:ln w="6350">
+              <a:solidFill>
+                <a:schemeClr val="tx2">
+                  <a:lumMod val="20000"/>
+                  <a:lumOff val="80000"/>
+                </a:schemeClr>
+              </a:solidFill>
+            </a:ln>
+            <a:effectLst/>
+            <a:scene3d>
+              <a:camera prst="orthographicFront">
+                <a:rot lat="0" lon="0" rev="0"/>
+              </a:camera>
+              <a:lightRig rig="threePt" dir="t">
+                <a:rot lat="0" lon="0" rev="1200000"/>
+              </a:lightRig>
+            </a:scene3d>
+            <a:sp3d/>
+          </p:spPr>
+          <p:style>
+            <a:lnRef idx="0">
+              <a:schemeClr val="accent1"/>
+            </a:lnRef>
+            <a:fillRef idx="3">
+              <a:schemeClr val="accent1"/>
+            </a:fillRef>
+            <a:effectRef idx="3">
+              <a:schemeClr val="accent1"/>
+            </a:effectRef>
+            <a:fontRef idx="minor">
+              <a:schemeClr val="lt1"/>
+            </a:fontRef>
+          </p:style>
+          <p:txBody>
+            <a:bodyPr rot="0" spcFirstLastPara="0" vertOverflow="overflow" horzOverflow="overflow" vert="horz" wrap="square" lIns="91440" tIns="45720" rIns="91440" bIns="45720" numCol="1" spcCol="0" rtlCol="0" fromWordArt="0" anchor="t" anchorCtr="0" forceAA="0" compatLnSpc="1">
+              <a:prstTxWarp prst="textNoShape">
+                <a:avLst/>
+              </a:prstTxWarp>
+              <a:noAutofit/>
+            </a:bodyPr>
+            <a:lstStyle/>
+            <a:p>
+              <a:r>
+                <a:rPr lang="en-US" sz="1000" smtClean="0">
+                  <a:solidFill>
+                    <a:schemeClr val="tx1">
+                      <a:lumMod val="65000"/>
+                      <a:lumOff val="35000"/>
+                    </a:schemeClr>
+                  </a:solidFill>
+                  <a:latin typeface="Lucida Console" panose="020B0609040504020204" pitchFamily="49" charset="0"/>
+                </a:rPr>
+                <a:t>isReceived</a:t>
+              </a:r>
+              <a:endParaRPr lang="en-US" sz="1000" smtClean="0">
+                <a:solidFill>
+                  <a:schemeClr val="tx1">
+                    <a:lumMod val="65000"/>
+                    <a:lumOff val="35000"/>
+                  </a:schemeClr>
+                </a:solidFill>
+                <a:latin typeface="Lucida Console" panose="020B0609040504020204" pitchFamily="49" charset="0"/>
+              </a:endParaRPr>
+            </a:p>
+          </p:txBody>
+        </p:sp>
+        <p:sp>
+          <p:nvSpPr>
+            <p:cNvPr id="23" name="Rectangle 22"/>
+            <p:cNvSpPr/>
+            <p:nvPr/>
+          </p:nvSpPr>
+          <p:spPr>
+            <a:xfrm>
+              <a:off x="5738844" y="904068"/>
+              <a:ext cx="972000" cy="252000"/>
+            </a:xfrm>
+            <a:prstGeom prst="rect">
+              <a:avLst/>
+            </a:prstGeom>
+            <a:solidFill>
+              <a:schemeClr val="bg1"/>
+            </a:solidFill>
+            <a:ln w="6350">
+              <a:solidFill>
+                <a:schemeClr val="tx2">
+                  <a:lumMod val="20000"/>
+                  <a:lumOff val="80000"/>
+                </a:schemeClr>
+              </a:solidFill>
+            </a:ln>
+            <a:effectLst/>
+            <a:scene3d>
+              <a:camera prst="orthographicFront">
+                <a:rot lat="0" lon="0" rev="0"/>
+              </a:camera>
+              <a:lightRig rig="threePt" dir="t">
+                <a:rot lat="0" lon="0" rev="1200000"/>
+              </a:lightRig>
+            </a:scene3d>
+            <a:sp3d/>
+          </p:spPr>
+          <p:style>
+            <a:lnRef idx="0">
+              <a:schemeClr val="accent1"/>
+            </a:lnRef>
+            <a:fillRef idx="3">
+              <a:schemeClr val="accent1"/>
+            </a:fillRef>
+            <a:effectRef idx="3">
+              <a:schemeClr val="accent1"/>
+            </a:effectRef>
+            <a:fontRef idx="minor">
+              <a:schemeClr val="lt1"/>
+            </a:fontRef>
+          </p:style>
+          <p:txBody>
+            <a:bodyPr rot="0" spcFirstLastPara="0" vertOverflow="overflow" horzOverflow="overflow" vert="horz" wrap="square" lIns="91440" tIns="45720" rIns="91440" bIns="45720" numCol="1" spcCol="0" rtlCol="0" fromWordArt="0" anchor="t" anchorCtr="0" forceAA="0" compatLnSpc="1">
+              <a:prstTxWarp prst="textNoShape">
+                <a:avLst/>
+              </a:prstTxWarp>
+              <a:noAutofit/>
+            </a:bodyPr>
+            <a:lstStyle/>
+            <a:p>
+              <a:r>
+                <a:rPr lang="en-US" sz="1000" u="sng" smtClean="0">
+                  <a:solidFill>
+                    <a:schemeClr val="tx1">
+                      <a:lumMod val="65000"/>
+                      <a:lumOff val="35000"/>
+                    </a:schemeClr>
+                  </a:solidFill>
+                  <a:latin typeface="Lucida Console" panose="020B0609040504020204" pitchFamily="49" charset="0"/>
+                </a:rPr>
+                <a:t>sender_id</a:t>
+              </a:r>
+              <a:endParaRPr lang="en-US" sz="1000" u="sng" smtClean="0">
+                <a:solidFill>
+                  <a:schemeClr val="tx1">
+                    <a:lumMod val="65000"/>
+                    <a:lumOff val="35000"/>
+                  </a:schemeClr>
+                </a:solidFill>
+                <a:latin typeface="Lucida Console" panose="020B0609040504020204" pitchFamily="49" charset="0"/>
+              </a:endParaRPr>
+            </a:p>
+          </p:txBody>
+        </p:sp>
+        <p:sp>
+          <p:nvSpPr>
+            <p:cNvPr id="34" name="Rectangle 33"/>
+            <p:cNvSpPr/>
+            <p:nvPr/>
+          </p:nvSpPr>
+          <p:spPr>
+            <a:xfrm>
+              <a:off x="6710844" y="907542"/>
+              <a:ext cx="1116000" cy="252000"/>
+            </a:xfrm>
+            <a:prstGeom prst="rect">
+              <a:avLst/>
+            </a:prstGeom>
+            <a:solidFill>
+              <a:schemeClr val="bg1"/>
+            </a:solidFill>
+            <a:ln w="6350">
+              <a:solidFill>
+                <a:schemeClr val="tx2">
+                  <a:lumMod val="20000"/>
+                  <a:lumOff val="80000"/>
+                </a:schemeClr>
+              </a:solidFill>
+            </a:ln>
+            <a:effectLst/>
+            <a:scene3d>
+              <a:camera prst="orthographicFront">
+                <a:rot lat="0" lon="0" rev="0"/>
+              </a:camera>
+              <a:lightRig rig="threePt" dir="t">
+                <a:rot lat="0" lon="0" rev="1200000"/>
+              </a:lightRig>
+            </a:scene3d>
+            <a:sp3d/>
+          </p:spPr>
+          <p:style>
+            <a:lnRef idx="0">
+              <a:schemeClr val="accent1"/>
+            </a:lnRef>
+            <a:fillRef idx="3">
+              <a:schemeClr val="accent1"/>
+            </a:fillRef>
+            <a:effectRef idx="3">
+              <a:schemeClr val="accent1"/>
+            </a:effectRef>
+            <a:fontRef idx="minor">
+              <a:schemeClr val="lt1"/>
+            </a:fontRef>
+          </p:style>
+          <p:txBody>
+            <a:bodyPr rot="0" spcFirstLastPara="0" vertOverflow="overflow" horzOverflow="overflow" vert="horz" wrap="square" lIns="91440" tIns="45720" rIns="91440" bIns="45720" numCol="1" spcCol="0" rtlCol="0" fromWordArt="0" anchor="t" anchorCtr="0" forceAA="0" compatLnSpc="1">
+              <a:prstTxWarp prst="textNoShape">
+                <a:avLst/>
+              </a:prstTxWarp>
+              <a:noAutofit/>
+            </a:bodyPr>
+            <a:lstStyle/>
+            <a:p>
+              <a:r>
+                <a:rPr lang="en-US" sz="1000" u="sng" smtClean="0">
+                  <a:solidFill>
+                    <a:schemeClr val="tx1">
+                      <a:lumMod val="65000"/>
+                      <a:lumOff val="35000"/>
+                    </a:schemeClr>
+                  </a:solidFill>
+                  <a:latin typeface="Lucida Console" panose="020B0609040504020204" pitchFamily="49" charset="0"/>
+                </a:rPr>
+                <a:t>recipient_id</a:t>
+              </a:r>
+              <a:endParaRPr lang="en-US" sz="1000" u="sng" smtClean="0">
+                <a:solidFill>
+                  <a:schemeClr val="tx1">
+                    <a:lumMod val="65000"/>
+                    <a:lumOff val="35000"/>
+                  </a:schemeClr>
+                </a:solidFill>
+                <a:latin typeface="Lucida Console" panose="020B0609040504020204" pitchFamily="49" charset="0"/>
+              </a:endParaRPr>
+            </a:p>
+          </p:txBody>
+        </p:sp>
+      </p:grpSp>
+      <p:grpSp>
+        <p:nvGrpSpPr>
+          <p:cNvPr id="16" name="Group 15"/>
+          <p:cNvGrpSpPr/>
+          <p:nvPr/>
+        </p:nvGrpSpPr>
+        <p:grpSpPr>
+          <a:xfrm>
+            <a:off x="2391868" y="2052338"/>
+            <a:ext cx="2916000" cy="540000"/>
+            <a:chOff x="2202622" y="616068"/>
+            <a:chExt cx="2916000" cy="540000"/>
+          </a:xfrm>
+        </p:grpSpPr>
+        <p:sp>
+          <p:nvSpPr>
+            <p:cNvPr id="17" name="Rounded Rectangle 16"/>
+            <p:cNvSpPr/>
+            <p:nvPr/>
+          </p:nvSpPr>
+          <p:spPr>
+            <a:xfrm>
+              <a:off x="2202622" y="616068"/>
+              <a:ext cx="2916000" cy="540000"/>
+            </a:xfrm>
+            <a:prstGeom prst="roundRect">
+              <a:avLst>
+                <a:gd name="adj" fmla="val 0"/>
+              </a:avLst>
+            </a:prstGeom>
+            <a:solidFill>
+              <a:schemeClr val="tx2">
+                <a:lumMod val="20000"/>
+                <a:lumOff val="80000"/>
+              </a:schemeClr>
+            </a:solidFill>
+            <a:ln w="19050">
+              <a:solidFill>
+                <a:schemeClr val="tx2">
+                  <a:lumMod val="20000"/>
+                  <a:lumOff val="80000"/>
+                </a:schemeClr>
+              </a:solidFill>
+            </a:ln>
+            <a:effectLst/>
+            <a:scene3d>
+              <a:camera prst="orthographicFront">
+                <a:rot lat="0" lon="0" rev="0"/>
+              </a:camera>
+              <a:lightRig rig="threePt" dir="t">
+                <a:rot lat="0" lon="0" rev="1200000"/>
+              </a:lightRig>
+            </a:scene3d>
+            <a:sp3d/>
+          </p:spPr>
+          <p:style>
+            <a:lnRef idx="0">
+              <a:schemeClr val="accent1"/>
+            </a:lnRef>
+            <a:fillRef idx="3">
+              <a:schemeClr val="accent1"/>
+            </a:fillRef>
+            <a:effectRef idx="3">
+              <a:schemeClr val="accent1"/>
+            </a:effectRef>
+            <a:fontRef idx="minor">
+              <a:schemeClr val="lt1"/>
+            </a:fontRef>
+          </p:style>
+          <p:txBody>
+            <a:bodyPr rtlCol="0" anchor="t" anchorCtr="0"/>
+            <a:lstStyle/>
+            <a:p>
+              <a:r>
+                <a:rPr lang="en-US" sz="1200" b="1" smtClean="0">
+                  <a:solidFill>
+                    <a:schemeClr val="tx1">
+                      <a:lumMod val="65000"/>
+                      <a:lumOff val="35000"/>
+                    </a:schemeClr>
+                  </a:solidFill>
+                  <a:latin typeface="Lucida Sans" panose="020B0602030504020204" pitchFamily="34" charset="0"/>
+                </a:rPr>
+                <a:t>logistician</a:t>
+              </a:r>
+              <a:endParaRPr lang="en-US" sz="1200" b="1" smtClean="0">
+                <a:solidFill>
+                  <a:schemeClr val="tx1">
+                    <a:lumMod val="65000"/>
+                    <a:lumOff val="35000"/>
+                  </a:schemeClr>
+                </a:solidFill>
+                <a:latin typeface="Lucida Sans" panose="020B0602030504020204" pitchFamily="34" charset="0"/>
+              </a:endParaRPr>
+            </a:p>
+          </p:txBody>
+        </p:sp>
+        <p:sp>
+          <p:nvSpPr>
+            <p:cNvPr id="18" name="Rectangle 17"/>
+            <p:cNvSpPr/>
+            <p:nvPr/>
+          </p:nvSpPr>
+          <p:spPr>
+            <a:xfrm>
+              <a:off x="2202622" y="904068"/>
+              <a:ext cx="360000" cy="252000"/>
+            </a:xfrm>
+            <a:prstGeom prst="rect">
+              <a:avLst/>
+            </a:prstGeom>
+            <a:solidFill>
+              <a:schemeClr val="bg1"/>
+            </a:solidFill>
+            <a:ln w="6350">
+              <a:solidFill>
+                <a:schemeClr val="tx2">
+                  <a:lumMod val="20000"/>
+                  <a:lumOff val="80000"/>
+                </a:schemeClr>
+              </a:solidFill>
+            </a:ln>
+            <a:effectLst/>
+            <a:scene3d>
+              <a:camera prst="orthographicFront">
+                <a:rot lat="0" lon="0" rev="0"/>
+              </a:camera>
+              <a:lightRig rig="threePt" dir="t">
+                <a:rot lat="0" lon="0" rev="1200000"/>
+              </a:lightRig>
+            </a:scene3d>
+            <a:sp3d/>
+          </p:spPr>
+          <p:style>
+            <a:lnRef idx="0">
+              <a:schemeClr val="accent1"/>
+            </a:lnRef>
+            <a:fillRef idx="3">
+              <a:schemeClr val="accent1"/>
+            </a:fillRef>
+            <a:effectRef idx="3">
+              <a:schemeClr val="accent1"/>
+            </a:effectRef>
+            <a:fontRef idx="minor">
+              <a:schemeClr val="lt1"/>
+            </a:fontRef>
+          </p:style>
+          <p:txBody>
+            <a:bodyPr rot="0" spcFirstLastPara="0" vertOverflow="overflow" horzOverflow="overflow" vert="horz" wrap="square" lIns="91440" tIns="45720" rIns="91440" bIns="45720" numCol="1" spcCol="0" rtlCol="0" fromWordArt="0" anchor="t" anchorCtr="0" forceAA="0" compatLnSpc="1">
+              <a:prstTxWarp prst="textNoShape">
+                <a:avLst/>
+              </a:prstTxWarp>
+              <a:noAutofit/>
+            </a:bodyPr>
+            <a:lstStyle/>
+            <a:p>
+              <a:r>
+                <a:rPr lang="en-US" sz="1000" b="1" u="sng" smtClean="0">
+                  <a:solidFill>
+                    <a:schemeClr val="tx1">
+                      <a:lumMod val="65000"/>
+                      <a:lumOff val="35000"/>
+                    </a:schemeClr>
+                  </a:solidFill>
+                  <a:latin typeface="Lucida Console" panose="020B0609040504020204" pitchFamily="49" charset="0"/>
+                </a:rPr>
+                <a:t>id</a:t>
+              </a:r>
+              <a:endParaRPr lang="en-US" sz="1000" b="1" u="sng" smtClean="0">
+                <a:solidFill>
+                  <a:schemeClr val="tx1">
+                    <a:lumMod val="65000"/>
+                    <a:lumOff val="35000"/>
+                  </a:schemeClr>
+                </a:solidFill>
+                <a:latin typeface="Lucida Console" panose="020B0609040504020204" pitchFamily="49" charset="0"/>
+              </a:endParaRPr>
+            </a:p>
+          </p:txBody>
+        </p:sp>
+        <p:sp>
+          <p:nvSpPr>
+            <p:cNvPr id="19" name="Rectangle 18"/>
+            <p:cNvSpPr/>
+            <p:nvPr/>
+          </p:nvSpPr>
+          <p:spPr>
+            <a:xfrm>
+              <a:off x="2562622" y="904068"/>
+              <a:ext cx="828000" cy="252000"/>
+            </a:xfrm>
+            <a:prstGeom prst="rect">
+              <a:avLst/>
+            </a:prstGeom>
+            <a:solidFill>
+              <a:schemeClr val="bg1"/>
+            </a:solidFill>
+            <a:ln w="6350">
+              <a:solidFill>
+                <a:schemeClr val="tx2">
+                  <a:lumMod val="20000"/>
+                  <a:lumOff val="80000"/>
+                </a:schemeClr>
+              </a:solidFill>
+            </a:ln>
+            <a:effectLst/>
+            <a:scene3d>
+              <a:camera prst="orthographicFront">
+                <a:rot lat="0" lon="0" rev="0"/>
+              </a:camera>
+              <a:lightRig rig="threePt" dir="t">
+                <a:rot lat="0" lon="0" rev="1200000"/>
+              </a:lightRig>
+            </a:scene3d>
+            <a:sp3d/>
+          </p:spPr>
+          <p:style>
+            <a:lnRef idx="0">
+              <a:schemeClr val="accent1"/>
+            </a:lnRef>
+            <a:fillRef idx="3">
+              <a:schemeClr val="accent1"/>
+            </a:fillRef>
+            <a:effectRef idx="3">
+              <a:schemeClr val="accent1"/>
+            </a:effectRef>
+            <a:fontRef idx="minor">
+              <a:schemeClr val="lt1"/>
+            </a:fontRef>
+          </p:style>
+          <p:txBody>
+            <a:bodyPr rot="0" spcFirstLastPara="0" vertOverflow="overflow" horzOverflow="overflow" vert="horz" wrap="square" lIns="91440" tIns="45720" rIns="91440" bIns="45720" numCol="1" spcCol="0" rtlCol="0" fromWordArt="0" anchor="t" anchorCtr="0" forceAA="0" compatLnSpc="1">
+              <a:prstTxWarp prst="textNoShape">
+                <a:avLst/>
+              </a:prstTxWarp>
+              <a:noAutofit/>
+            </a:bodyPr>
+            <a:lstStyle/>
+            <a:p>
+              <a:r>
+                <a:rPr lang="en-US" sz="1000" smtClean="0">
+                  <a:solidFill>
+                    <a:schemeClr val="tx1">
+                      <a:lumMod val="65000"/>
+                      <a:lumOff val="35000"/>
+                    </a:schemeClr>
+                  </a:solidFill>
+                  <a:latin typeface="Lucida Console" panose="020B0609040504020204" pitchFamily="49" charset="0"/>
+                </a:rPr>
+                <a:t>username</a:t>
+              </a:r>
+              <a:endParaRPr lang="en-US" sz="1000" smtClean="0">
+                <a:solidFill>
+                  <a:schemeClr val="tx1">
+                    <a:lumMod val="65000"/>
+                    <a:lumOff val="35000"/>
+                  </a:schemeClr>
+                </a:solidFill>
+                <a:latin typeface="Lucida Console" panose="020B0609040504020204" pitchFamily="49" charset="0"/>
+              </a:endParaRPr>
+            </a:p>
+          </p:txBody>
+        </p:sp>
+        <p:sp>
+          <p:nvSpPr>
+            <p:cNvPr id="20" name="Rectangle 19"/>
+            <p:cNvSpPr/>
+            <p:nvPr/>
+          </p:nvSpPr>
+          <p:spPr>
+            <a:xfrm>
+              <a:off x="3390622" y="904068"/>
+              <a:ext cx="828000" cy="252000"/>
+            </a:xfrm>
+            <a:prstGeom prst="rect">
+              <a:avLst/>
+            </a:prstGeom>
+            <a:solidFill>
+              <a:schemeClr val="bg1"/>
+            </a:solidFill>
+            <a:ln w="6350">
+              <a:solidFill>
+                <a:schemeClr val="tx2">
+                  <a:lumMod val="20000"/>
+                  <a:lumOff val="80000"/>
+                </a:schemeClr>
+              </a:solidFill>
+            </a:ln>
+            <a:effectLst/>
+            <a:scene3d>
+              <a:camera prst="orthographicFront">
+                <a:rot lat="0" lon="0" rev="0"/>
+              </a:camera>
+              <a:lightRig rig="threePt" dir="t">
+                <a:rot lat="0" lon="0" rev="1200000"/>
+              </a:lightRig>
+            </a:scene3d>
+            <a:sp3d/>
+          </p:spPr>
+          <p:style>
+            <a:lnRef idx="0">
+              <a:schemeClr val="accent1"/>
+            </a:lnRef>
+            <a:fillRef idx="3">
+              <a:schemeClr val="accent1"/>
+            </a:fillRef>
+            <a:effectRef idx="3">
+              <a:schemeClr val="accent1"/>
+            </a:effectRef>
+            <a:fontRef idx="minor">
+              <a:schemeClr val="lt1"/>
+            </a:fontRef>
+          </p:style>
+          <p:txBody>
+            <a:bodyPr rot="0" spcFirstLastPara="0" vertOverflow="overflow" horzOverflow="overflow" vert="horz" wrap="square" lIns="91440" tIns="45720" rIns="91440" bIns="45720" numCol="1" spcCol="0" rtlCol="0" fromWordArt="0" anchor="t" anchorCtr="0" forceAA="0" compatLnSpc="1">
+              <a:prstTxWarp prst="textNoShape">
+                <a:avLst/>
+              </a:prstTxWarp>
+              <a:noAutofit/>
+            </a:bodyPr>
+            <a:lstStyle/>
+            <a:p>
+              <a:r>
+                <a:rPr lang="en-US" sz="1000" smtClean="0">
+                  <a:solidFill>
+                    <a:schemeClr val="tx1">
+                      <a:lumMod val="65000"/>
+                      <a:lumOff val="35000"/>
+                    </a:schemeClr>
+                  </a:solidFill>
+                  <a:latin typeface="Lucida Console" panose="020B0609040504020204" pitchFamily="49" charset="0"/>
+                </a:rPr>
+                <a:t>password</a:t>
+              </a:r>
+              <a:endParaRPr lang="en-US" sz="1000" smtClean="0">
+                <a:solidFill>
+                  <a:schemeClr val="tx1">
+                    <a:lumMod val="65000"/>
+                    <a:lumOff val="35000"/>
+                  </a:schemeClr>
+                </a:solidFill>
+                <a:latin typeface="Lucida Console" panose="020B0609040504020204" pitchFamily="49" charset="0"/>
+              </a:endParaRPr>
+            </a:p>
+          </p:txBody>
+        </p:sp>
+        <p:sp>
+          <p:nvSpPr>
+            <p:cNvPr id="21" name="Rectangle 20"/>
+            <p:cNvSpPr/>
+            <p:nvPr/>
+          </p:nvSpPr>
+          <p:spPr>
+            <a:xfrm>
+              <a:off x="4218622" y="904068"/>
+              <a:ext cx="900000" cy="252000"/>
+            </a:xfrm>
+            <a:prstGeom prst="rect">
+              <a:avLst/>
+            </a:prstGeom>
+            <a:solidFill>
+              <a:schemeClr val="bg1"/>
+            </a:solidFill>
+            <a:ln w="6350">
+              <a:solidFill>
+                <a:schemeClr val="tx2">
+                  <a:lumMod val="20000"/>
+                  <a:lumOff val="80000"/>
+                </a:schemeClr>
+              </a:solidFill>
+            </a:ln>
+            <a:effectLst/>
+            <a:scene3d>
+              <a:camera prst="orthographicFront">
+                <a:rot lat="0" lon="0" rev="0"/>
+              </a:camera>
+              <a:lightRig rig="threePt" dir="t">
+                <a:rot lat="0" lon="0" rev="1200000"/>
+              </a:lightRig>
+            </a:scene3d>
+            <a:sp3d/>
+          </p:spPr>
+          <p:style>
+            <a:lnRef idx="0">
+              <a:schemeClr val="accent1"/>
+            </a:lnRef>
+            <a:fillRef idx="3">
+              <a:schemeClr val="accent1"/>
+            </a:fillRef>
+            <a:effectRef idx="3">
+              <a:schemeClr val="accent1"/>
+            </a:effectRef>
+            <a:fontRef idx="minor">
+              <a:schemeClr val="lt1"/>
+            </a:fontRef>
+          </p:style>
+          <p:txBody>
+            <a:bodyPr rot="0" spcFirstLastPara="0" vertOverflow="overflow" horzOverflow="overflow" vert="horz" wrap="square" lIns="91440" tIns="45720" rIns="91440" bIns="45720" numCol="1" spcCol="0" rtlCol="0" fromWordArt="0" anchor="t" anchorCtr="0" forceAA="0" compatLnSpc="1">
+              <a:prstTxWarp prst="textNoShape">
+                <a:avLst/>
+              </a:prstTxWarp>
+              <a:noAutofit/>
+            </a:bodyPr>
+            <a:lstStyle/>
+            <a:p>
+              <a:r>
+                <a:rPr lang="en-US" sz="1000" smtClean="0">
+                  <a:solidFill>
+                    <a:schemeClr val="tx1">
+                      <a:lumMod val="65000"/>
+                      <a:lumOff val="35000"/>
+                    </a:schemeClr>
+                  </a:solidFill>
+                  <a:latin typeface="Lucida Console" panose="020B0609040504020204" pitchFamily="49" charset="0"/>
+                </a:rPr>
+                <a:t>telephone</a:t>
+              </a:r>
+              <a:endParaRPr lang="en-US" sz="1000" smtClean="0">
+                <a:solidFill>
+                  <a:schemeClr val="tx1">
+                    <a:lumMod val="65000"/>
+                    <a:lumOff val="35000"/>
+                  </a:schemeClr>
+                </a:solidFill>
+                <a:latin typeface="Lucida Console" panose="020B0609040504020204" pitchFamily="49" charset="0"/>
+              </a:endParaRPr>
+            </a:p>
+          </p:txBody>
+        </p:sp>
+      </p:grpSp>
+      <p:grpSp>
+        <p:nvGrpSpPr>
+          <p:cNvPr id="35" name="Group 34"/>
+          <p:cNvGrpSpPr/>
+          <p:nvPr/>
+        </p:nvGrpSpPr>
+        <p:grpSpPr>
+          <a:xfrm>
+            <a:off x="5842114" y="2052338"/>
+            <a:ext cx="3168000" cy="540000"/>
+            <a:chOff x="2202622" y="616068"/>
+            <a:chExt cx="3168000" cy="540000"/>
+          </a:xfrm>
+        </p:grpSpPr>
+        <p:sp>
+          <p:nvSpPr>
+            <p:cNvPr id="36" name="Rounded Rectangle 35"/>
+            <p:cNvSpPr/>
+            <p:nvPr/>
+          </p:nvSpPr>
+          <p:spPr>
+            <a:xfrm>
+              <a:off x="2202622" y="616068"/>
+              <a:ext cx="3168000" cy="540000"/>
+            </a:xfrm>
+            <a:prstGeom prst="roundRect">
+              <a:avLst>
+                <a:gd name="adj" fmla="val 0"/>
+              </a:avLst>
+            </a:prstGeom>
+            <a:solidFill>
+              <a:schemeClr val="tx2">
+                <a:lumMod val="20000"/>
+                <a:lumOff val="80000"/>
+              </a:schemeClr>
+            </a:solidFill>
+            <a:ln w="19050">
+              <a:solidFill>
+                <a:schemeClr val="tx2">
+                  <a:lumMod val="20000"/>
+                  <a:lumOff val="80000"/>
+                </a:schemeClr>
+              </a:solidFill>
+            </a:ln>
+            <a:effectLst/>
+            <a:scene3d>
+              <a:camera prst="orthographicFront">
+                <a:rot lat="0" lon="0" rev="0"/>
+              </a:camera>
+              <a:lightRig rig="threePt" dir="t">
+                <a:rot lat="0" lon="0" rev="1200000"/>
+              </a:lightRig>
+            </a:scene3d>
+            <a:sp3d/>
+          </p:spPr>
+          <p:style>
+            <a:lnRef idx="0">
+              <a:schemeClr val="accent1"/>
+            </a:lnRef>
+            <a:fillRef idx="3">
+              <a:schemeClr val="accent1"/>
+            </a:fillRef>
+            <a:effectRef idx="3">
+              <a:schemeClr val="accent1"/>
+            </a:effectRef>
+            <a:fontRef idx="minor">
+              <a:schemeClr val="lt1"/>
+            </a:fontRef>
+          </p:style>
+          <p:txBody>
+            <a:bodyPr rtlCol="0" anchor="t" anchorCtr="0"/>
+            <a:lstStyle/>
+            <a:p>
+              <a:r>
+                <a:rPr lang="en-US" sz="1200" b="1" smtClean="0">
+                  <a:solidFill>
+                    <a:schemeClr val="tx1">
+                      <a:lumMod val="65000"/>
+                      <a:lumOff val="35000"/>
+                    </a:schemeClr>
+                  </a:solidFill>
+                  <a:latin typeface="Lucida Sans" panose="020B0602030504020204" pitchFamily="34" charset="0"/>
+                </a:rPr>
+                <a:t>truck_driver</a:t>
+              </a:r>
+              <a:endParaRPr lang="en-US" sz="1200" b="1" smtClean="0">
+                <a:solidFill>
+                  <a:schemeClr val="tx1">
+                    <a:lumMod val="65000"/>
+                    <a:lumOff val="35000"/>
+                  </a:schemeClr>
+                </a:solidFill>
+                <a:latin typeface="Lucida Sans" panose="020B0602030504020204" pitchFamily="34" charset="0"/>
+              </a:endParaRPr>
+            </a:p>
+          </p:txBody>
+        </p:sp>
+        <p:sp>
+          <p:nvSpPr>
+            <p:cNvPr id="37" name="Rectangle 36"/>
+            <p:cNvSpPr/>
+            <p:nvPr/>
+          </p:nvSpPr>
+          <p:spPr>
+            <a:xfrm>
+              <a:off x="2202622" y="904068"/>
+              <a:ext cx="360000" cy="252000"/>
+            </a:xfrm>
+            <a:prstGeom prst="rect">
+              <a:avLst/>
+            </a:prstGeom>
+            <a:solidFill>
+              <a:schemeClr val="bg1"/>
+            </a:solidFill>
+            <a:ln w="6350">
+              <a:solidFill>
+                <a:schemeClr val="tx2">
+                  <a:lumMod val="20000"/>
+                  <a:lumOff val="80000"/>
+                </a:schemeClr>
+              </a:solidFill>
+            </a:ln>
+            <a:effectLst/>
+            <a:scene3d>
+              <a:camera prst="orthographicFront">
+                <a:rot lat="0" lon="0" rev="0"/>
+              </a:camera>
+              <a:lightRig rig="threePt" dir="t">
+                <a:rot lat="0" lon="0" rev="1200000"/>
+              </a:lightRig>
+            </a:scene3d>
+            <a:sp3d/>
+          </p:spPr>
+          <p:style>
+            <a:lnRef idx="0">
+              <a:schemeClr val="accent1"/>
+            </a:lnRef>
+            <a:fillRef idx="3">
+              <a:schemeClr val="accent1"/>
+            </a:fillRef>
+            <a:effectRef idx="3">
+              <a:schemeClr val="accent1"/>
+            </a:effectRef>
+            <a:fontRef idx="minor">
+              <a:schemeClr val="lt1"/>
+            </a:fontRef>
+          </p:style>
+          <p:txBody>
+            <a:bodyPr rot="0" spcFirstLastPara="0" vertOverflow="overflow" horzOverflow="overflow" vert="horz" wrap="square" lIns="91440" tIns="45720" rIns="91440" bIns="45720" numCol="1" spcCol="0" rtlCol="0" fromWordArt="0" anchor="t" anchorCtr="0" forceAA="0" compatLnSpc="1">
+              <a:prstTxWarp prst="textNoShape">
+                <a:avLst/>
+              </a:prstTxWarp>
+              <a:noAutofit/>
+            </a:bodyPr>
+            <a:lstStyle/>
+            <a:p>
+              <a:r>
+                <a:rPr lang="en-US" sz="1000" b="1" u="sng" smtClean="0">
+                  <a:solidFill>
+                    <a:schemeClr val="tx1">
+                      <a:lumMod val="65000"/>
+                      <a:lumOff val="35000"/>
+                    </a:schemeClr>
+                  </a:solidFill>
+                  <a:latin typeface="Lucida Console" panose="020B0609040504020204" pitchFamily="49" charset="0"/>
+                </a:rPr>
+                <a:t>id</a:t>
+              </a:r>
+              <a:endParaRPr lang="en-US" sz="1000" b="1" u="sng" smtClean="0">
+                <a:solidFill>
+                  <a:schemeClr val="tx1">
+                    <a:lumMod val="65000"/>
+                    <a:lumOff val="35000"/>
+                  </a:schemeClr>
+                </a:solidFill>
+                <a:latin typeface="Lucida Console" panose="020B0609040504020204" pitchFamily="49" charset="0"/>
+              </a:endParaRPr>
+            </a:p>
+          </p:txBody>
+        </p:sp>
+        <p:sp>
+          <p:nvSpPr>
+            <p:cNvPr id="38" name="Rectangle 37"/>
+            <p:cNvSpPr/>
+            <p:nvPr/>
+          </p:nvSpPr>
+          <p:spPr>
+            <a:xfrm>
+              <a:off x="2562622" y="904068"/>
+              <a:ext cx="972000" cy="252000"/>
+            </a:xfrm>
+            <a:prstGeom prst="rect">
+              <a:avLst/>
+            </a:prstGeom>
+            <a:solidFill>
+              <a:schemeClr val="bg1"/>
+            </a:solidFill>
+            <a:ln w="6350">
+              <a:solidFill>
+                <a:schemeClr val="tx2">
+                  <a:lumMod val="20000"/>
+                  <a:lumOff val="80000"/>
+                </a:schemeClr>
+              </a:solidFill>
+            </a:ln>
+            <a:effectLst/>
+            <a:scene3d>
+              <a:camera prst="orthographicFront">
+                <a:rot lat="0" lon="0" rev="0"/>
+              </a:camera>
+              <a:lightRig rig="threePt" dir="t">
+                <a:rot lat="0" lon="0" rev="1200000"/>
+              </a:lightRig>
+            </a:scene3d>
+            <a:sp3d/>
+          </p:spPr>
+          <p:style>
+            <a:lnRef idx="0">
+              <a:schemeClr val="accent1"/>
+            </a:lnRef>
+            <a:fillRef idx="3">
+              <a:schemeClr val="accent1"/>
+            </a:fillRef>
+            <a:effectRef idx="3">
+              <a:schemeClr val="accent1"/>
+            </a:effectRef>
+            <a:fontRef idx="minor">
+              <a:schemeClr val="lt1"/>
+            </a:fontRef>
+          </p:style>
+          <p:txBody>
+            <a:bodyPr rot="0" spcFirstLastPara="0" vertOverflow="overflow" horzOverflow="overflow" vert="horz" wrap="square" lIns="91440" tIns="45720" rIns="91440" bIns="45720" numCol="1" spcCol="0" rtlCol="0" fromWordArt="0" anchor="t" anchorCtr="0" forceAA="0" compatLnSpc="1">
+              <a:prstTxWarp prst="textNoShape">
+                <a:avLst/>
+              </a:prstTxWarp>
+              <a:noAutofit/>
+            </a:bodyPr>
+            <a:lstStyle/>
+            <a:p>
+              <a:r>
+                <a:rPr lang="en-US" sz="1000" smtClean="0">
+                  <a:solidFill>
+                    <a:schemeClr val="tx1">
+                      <a:lumMod val="65000"/>
+                      <a:lumOff val="35000"/>
+                    </a:schemeClr>
+                  </a:solidFill>
+                  <a:latin typeface="Lucida Console" panose="020B0609040504020204" pitchFamily="49" charset="0"/>
+                </a:rPr>
+                <a:t>first_name</a:t>
+              </a:r>
+              <a:endParaRPr lang="en-US" sz="1000" smtClean="0">
+                <a:solidFill>
+                  <a:schemeClr val="tx1">
+                    <a:lumMod val="65000"/>
+                    <a:lumOff val="35000"/>
+                  </a:schemeClr>
+                </a:solidFill>
+                <a:latin typeface="Lucida Console" panose="020B0609040504020204" pitchFamily="49" charset="0"/>
+              </a:endParaRPr>
+            </a:p>
+          </p:txBody>
+        </p:sp>
+        <p:sp>
+          <p:nvSpPr>
+            <p:cNvPr id="39" name="Rectangle 38"/>
+            <p:cNvSpPr/>
+            <p:nvPr/>
+          </p:nvSpPr>
+          <p:spPr>
+            <a:xfrm>
+              <a:off x="3534622" y="904068"/>
+              <a:ext cx="900000" cy="252000"/>
+            </a:xfrm>
+            <a:prstGeom prst="rect">
+              <a:avLst/>
+            </a:prstGeom>
+            <a:solidFill>
+              <a:schemeClr val="bg1"/>
+            </a:solidFill>
+            <a:ln w="6350">
+              <a:solidFill>
+                <a:schemeClr val="tx2">
+                  <a:lumMod val="20000"/>
+                  <a:lumOff val="80000"/>
+                </a:schemeClr>
+              </a:solidFill>
+            </a:ln>
+            <a:effectLst/>
+            <a:scene3d>
+              <a:camera prst="orthographicFront">
+                <a:rot lat="0" lon="0" rev="0"/>
+              </a:camera>
+              <a:lightRig rig="threePt" dir="t">
+                <a:rot lat="0" lon="0" rev="1200000"/>
+              </a:lightRig>
+            </a:scene3d>
+            <a:sp3d/>
+          </p:spPr>
+          <p:style>
+            <a:lnRef idx="0">
+              <a:schemeClr val="accent1"/>
+            </a:lnRef>
+            <a:fillRef idx="3">
+              <a:schemeClr val="accent1"/>
+            </a:fillRef>
+            <a:effectRef idx="3">
+              <a:schemeClr val="accent1"/>
+            </a:effectRef>
+            <a:fontRef idx="minor">
+              <a:schemeClr val="lt1"/>
+            </a:fontRef>
+          </p:style>
+          <p:txBody>
+            <a:bodyPr rot="0" spcFirstLastPara="0" vertOverflow="overflow" horzOverflow="overflow" vert="horz" wrap="square" lIns="91440" tIns="45720" rIns="91440" bIns="45720" numCol="1" spcCol="0" rtlCol="0" fromWordArt="0" anchor="t" anchorCtr="0" forceAA="0" compatLnSpc="1">
+              <a:prstTxWarp prst="textNoShape">
+                <a:avLst/>
+              </a:prstTxWarp>
+              <a:noAutofit/>
+            </a:bodyPr>
+            <a:lstStyle/>
+            <a:p>
+              <a:r>
+                <a:rPr lang="en-US" sz="1000" smtClean="0">
+                  <a:solidFill>
+                    <a:schemeClr val="tx1">
+                      <a:lumMod val="65000"/>
+                      <a:lumOff val="35000"/>
+                    </a:schemeClr>
+                  </a:solidFill>
+                  <a:latin typeface="Lucida Console" panose="020B0609040504020204" pitchFamily="49" charset="0"/>
+                </a:rPr>
+                <a:t>last_name</a:t>
+              </a:r>
+              <a:endParaRPr lang="en-US" sz="1000" smtClean="0">
+                <a:solidFill>
+                  <a:schemeClr val="tx1">
+                    <a:lumMod val="65000"/>
+                    <a:lumOff val="35000"/>
+                  </a:schemeClr>
+                </a:solidFill>
+                <a:latin typeface="Lucida Console" panose="020B0609040504020204" pitchFamily="49" charset="0"/>
+              </a:endParaRPr>
+            </a:p>
+          </p:txBody>
+        </p:sp>
+        <p:sp>
+          <p:nvSpPr>
+            <p:cNvPr id="40" name="Rectangle 39"/>
+            <p:cNvSpPr/>
+            <p:nvPr/>
+          </p:nvSpPr>
+          <p:spPr>
+            <a:xfrm>
+              <a:off x="4434622" y="904068"/>
+              <a:ext cx="900000" cy="252000"/>
+            </a:xfrm>
+            <a:prstGeom prst="rect">
+              <a:avLst/>
+            </a:prstGeom>
+            <a:solidFill>
+              <a:schemeClr val="bg1"/>
+            </a:solidFill>
+            <a:ln w="6350">
+              <a:solidFill>
+                <a:schemeClr val="tx2">
+                  <a:lumMod val="20000"/>
+                  <a:lumOff val="80000"/>
+                </a:schemeClr>
+              </a:solidFill>
+            </a:ln>
+            <a:effectLst/>
+            <a:scene3d>
+              <a:camera prst="orthographicFront">
+                <a:rot lat="0" lon="0" rev="0"/>
+              </a:camera>
+              <a:lightRig rig="threePt" dir="t">
+                <a:rot lat="0" lon="0" rev="1200000"/>
+              </a:lightRig>
+            </a:scene3d>
+            <a:sp3d/>
+          </p:spPr>
+          <p:style>
+            <a:lnRef idx="0">
+              <a:schemeClr val="accent1"/>
+            </a:lnRef>
+            <a:fillRef idx="3">
+              <a:schemeClr val="accent1"/>
+            </a:fillRef>
+            <a:effectRef idx="3">
+              <a:schemeClr val="accent1"/>
+            </a:effectRef>
+            <a:fontRef idx="minor">
+              <a:schemeClr val="lt1"/>
+            </a:fontRef>
+          </p:style>
+          <p:txBody>
+            <a:bodyPr rot="0" spcFirstLastPara="0" vertOverflow="overflow" horzOverflow="overflow" vert="horz" wrap="square" lIns="91440" tIns="45720" rIns="91440" bIns="45720" numCol="1" spcCol="0" rtlCol="0" fromWordArt="0" anchor="t" anchorCtr="0" forceAA="0" compatLnSpc="1">
+              <a:prstTxWarp prst="textNoShape">
+                <a:avLst/>
+              </a:prstTxWarp>
+              <a:noAutofit/>
+            </a:bodyPr>
+            <a:lstStyle/>
+            <a:p>
+              <a:r>
+                <a:rPr lang="en-US" sz="1000" smtClean="0">
+                  <a:solidFill>
+                    <a:schemeClr val="tx1">
+                      <a:lumMod val="65000"/>
+                      <a:lumOff val="35000"/>
+                    </a:schemeClr>
+                  </a:solidFill>
+                  <a:latin typeface="Lucida Console" panose="020B0609040504020204" pitchFamily="49" charset="0"/>
+                </a:rPr>
+                <a:t>telephone</a:t>
+              </a:r>
+              <a:endParaRPr lang="en-US" sz="1000" smtClean="0">
+                <a:solidFill>
+                  <a:schemeClr val="tx1">
+                    <a:lumMod val="65000"/>
+                    <a:lumOff val="35000"/>
+                  </a:schemeClr>
+                </a:solidFill>
+                <a:latin typeface="Lucida Console" panose="020B0609040504020204" pitchFamily="49" charset="0"/>
+              </a:endParaRPr>
+            </a:p>
+          </p:txBody>
+        </p:sp>
+      </p:grpSp>
+      <p:grpSp>
+        <p:nvGrpSpPr>
+          <p:cNvPr id="41" name="Group 40"/>
+          <p:cNvGrpSpPr/>
+          <p:nvPr/>
+        </p:nvGrpSpPr>
+        <p:grpSpPr>
+          <a:xfrm>
+            <a:off x="2391868" y="2988442"/>
+            <a:ext cx="2592230" cy="540000"/>
+            <a:chOff x="2202622" y="616068"/>
+            <a:chExt cx="2592230" cy="540000"/>
+          </a:xfrm>
+        </p:grpSpPr>
+        <p:sp>
+          <p:nvSpPr>
+            <p:cNvPr id="42" name="Rounded Rectangle 41"/>
+            <p:cNvSpPr/>
+            <p:nvPr/>
+          </p:nvSpPr>
+          <p:spPr>
+            <a:xfrm>
+              <a:off x="2202622" y="616068"/>
+              <a:ext cx="2592000" cy="540000"/>
+            </a:xfrm>
+            <a:prstGeom prst="roundRect">
+              <a:avLst>
+                <a:gd name="adj" fmla="val 0"/>
+              </a:avLst>
+            </a:prstGeom>
+            <a:solidFill>
+              <a:schemeClr val="tx2">
+                <a:lumMod val="20000"/>
+                <a:lumOff val="80000"/>
+              </a:schemeClr>
+            </a:solidFill>
+            <a:ln w="19050">
+              <a:solidFill>
+                <a:schemeClr val="tx2">
+                  <a:lumMod val="20000"/>
+                  <a:lumOff val="80000"/>
+                </a:schemeClr>
+              </a:solidFill>
+            </a:ln>
+            <a:effectLst/>
+            <a:scene3d>
+              <a:camera prst="orthographicFront">
+                <a:rot lat="0" lon="0" rev="0"/>
+              </a:camera>
+              <a:lightRig rig="threePt" dir="t">
+                <a:rot lat="0" lon="0" rev="1200000"/>
+              </a:lightRig>
+            </a:scene3d>
+            <a:sp3d/>
+          </p:spPr>
+          <p:style>
+            <a:lnRef idx="0">
+              <a:schemeClr val="accent1"/>
+            </a:lnRef>
+            <a:fillRef idx="3">
+              <a:schemeClr val="accent1"/>
+            </a:fillRef>
+            <a:effectRef idx="3">
+              <a:schemeClr val="accent1"/>
+            </a:effectRef>
+            <a:fontRef idx="minor">
+              <a:schemeClr val="lt1"/>
+            </a:fontRef>
+          </p:style>
+          <p:txBody>
+            <a:bodyPr rtlCol="0" anchor="t" anchorCtr="0"/>
+            <a:lstStyle/>
+            <a:p>
+              <a:r>
+                <a:rPr lang="en-US" sz="1200" b="1" smtClean="0">
+                  <a:solidFill>
+                    <a:schemeClr val="tx1">
+                      <a:lumMod val="65000"/>
+                      <a:lumOff val="35000"/>
+                    </a:schemeClr>
+                  </a:solidFill>
+                  <a:latin typeface="Lucida Sans" panose="020B0602030504020204" pitchFamily="34" charset="0"/>
+                </a:rPr>
+                <a:t>logistician_and_truck_driver</a:t>
+              </a:r>
+              <a:endParaRPr lang="en-US" sz="1200" b="1" smtClean="0">
+                <a:solidFill>
+                  <a:schemeClr val="tx1">
+                    <a:lumMod val="65000"/>
+                    <a:lumOff val="35000"/>
+                  </a:schemeClr>
+                </a:solidFill>
+                <a:latin typeface="Lucida Sans" panose="020B0602030504020204" pitchFamily="34" charset="0"/>
+              </a:endParaRPr>
+            </a:p>
+          </p:txBody>
+        </p:sp>
+        <p:sp>
+          <p:nvSpPr>
+            <p:cNvPr id="44" name="Rectangle 43"/>
+            <p:cNvSpPr/>
+            <p:nvPr/>
+          </p:nvSpPr>
+          <p:spPr>
+            <a:xfrm>
+              <a:off x="2202622" y="904068"/>
+              <a:ext cx="1260000" cy="252000"/>
+            </a:xfrm>
+            <a:prstGeom prst="rect">
+              <a:avLst/>
+            </a:prstGeom>
+            <a:solidFill>
+              <a:schemeClr val="bg1"/>
+            </a:solidFill>
+            <a:ln w="6350">
+              <a:solidFill>
+                <a:schemeClr val="tx2">
+                  <a:lumMod val="20000"/>
+                  <a:lumOff val="80000"/>
+                </a:schemeClr>
+              </a:solidFill>
+            </a:ln>
+            <a:effectLst/>
+            <a:scene3d>
+              <a:camera prst="orthographicFront">
+                <a:rot lat="0" lon="0" rev="0"/>
+              </a:camera>
+              <a:lightRig rig="threePt" dir="t">
+                <a:rot lat="0" lon="0" rev="1200000"/>
+              </a:lightRig>
+            </a:scene3d>
+            <a:sp3d/>
+          </p:spPr>
+          <p:style>
+            <a:lnRef idx="0">
+              <a:schemeClr val="accent1"/>
+            </a:lnRef>
+            <a:fillRef idx="3">
+              <a:schemeClr val="accent1"/>
+            </a:fillRef>
+            <a:effectRef idx="3">
+              <a:schemeClr val="accent1"/>
+            </a:effectRef>
+            <a:fontRef idx="minor">
+              <a:schemeClr val="lt1"/>
+            </a:fontRef>
+          </p:style>
+          <p:txBody>
+            <a:bodyPr rot="0" spcFirstLastPara="0" vertOverflow="overflow" horzOverflow="overflow" vert="horz" wrap="square" lIns="91440" tIns="45720" rIns="91440" bIns="45720" numCol="1" spcCol="0" rtlCol="0" fromWordArt="0" anchor="t" anchorCtr="0" forceAA="0" compatLnSpc="1">
+              <a:prstTxWarp prst="textNoShape">
+                <a:avLst/>
+              </a:prstTxWarp>
+              <a:noAutofit/>
+            </a:bodyPr>
+            <a:lstStyle/>
+            <a:p>
+              <a:r>
+                <a:rPr lang="en-US" sz="1000" b="1" u="sng" smtClean="0">
+                  <a:solidFill>
+                    <a:schemeClr val="tx1">
+                      <a:lumMod val="65000"/>
+                      <a:lumOff val="35000"/>
+                    </a:schemeClr>
+                  </a:solidFill>
+                  <a:latin typeface="Lucida Console" panose="020B0609040504020204" pitchFamily="49" charset="0"/>
+                </a:rPr>
+                <a:t>logistician_id</a:t>
+              </a:r>
+              <a:endParaRPr lang="en-US" sz="1000" b="1" u="sng" smtClean="0">
+                <a:solidFill>
+                  <a:schemeClr val="tx1">
+                    <a:lumMod val="65000"/>
+                    <a:lumOff val="35000"/>
+                  </a:schemeClr>
+                </a:solidFill>
+                <a:latin typeface="Lucida Console" panose="020B0609040504020204" pitchFamily="49" charset="0"/>
+              </a:endParaRPr>
+            </a:p>
+          </p:txBody>
+        </p:sp>
+        <p:sp>
+          <p:nvSpPr>
+            <p:cNvPr id="46" name="Rectangle 45"/>
+            <p:cNvSpPr/>
+            <p:nvPr/>
+          </p:nvSpPr>
+          <p:spPr>
+            <a:xfrm>
+              <a:off x="3462852" y="904068"/>
+              <a:ext cx="1332000" cy="252000"/>
+            </a:xfrm>
+            <a:prstGeom prst="rect">
+              <a:avLst/>
+            </a:prstGeom>
+            <a:solidFill>
+              <a:schemeClr val="bg1"/>
+            </a:solidFill>
+            <a:ln w="6350">
+              <a:solidFill>
+                <a:schemeClr val="tx2">
+                  <a:lumMod val="20000"/>
+                  <a:lumOff val="80000"/>
+                </a:schemeClr>
+              </a:solidFill>
+            </a:ln>
+            <a:effectLst/>
+            <a:scene3d>
+              <a:camera prst="orthographicFront">
+                <a:rot lat="0" lon="0" rev="0"/>
+              </a:camera>
+              <a:lightRig rig="threePt" dir="t">
+                <a:rot lat="0" lon="0" rev="1200000"/>
+              </a:lightRig>
+            </a:scene3d>
+            <a:sp3d/>
+          </p:spPr>
+          <p:style>
+            <a:lnRef idx="0">
+              <a:schemeClr val="accent1"/>
+            </a:lnRef>
+            <a:fillRef idx="3">
+              <a:schemeClr val="accent1"/>
+            </a:fillRef>
+            <a:effectRef idx="3">
+              <a:schemeClr val="accent1"/>
+            </a:effectRef>
+            <a:fontRef idx="minor">
+              <a:schemeClr val="lt1"/>
+            </a:fontRef>
+          </p:style>
+          <p:txBody>
+            <a:bodyPr rot="0" spcFirstLastPara="0" vertOverflow="overflow" horzOverflow="overflow" vert="horz" wrap="square" lIns="91440" tIns="45720" rIns="91440" bIns="45720" numCol="1" spcCol="0" rtlCol="0" fromWordArt="0" anchor="t" anchorCtr="0" forceAA="0" compatLnSpc="1">
+              <a:prstTxWarp prst="textNoShape">
+                <a:avLst/>
+              </a:prstTxWarp>
+              <a:noAutofit/>
+            </a:bodyPr>
+            <a:lstStyle/>
+            <a:p>
+              <a:r>
+                <a:rPr lang="en-US" sz="1000" b="1" u="sng" smtClean="0">
+                  <a:solidFill>
+                    <a:schemeClr val="tx1">
+                      <a:lumMod val="65000"/>
+                      <a:lumOff val="35000"/>
+                    </a:schemeClr>
+                  </a:solidFill>
+                  <a:latin typeface="Lucida Console" panose="020B0609040504020204" pitchFamily="49" charset="0"/>
+                </a:rPr>
+                <a:t>truck_driver_id</a:t>
+              </a:r>
+              <a:endParaRPr lang="en-US" sz="1000" b="1" u="sng" smtClean="0">
+                <a:solidFill>
+                  <a:schemeClr val="tx1">
+                    <a:lumMod val="65000"/>
+                    <a:lumOff val="35000"/>
+                  </a:schemeClr>
+                </a:solidFill>
+                <a:latin typeface="Lucida Console" panose="020B0609040504020204" pitchFamily="49" charset="0"/>
+              </a:endParaRPr>
+            </a:p>
+          </p:txBody>
+        </p:sp>
+      </p:grpSp>
+      <p:grpSp>
+        <p:nvGrpSpPr>
+          <p:cNvPr id="47" name="Group 46"/>
+          <p:cNvGrpSpPr/>
+          <p:nvPr/>
+        </p:nvGrpSpPr>
+        <p:grpSpPr>
+          <a:xfrm>
+            <a:off x="6346114" y="2988442"/>
+            <a:ext cx="2160000" cy="540000"/>
+            <a:chOff x="2202622" y="616068"/>
+            <a:chExt cx="2160000" cy="540000"/>
+          </a:xfrm>
+        </p:grpSpPr>
+        <p:sp>
+          <p:nvSpPr>
+            <p:cNvPr id="48" name="Rounded Rectangle 47"/>
+            <p:cNvSpPr/>
+            <p:nvPr/>
+          </p:nvSpPr>
+          <p:spPr>
+            <a:xfrm>
+              <a:off x="2202622" y="616068"/>
+              <a:ext cx="2160000" cy="540000"/>
+            </a:xfrm>
+            <a:prstGeom prst="roundRect">
+              <a:avLst>
+                <a:gd name="adj" fmla="val 0"/>
+              </a:avLst>
+            </a:prstGeom>
+            <a:solidFill>
+              <a:schemeClr val="tx2">
+                <a:lumMod val="20000"/>
+                <a:lumOff val="80000"/>
+              </a:schemeClr>
+            </a:solidFill>
+            <a:ln w="19050">
+              <a:solidFill>
+                <a:schemeClr val="tx2">
+                  <a:lumMod val="20000"/>
+                  <a:lumOff val="80000"/>
+                </a:schemeClr>
+              </a:solidFill>
+            </a:ln>
+            <a:effectLst/>
+            <a:scene3d>
+              <a:camera prst="orthographicFront">
+                <a:rot lat="0" lon="0" rev="0"/>
+              </a:camera>
+              <a:lightRig rig="threePt" dir="t">
+                <a:rot lat="0" lon="0" rev="1200000"/>
+              </a:lightRig>
+            </a:scene3d>
+            <a:sp3d/>
+          </p:spPr>
+          <p:style>
+            <a:lnRef idx="0">
+              <a:schemeClr val="accent1"/>
+            </a:lnRef>
+            <a:fillRef idx="3">
+              <a:schemeClr val="accent1"/>
+            </a:fillRef>
+            <a:effectRef idx="3">
+              <a:schemeClr val="accent1"/>
+            </a:effectRef>
+            <a:fontRef idx="minor">
+              <a:schemeClr val="lt1"/>
+            </a:fontRef>
+          </p:style>
+          <p:txBody>
+            <a:bodyPr rtlCol="0" anchor="t" anchorCtr="0"/>
+            <a:lstStyle/>
+            <a:p>
+              <a:r>
+                <a:rPr lang="en-US" sz="1200" b="1" smtClean="0">
+                  <a:solidFill>
+                    <a:schemeClr val="tx1">
+                      <a:lumMod val="65000"/>
+                      <a:lumOff val="35000"/>
+                    </a:schemeClr>
+                  </a:solidFill>
+                  <a:latin typeface="Lucida Sans" panose="020B0602030504020204" pitchFamily="34" charset="0"/>
+                </a:rPr>
+                <a:t>truck_driver_and_truck</a:t>
+              </a:r>
+              <a:endParaRPr lang="en-US" sz="1200" b="1" smtClean="0">
+                <a:solidFill>
+                  <a:schemeClr val="tx1">
+                    <a:lumMod val="65000"/>
+                    <a:lumOff val="35000"/>
+                  </a:schemeClr>
+                </a:solidFill>
+                <a:latin typeface="Lucida Sans" panose="020B0602030504020204" pitchFamily="34" charset="0"/>
+              </a:endParaRPr>
+            </a:p>
+          </p:txBody>
+        </p:sp>
+        <p:sp>
+          <p:nvSpPr>
+            <p:cNvPr id="50" name="Rectangle 49"/>
+            <p:cNvSpPr/>
+            <p:nvPr/>
+          </p:nvSpPr>
+          <p:spPr>
+            <a:xfrm>
+              <a:off x="2202622" y="904068"/>
+              <a:ext cx="1332000" cy="252000"/>
+            </a:xfrm>
+            <a:prstGeom prst="rect">
+              <a:avLst/>
+            </a:prstGeom>
+            <a:solidFill>
+              <a:schemeClr val="bg1"/>
+            </a:solidFill>
+            <a:ln w="6350">
+              <a:solidFill>
+                <a:schemeClr val="tx2">
+                  <a:lumMod val="20000"/>
+                  <a:lumOff val="80000"/>
+                </a:schemeClr>
+              </a:solidFill>
+            </a:ln>
+            <a:effectLst/>
+            <a:scene3d>
+              <a:camera prst="orthographicFront">
+                <a:rot lat="0" lon="0" rev="0"/>
+              </a:camera>
+              <a:lightRig rig="threePt" dir="t">
+                <a:rot lat="0" lon="0" rev="1200000"/>
+              </a:lightRig>
+            </a:scene3d>
+            <a:sp3d/>
+          </p:spPr>
+          <p:style>
+            <a:lnRef idx="0">
+              <a:schemeClr val="accent1"/>
+            </a:lnRef>
+            <a:fillRef idx="3">
+              <a:schemeClr val="accent1"/>
+            </a:fillRef>
+            <a:effectRef idx="3">
+              <a:schemeClr val="accent1"/>
+            </a:effectRef>
+            <a:fontRef idx="minor">
+              <a:schemeClr val="lt1"/>
+            </a:fontRef>
+          </p:style>
+          <p:txBody>
+            <a:bodyPr rot="0" spcFirstLastPara="0" vertOverflow="overflow" horzOverflow="overflow" vert="horz" wrap="square" lIns="91440" tIns="45720" rIns="91440" bIns="45720" numCol="1" spcCol="0" rtlCol="0" fromWordArt="0" anchor="t" anchorCtr="0" forceAA="0" compatLnSpc="1">
+              <a:prstTxWarp prst="textNoShape">
+                <a:avLst/>
+              </a:prstTxWarp>
+              <a:noAutofit/>
+            </a:bodyPr>
+            <a:lstStyle/>
+            <a:p>
+              <a:r>
+                <a:rPr lang="en-US" sz="1000" b="1" u="sng" smtClean="0">
+                  <a:solidFill>
+                    <a:schemeClr val="tx1">
+                      <a:lumMod val="65000"/>
+                      <a:lumOff val="35000"/>
+                    </a:schemeClr>
+                  </a:solidFill>
+                  <a:latin typeface="Lucida Console" panose="020B0609040504020204" pitchFamily="49" charset="0"/>
+                </a:rPr>
+                <a:t>truck_driver_id</a:t>
+              </a:r>
+              <a:endParaRPr lang="en-US" sz="1000" b="1" u="sng" smtClean="0">
+                <a:solidFill>
+                  <a:schemeClr val="tx1">
+                    <a:lumMod val="65000"/>
+                    <a:lumOff val="35000"/>
+                  </a:schemeClr>
+                </a:solidFill>
+                <a:latin typeface="Lucida Console" panose="020B0609040504020204" pitchFamily="49" charset="0"/>
+              </a:endParaRPr>
+            </a:p>
+          </p:txBody>
+        </p:sp>
+        <p:sp>
+          <p:nvSpPr>
+            <p:cNvPr id="51" name="Rectangle 50"/>
+            <p:cNvSpPr/>
+            <p:nvPr/>
+          </p:nvSpPr>
+          <p:spPr>
+            <a:xfrm>
+              <a:off x="3534622" y="904068"/>
+              <a:ext cx="828000" cy="252000"/>
+            </a:xfrm>
+            <a:prstGeom prst="rect">
+              <a:avLst/>
+            </a:prstGeom>
+            <a:solidFill>
+              <a:schemeClr val="bg1"/>
+            </a:solidFill>
+            <a:ln w="6350">
+              <a:solidFill>
+                <a:schemeClr val="tx2">
+                  <a:lumMod val="20000"/>
+                  <a:lumOff val="80000"/>
+                </a:schemeClr>
+              </a:solidFill>
+            </a:ln>
+            <a:effectLst/>
+            <a:scene3d>
+              <a:camera prst="orthographicFront">
+                <a:rot lat="0" lon="0" rev="0"/>
+              </a:camera>
+              <a:lightRig rig="threePt" dir="t">
+                <a:rot lat="0" lon="0" rev="1200000"/>
+              </a:lightRig>
+            </a:scene3d>
+            <a:sp3d/>
+          </p:spPr>
+          <p:style>
+            <a:lnRef idx="0">
+              <a:schemeClr val="accent1"/>
+            </a:lnRef>
+            <a:fillRef idx="3">
+              <a:schemeClr val="accent1"/>
+            </a:fillRef>
+            <a:effectRef idx="3">
+              <a:schemeClr val="accent1"/>
+            </a:effectRef>
+            <a:fontRef idx="minor">
+              <a:schemeClr val="lt1"/>
+            </a:fontRef>
+          </p:style>
+          <p:txBody>
+            <a:bodyPr rot="0" spcFirstLastPara="0" vertOverflow="overflow" horzOverflow="overflow" vert="horz" wrap="square" lIns="91440" tIns="45720" rIns="91440" bIns="45720" numCol="1" spcCol="0" rtlCol="0" fromWordArt="0" anchor="t" anchorCtr="0" forceAA="0" compatLnSpc="1">
+              <a:prstTxWarp prst="textNoShape">
+                <a:avLst/>
+              </a:prstTxWarp>
+              <a:noAutofit/>
+            </a:bodyPr>
+            <a:lstStyle/>
+            <a:p>
+              <a:r>
+                <a:rPr lang="en-US" sz="1000" b="1" u="sng" smtClean="0">
+                  <a:solidFill>
+                    <a:schemeClr val="tx1">
+                      <a:lumMod val="65000"/>
+                      <a:lumOff val="35000"/>
+                    </a:schemeClr>
+                  </a:solidFill>
+                  <a:latin typeface="Lucida Console" panose="020B0609040504020204" pitchFamily="49" charset="0"/>
+                </a:rPr>
+                <a:t>truck_id</a:t>
+              </a:r>
+              <a:endParaRPr lang="en-US" sz="1000" b="1" u="sng" smtClean="0">
+                <a:solidFill>
+                  <a:schemeClr val="tx1">
+                    <a:lumMod val="65000"/>
+                    <a:lumOff val="35000"/>
+                  </a:schemeClr>
+                </a:solidFill>
+                <a:latin typeface="Lucida Console" panose="020B0609040504020204" pitchFamily="49" charset="0"/>
+              </a:endParaRPr>
+            </a:p>
+          </p:txBody>
+        </p:sp>
+      </p:grpSp>
+      <p:grpSp>
+        <p:nvGrpSpPr>
+          <p:cNvPr id="52" name="Group 51"/>
+          <p:cNvGrpSpPr/>
+          <p:nvPr/>
+        </p:nvGrpSpPr>
+        <p:grpSpPr>
+          <a:xfrm>
+            <a:off x="2391868" y="3888482"/>
+            <a:ext cx="5112000" cy="543474"/>
+            <a:chOff x="2202622" y="616068"/>
+            <a:chExt cx="5112000" cy="543474"/>
+          </a:xfrm>
+        </p:grpSpPr>
+        <p:sp>
+          <p:nvSpPr>
+            <p:cNvPr id="53" name="Rounded Rectangle 52"/>
+            <p:cNvSpPr/>
+            <p:nvPr/>
+          </p:nvSpPr>
+          <p:spPr>
+            <a:xfrm>
+              <a:off x="2202622" y="616068"/>
+              <a:ext cx="5112000" cy="540000"/>
+            </a:xfrm>
+            <a:prstGeom prst="roundRect">
+              <a:avLst>
+                <a:gd name="adj" fmla="val 0"/>
+              </a:avLst>
+            </a:prstGeom>
+            <a:solidFill>
+              <a:schemeClr val="tx2">
+                <a:lumMod val="20000"/>
+                <a:lumOff val="80000"/>
+              </a:schemeClr>
+            </a:solidFill>
+            <a:ln w="19050">
+              <a:solidFill>
+                <a:schemeClr val="tx2">
+                  <a:lumMod val="20000"/>
+                  <a:lumOff val="80000"/>
+                </a:schemeClr>
+              </a:solidFill>
+            </a:ln>
+            <a:effectLst/>
+            <a:scene3d>
+              <a:camera prst="orthographicFront">
+                <a:rot lat="0" lon="0" rev="0"/>
+              </a:camera>
+              <a:lightRig rig="threePt" dir="t">
+                <a:rot lat="0" lon="0" rev="1200000"/>
+              </a:lightRig>
+            </a:scene3d>
+            <a:sp3d/>
+          </p:spPr>
+          <p:style>
+            <a:lnRef idx="0">
+              <a:schemeClr val="accent1"/>
+            </a:lnRef>
+            <a:fillRef idx="3">
+              <a:schemeClr val="accent1"/>
+            </a:fillRef>
+            <a:effectRef idx="3">
+              <a:schemeClr val="accent1"/>
+            </a:effectRef>
+            <a:fontRef idx="minor">
+              <a:schemeClr val="lt1"/>
+            </a:fontRef>
+          </p:style>
+          <p:txBody>
+            <a:bodyPr rtlCol="0" anchor="t" anchorCtr="0"/>
+            <a:lstStyle/>
+            <a:p>
+              <a:r>
+                <a:rPr lang="en-US" sz="1200" b="1" smtClean="0">
+                  <a:solidFill>
+                    <a:schemeClr val="tx1">
+                      <a:lumMod val="65000"/>
+                      <a:lumOff val="35000"/>
+                    </a:schemeClr>
+                  </a:solidFill>
+                  <a:latin typeface="Lucida Sans" panose="020B0602030504020204" pitchFamily="34" charset="0"/>
+                </a:rPr>
+                <a:t>truck</a:t>
+              </a:r>
+              <a:endParaRPr lang="en-US" sz="1200" b="1" smtClean="0">
+                <a:solidFill>
+                  <a:schemeClr val="tx1">
+                    <a:lumMod val="65000"/>
+                    <a:lumOff val="35000"/>
+                  </a:schemeClr>
+                </a:solidFill>
+                <a:latin typeface="Lucida Sans" panose="020B0602030504020204" pitchFamily="34" charset="0"/>
+              </a:endParaRPr>
+            </a:p>
+          </p:txBody>
+        </p:sp>
+        <p:sp>
+          <p:nvSpPr>
+            <p:cNvPr id="54" name="Rectangle 53"/>
+            <p:cNvSpPr/>
+            <p:nvPr/>
+          </p:nvSpPr>
+          <p:spPr>
+            <a:xfrm>
+              <a:off x="2202622" y="904068"/>
+              <a:ext cx="360000" cy="252000"/>
+            </a:xfrm>
+            <a:prstGeom prst="rect">
+              <a:avLst/>
+            </a:prstGeom>
+            <a:solidFill>
+              <a:schemeClr val="bg1"/>
+            </a:solidFill>
+            <a:ln w="6350">
+              <a:solidFill>
+                <a:schemeClr val="tx2">
+                  <a:lumMod val="20000"/>
+                  <a:lumOff val="80000"/>
+                </a:schemeClr>
+              </a:solidFill>
+            </a:ln>
+            <a:effectLst/>
+            <a:scene3d>
+              <a:camera prst="orthographicFront">
+                <a:rot lat="0" lon="0" rev="0"/>
+              </a:camera>
+              <a:lightRig rig="threePt" dir="t">
+                <a:rot lat="0" lon="0" rev="1200000"/>
+              </a:lightRig>
+            </a:scene3d>
+            <a:sp3d/>
+          </p:spPr>
+          <p:style>
+            <a:lnRef idx="0">
+              <a:schemeClr val="accent1"/>
+            </a:lnRef>
+            <a:fillRef idx="3">
+              <a:schemeClr val="accent1"/>
+            </a:fillRef>
+            <a:effectRef idx="3">
+              <a:schemeClr val="accent1"/>
+            </a:effectRef>
+            <a:fontRef idx="minor">
+              <a:schemeClr val="lt1"/>
+            </a:fontRef>
+          </p:style>
+          <p:txBody>
+            <a:bodyPr rot="0" spcFirstLastPara="0" vertOverflow="overflow" horzOverflow="overflow" vert="horz" wrap="square" lIns="91440" tIns="45720" rIns="91440" bIns="45720" numCol="1" spcCol="0" rtlCol="0" fromWordArt="0" anchor="t" anchorCtr="0" forceAA="0" compatLnSpc="1">
+              <a:prstTxWarp prst="textNoShape">
+                <a:avLst/>
+              </a:prstTxWarp>
+              <a:noAutofit/>
+            </a:bodyPr>
+            <a:lstStyle/>
+            <a:p>
+              <a:r>
+                <a:rPr lang="en-US" sz="1000" b="1" smtClean="0">
+                  <a:solidFill>
+                    <a:schemeClr val="tx1">
+                      <a:lumMod val="65000"/>
+                      <a:lumOff val="35000"/>
+                    </a:schemeClr>
+                  </a:solidFill>
+                  <a:latin typeface="Lucida Console" panose="020B0609040504020204" pitchFamily="49" charset="0"/>
+                </a:rPr>
+                <a:t>id</a:t>
+              </a:r>
+              <a:endParaRPr lang="en-US" sz="1000" b="1" smtClean="0">
+                <a:solidFill>
+                  <a:schemeClr val="tx1">
+                    <a:lumMod val="65000"/>
+                    <a:lumOff val="35000"/>
+                  </a:schemeClr>
+                </a:solidFill>
+                <a:latin typeface="Lucida Console" panose="020B0609040504020204" pitchFamily="49" charset="0"/>
+              </a:endParaRPr>
+            </a:p>
+          </p:txBody>
+        </p:sp>
+        <p:sp>
+          <p:nvSpPr>
+            <p:cNvPr id="55" name="Rectangle 54"/>
+            <p:cNvSpPr/>
+            <p:nvPr/>
+          </p:nvSpPr>
+          <p:spPr>
+            <a:xfrm>
+              <a:off x="2562622" y="904068"/>
+              <a:ext cx="1404000" cy="252000"/>
+            </a:xfrm>
+            <a:prstGeom prst="rect">
+              <a:avLst/>
+            </a:prstGeom>
+            <a:solidFill>
+              <a:schemeClr val="bg1"/>
+            </a:solidFill>
+            <a:ln w="6350">
+              <a:solidFill>
+                <a:schemeClr val="tx2">
+                  <a:lumMod val="20000"/>
+                  <a:lumOff val="80000"/>
+                </a:schemeClr>
+              </a:solidFill>
+            </a:ln>
+            <a:effectLst/>
+            <a:scene3d>
+              <a:camera prst="orthographicFront">
+                <a:rot lat="0" lon="0" rev="0"/>
+              </a:camera>
+              <a:lightRig rig="threePt" dir="t">
+                <a:rot lat="0" lon="0" rev="1200000"/>
+              </a:lightRig>
+            </a:scene3d>
+            <a:sp3d/>
+          </p:spPr>
+          <p:style>
+            <a:lnRef idx="0">
+              <a:schemeClr val="accent1"/>
+            </a:lnRef>
+            <a:fillRef idx="3">
+              <a:schemeClr val="accent1"/>
+            </a:fillRef>
+            <a:effectRef idx="3">
+              <a:schemeClr val="accent1"/>
+            </a:effectRef>
+            <a:fontRef idx="minor">
+              <a:schemeClr val="lt1"/>
+            </a:fontRef>
+          </p:style>
+          <p:txBody>
+            <a:bodyPr rot="0" spcFirstLastPara="0" vertOverflow="overflow" horzOverflow="overflow" vert="horz" wrap="square" lIns="91440" tIns="45720" rIns="91440" bIns="45720" numCol="1" spcCol="0" rtlCol="0" fromWordArt="0" anchor="t" anchorCtr="0" forceAA="0" compatLnSpc="1">
+              <a:prstTxWarp prst="textNoShape">
+                <a:avLst/>
+              </a:prstTxWarp>
+              <a:noAutofit/>
+            </a:bodyPr>
+            <a:lstStyle/>
+            <a:p>
+              <a:r>
+                <a:rPr lang="en-US" sz="1000" smtClean="0">
+                  <a:solidFill>
+                    <a:schemeClr val="tx1">
+                      <a:lumMod val="65000"/>
+                      <a:lumOff val="35000"/>
+                    </a:schemeClr>
+                  </a:solidFill>
+                  <a:latin typeface="Lucida Console" panose="020B0609040504020204" pitchFamily="49" charset="0"/>
+                </a:rPr>
+                <a:t>vehicle_capacity</a:t>
+              </a:r>
+              <a:endParaRPr lang="en-US" sz="1000" smtClean="0">
+                <a:solidFill>
+                  <a:schemeClr val="tx1">
+                    <a:lumMod val="65000"/>
+                    <a:lumOff val="35000"/>
+                  </a:schemeClr>
+                </a:solidFill>
+                <a:latin typeface="Lucida Console" panose="020B0609040504020204" pitchFamily="49" charset="0"/>
+              </a:endParaRPr>
+            </a:p>
+          </p:txBody>
+        </p:sp>
+        <p:sp>
+          <p:nvSpPr>
+            <p:cNvPr id="57" name="Rectangle 56"/>
+            <p:cNvSpPr/>
+            <p:nvPr/>
+          </p:nvSpPr>
+          <p:spPr>
+            <a:xfrm>
+              <a:off x="3966622" y="904068"/>
+              <a:ext cx="576000" cy="252000"/>
+            </a:xfrm>
+            <a:prstGeom prst="rect">
+              <a:avLst/>
+            </a:prstGeom>
+            <a:solidFill>
+              <a:schemeClr val="bg1"/>
+            </a:solidFill>
+            <a:ln w="6350">
+              <a:solidFill>
+                <a:schemeClr val="tx2">
+                  <a:lumMod val="20000"/>
+                  <a:lumOff val="80000"/>
+                </a:schemeClr>
+              </a:solidFill>
+            </a:ln>
+            <a:effectLst/>
+            <a:scene3d>
+              <a:camera prst="orthographicFront">
+                <a:rot lat="0" lon="0" rev="0"/>
+              </a:camera>
+              <a:lightRig rig="threePt" dir="t">
+                <a:rot lat="0" lon="0" rev="1200000"/>
+              </a:lightRig>
+            </a:scene3d>
+            <a:sp3d/>
+          </p:spPr>
+          <p:style>
+            <a:lnRef idx="0">
+              <a:schemeClr val="accent1"/>
+            </a:lnRef>
+            <a:fillRef idx="3">
+              <a:schemeClr val="accent1"/>
+            </a:fillRef>
+            <a:effectRef idx="3">
+              <a:schemeClr val="accent1"/>
+            </a:effectRef>
+            <a:fontRef idx="minor">
+              <a:schemeClr val="lt1"/>
+            </a:fontRef>
+          </p:style>
+          <p:txBody>
+            <a:bodyPr rot="0" spcFirstLastPara="0" vertOverflow="overflow" horzOverflow="overflow" vert="horz" wrap="square" lIns="91440" tIns="45720" rIns="91440" bIns="45720" numCol="1" spcCol="0" rtlCol="0" fromWordArt="0" anchor="t" anchorCtr="0" forceAA="0" compatLnSpc="1">
+              <a:prstTxWarp prst="textNoShape">
+                <a:avLst/>
+              </a:prstTxWarp>
+              <a:noAutofit/>
+            </a:bodyPr>
+            <a:lstStyle/>
+            <a:p>
+              <a:r>
+                <a:rPr lang="en-US" sz="1000" smtClean="0">
+                  <a:solidFill>
+                    <a:schemeClr val="tx1">
+                      <a:lumMod val="65000"/>
+                      <a:lumOff val="35000"/>
+                    </a:schemeClr>
+                  </a:solidFill>
+                  <a:latin typeface="Lucida Console" panose="020B0609040504020204" pitchFamily="49" charset="0"/>
+                </a:rPr>
+                <a:t>brand</a:t>
+              </a:r>
+              <a:endParaRPr lang="en-US" sz="1000" smtClean="0">
+                <a:solidFill>
+                  <a:schemeClr val="tx1">
+                    <a:lumMod val="65000"/>
+                    <a:lumOff val="35000"/>
+                  </a:schemeClr>
+                </a:solidFill>
+                <a:latin typeface="Lucida Console" panose="020B0609040504020204" pitchFamily="49" charset="0"/>
+              </a:endParaRPr>
+            </a:p>
+          </p:txBody>
+        </p:sp>
+        <p:sp>
+          <p:nvSpPr>
+            <p:cNvPr id="58" name="Rectangle 57"/>
+            <p:cNvSpPr/>
+            <p:nvPr/>
+          </p:nvSpPr>
+          <p:spPr>
+            <a:xfrm>
+              <a:off x="4542622" y="904068"/>
+              <a:ext cx="576000" cy="252000"/>
+            </a:xfrm>
+            <a:prstGeom prst="rect">
+              <a:avLst/>
+            </a:prstGeom>
+            <a:solidFill>
+              <a:schemeClr val="bg1"/>
+            </a:solidFill>
+            <a:ln w="6350">
+              <a:solidFill>
+                <a:schemeClr val="tx2">
+                  <a:lumMod val="20000"/>
+                  <a:lumOff val="80000"/>
+                </a:schemeClr>
+              </a:solidFill>
+            </a:ln>
+            <a:effectLst/>
+            <a:scene3d>
+              <a:camera prst="orthographicFront">
+                <a:rot lat="0" lon="0" rev="0"/>
+              </a:camera>
+              <a:lightRig rig="threePt" dir="t">
+                <a:rot lat="0" lon="0" rev="1200000"/>
+              </a:lightRig>
+            </a:scene3d>
+            <a:sp3d/>
+          </p:spPr>
+          <p:style>
+            <a:lnRef idx="0">
+              <a:schemeClr val="accent1"/>
+            </a:lnRef>
+            <a:fillRef idx="3">
+              <a:schemeClr val="accent1"/>
+            </a:fillRef>
+            <a:effectRef idx="3">
+              <a:schemeClr val="accent1"/>
+            </a:effectRef>
+            <a:fontRef idx="minor">
+              <a:schemeClr val="lt1"/>
+            </a:fontRef>
+          </p:style>
+          <p:txBody>
+            <a:bodyPr rot="0" spcFirstLastPara="0" vertOverflow="overflow" horzOverflow="overflow" vert="horz" wrap="square" lIns="91440" tIns="45720" rIns="91440" bIns="45720" numCol="1" spcCol="0" rtlCol="0" fromWordArt="0" anchor="t" anchorCtr="0" forceAA="0" compatLnSpc="1">
+              <a:prstTxWarp prst="textNoShape">
+                <a:avLst/>
+              </a:prstTxWarp>
+              <a:noAutofit/>
+            </a:bodyPr>
+            <a:lstStyle/>
+            <a:p>
+              <a:r>
+                <a:rPr lang="en-US" sz="1000" smtClean="0">
+                  <a:solidFill>
+                    <a:schemeClr val="tx1">
+                      <a:lumMod val="65000"/>
+                      <a:lumOff val="35000"/>
+                    </a:schemeClr>
+                  </a:solidFill>
+                  <a:latin typeface="Lucida Console" panose="020B0609040504020204" pitchFamily="49" charset="0"/>
+                </a:rPr>
+                <a:t>model</a:t>
+              </a:r>
+              <a:endParaRPr lang="en-US" sz="1000" smtClean="0">
+                <a:solidFill>
+                  <a:schemeClr val="tx1">
+                    <a:lumMod val="65000"/>
+                    <a:lumOff val="35000"/>
+                  </a:schemeClr>
+                </a:solidFill>
+                <a:latin typeface="Lucida Console" panose="020B0609040504020204" pitchFamily="49" charset="0"/>
+              </a:endParaRPr>
+            </a:p>
+          </p:txBody>
+        </p:sp>
+        <p:sp>
+          <p:nvSpPr>
+            <p:cNvPr id="59" name="Rectangle 58"/>
+            <p:cNvSpPr/>
+            <p:nvPr/>
+          </p:nvSpPr>
+          <p:spPr>
+            <a:xfrm>
+              <a:off x="5118622" y="904068"/>
+              <a:ext cx="648000" cy="252000"/>
+            </a:xfrm>
+            <a:prstGeom prst="rect">
+              <a:avLst/>
+            </a:prstGeom>
+            <a:solidFill>
+              <a:schemeClr val="bg1"/>
+            </a:solidFill>
+            <a:ln w="6350">
+              <a:solidFill>
+                <a:schemeClr val="tx2">
+                  <a:lumMod val="20000"/>
+                  <a:lumOff val="80000"/>
+                </a:schemeClr>
+              </a:solidFill>
+            </a:ln>
+            <a:effectLst/>
+            <a:scene3d>
+              <a:camera prst="orthographicFront">
+                <a:rot lat="0" lon="0" rev="0"/>
+              </a:camera>
+              <a:lightRig rig="threePt" dir="t">
+                <a:rot lat="0" lon="0" rev="1200000"/>
+              </a:lightRig>
+            </a:scene3d>
+            <a:sp3d/>
+          </p:spPr>
+          <p:style>
+            <a:lnRef idx="0">
+              <a:schemeClr val="accent1"/>
+            </a:lnRef>
+            <a:fillRef idx="3">
+              <a:schemeClr val="accent1"/>
+            </a:fillRef>
+            <a:effectRef idx="3">
+              <a:schemeClr val="accent1"/>
+            </a:effectRef>
+            <a:fontRef idx="minor">
+              <a:schemeClr val="lt1"/>
+            </a:fontRef>
+          </p:style>
+          <p:txBody>
+            <a:bodyPr rot="0" spcFirstLastPara="0" vertOverflow="overflow" horzOverflow="overflow" vert="horz" wrap="square" lIns="91440" tIns="45720" rIns="91440" bIns="45720" numCol="1" spcCol="0" rtlCol="0" fromWordArt="0" anchor="t" anchorCtr="0" forceAA="0" compatLnSpc="1">
+              <a:prstTxWarp prst="textNoShape">
+                <a:avLst/>
+              </a:prstTxWarp>
+              <a:noAutofit/>
+            </a:bodyPr>
+            <a:lstStyle/>
+            <a:p>
+              <a:r>
+                <a:rPr lang="en-US" sz="1000" smtClean="0">
+                  <a:solidFill>
+                    <a:schemeClr val="tx1">
+                      <a:lumMod val="65000"/>
+                      <a:lumOff val="35000"/>
+                    </a:schemeClr>
+                  </a:solidFill>
+                  <a:latin typeface="Lucida Console" panose="020B0609040504020204" pitchFamily="49" charset="0"/>
+                </a:rPr>
+                <a:t>engine</a:t>
+              </a:r>
+              <a:endParaRPr lang="en-US" sz="1000" smtClean="0">
+                <a:solidFill>
+                  <a:schemeClr val="tx1">
+                    <a:lumMod val="65000"/>
+                    <a:lumOff val="35000"/>
+                  </a:schemeClr>
+                </a:solidFill>
+                <a:latin typeface="Lucida Console" panose="020B0609040504020204" pitchFamily="49" charset="0"/>
+              </a:endParaRPr>
+            </a:p>
+          </p:txBody>
+        </p:sp>
+        <p:sp>
+          <p:nvSpPr>
+            <p:cNvPr id="60" name="Rectangle 59"/>
+            <p:cNvSpPr/>
+            <p:nvPr/>
+          </p:nvSpPr>
+          <p:spPr>
+            <a:xfrm>
+              <a:off x="5766622" y="907542"/>
+              <a:ext cx="1116000" cy="252000"/>
+            </a:xfrm>
+            <a:prstGeom prst="rect">
+              <a:avLst/>
+            </a:prstGeom>
+            <a:solidFill>
+              <a:schemeClr val="bg1"/>
+            </a:solidFill>
+            <a:ln w="6350">
+              <a:solidFill>
+                <a:schemeClr val="tx2">
+                  <a:lumMod val="20000"/>
+                  <a:lumOff val="80000"/>
+                </a:schemeClr>
+              </a:solidFill>
+            </a:ln>
+            <a:effectLst/>
+            <a:scene3d>
+              <a:camera prst="orthographicFront">
+                <a:rot lat="0" lon="0" rev="0"/>
+              </a:camera>
+              <a:lightRig rig="threePt" dir="t">
+                <a:rot lat="0" lon="0" rev="1200000"/>
+              </a:lightRig>
+            </a:scene3d>
+            <a:sp3d/>
+          </p:spPr>
+          <p:style>
+            <a:lnRef idx="0">
+              <a:schemeClr val="accent1"/>
+            </a:lnRef>
+            <a:fillRef idx="3">
+              <a:schemeClr val="accent1"/>
+            </a:fillRef>
+            <a:effectRef idx="3">
+              <a:schemeClr val="accent1"/>
+            </a:effectRef>
+            <a:fontRef idx="minor">
+              <a:schemeClr val="lt1"/>
+            </a:fontRef>
+          </p:style>
+          <p:txBody>
+            <a:bodyPr rot="0" spcFirstLastPara="0" vertOverflow="overflow" horzOverflow="overflow" vert="horz" wrap="square" lIns="91440" tIns="45720" rIns="91440" bIns="45720" numCol="1" spcCol="0" rtlCol="0" fromWordArt="0" anchor="t" anchorCtr="0" forceAA="0" compatLnSpc="1">
+              <a:prstTxWarp prst="textNoShape">
+                <a:avLst/>
+              </a:prstTxWarp>
+              <a:noAutofit/>
+            </a:bodyPr>
+            <a:lstStyle/>
+            <a:p>
+              <a:r>
+                <a:rPr lang="en-US" sz="1000" smtClean="0">
+                  <a:solidFill>
+                    <a:schemeClr val="tx1">
+                      <a:lumMod val="65000"/>
+                      <a:lumOff val="35000"/>
+                    </a:schemeClr>
+                  </a:solidFill>
+                  <a:latin typeface="Lucida Console" panose="020B0609040504020204" pitchFamily="49" charset="0"/>
+                </a:rPr>
+                <a:t>tires_serial</a:t>
+              </a:r>
+              <a:endParaRPr lang="en-US" sz="1000" smtClean="0">
+                <a:solidFill>
+                  <a:schemeClr val="tx1">
+                    <a:lumMod val="65000"/>
+                    <a:lumOff val="35000"/>
+                  </a:schemeClr>
+                </a:solidFill>
+                <a:latin typeface="Lucida Console" panose="020B0609040504020204" pitchFamily="49" charset="0"/>
+              </a:endParaRPr>
+            </a:p>
+          </p:txBody>
+        </p:sp>
+        <p:sp>
+          <p:nvSpPr>
+            <p:cNvPr id="61" name="Rectangle 60"/>
+            <p:cNvSpPr/>
+            <p:nvPr/>
+          </p:nvSpPr>
+          <p:spPr>
+            <a:xfrm>
+              <a:off x="6882622" y="907542"/>
+              <a:ext cx="432000" cy="252000"/>
+            </a:xfrm>
+            <a:prstGeom prst="rect">
+              <a:avLst/>
+            </a:prstGeom>
+            <a:solidFill>
+              <a:schemeClr val="bg1"/>
+            </a:solidFill>
+            <a:ln w="6350">
+              <a:solidFill>
+                <a:schemeClr val="tx2">
+                  <a:lumMod val="20000"/>
+                  <a:lumOff val="80000"/>
+                </a:schemeClr>
+              </a:solidFill>
+            </a:ln>
+            <a:effectLst/>
+            <a:scene3d>
+              <a:camera prst="orthographicFront">
+                <a:rot lat="0" lon="0" rev="0"/>
+              </a:camera>
+              <a:lightRig rig="threePt" dir="t">
+                <a:rot lat="0" lon="0" rev="1200000"/>
+              </a:lightRig>
+            </a:scene3d>
+            <a:sp3d/>
+          </p:spPr>
+          <p:style>
+            <a:lnRef idx="0">
+              <a:schemeClr val="accent1"/>
+            </a:lnRef>
+            <a:fillRef idx="3">
+              <a:schemeClr val="accent1"/>
+            </a:fillRef>
+            <a:effectRef idx="3">
+              <a:schemeClr val="accent1"/>
+            </a:effectRef>
+            <a:fontRef idx="minor">
+              <a:schemeClr val="lt1"/>
+            </a:fontRef>
+          </p:style>
+          <p:txBody>
+            <a:bodyPr rot="0" spcFirstLastPara="0" vertOverflow="overflow" horzOverflow="overflow" vert="horz" wrap="square" lIns="91440" tIns="45720" rIns="91440" bIns="45720" numCol="1" spcCol="0" rtlCol="0" fromWordArt="0" anchor="t" anchorCtr="0" forceAA="0" compatLnSpc="1">
+              <a:prstTxWarp prst="textNoShape">
+                <a:avLst/>
+              </a:prstTxWarp>
+              <a:noAutofit/>
+            </a:bodyPr>
+            <a:lstStyle/>
+            <a:p>
+              <a:r>
+                <a:rPr lang="en-US" sz="1000" smtClean="0">
+                  <a:solidFill>
+                    <a:schemeClr val="tx1">
+                      <a:lumMod val="65000"/>
+                      <a:lumOff val="35000"/>
+                    </a:schemeClr>
+                  </a:solidFill>
+                  <a:latin typeface="Lucida Console" panose="020B0609040504020204" pitchFamily="49" charset="0"/>
+                </a:rPr>
+                <a:t>age</a:t>
+              </a:r>
+              <a:endParaRPr lang="en-US" sz="1000" smtClean="0">
+                <a:solidFill>
+                  <a:schemeClr val="tx1">
+                    <a:lumMod val="65000"/>
+                    <a:lumOff val="35000"/>
+                  </a:schemeClr>
+                </a:solidFill>
+                <a:latin typeface="Lucida Console" panose="020B0609040504020204" pitchFamily="49" charset="0"/>
+              </a:endParaRPr>
+            </a:p>
+          </p:txBody>
+        </p:sp>
+      </p:grpSp>
+      <p:grpSp>
+        <p:nvGrpSpPr>
+          <p:cNvPr id="62" name="Group 61"/>
+          <p:cNvGrpSpPr/>
+          <p:nvPr/>
+        </p:nvGrpSpPr>
+        <p:grpSpPr>
+          <a:xfrm>
+            <a:off x="2391868" y="4752578"/>
+            <a:ext cx="9504000" cy="540000"/>
+            <a:chOff x="2202622" y="616068"/>
+            <a:chExt cx="9504000" cy="540000"/>
+          </a:xfrm>
+        </p:grpSpPr>
+        <p:sp>
+          <p:nvSpPr>
+            <p:cNvPr id="63" name="Rounded Rectangle 62"/>
+            <p:cNvSpPr/>
+            <p:nvPr/>
+          </p:nvSpPr>
+          <p:spPr>
+            <a:xfrm>
+              <a:off x="2202622" y="616068"/>
+              <a:ext cx="9504000" cy="540000"/>
+            </a:xfrm>
+            <a:prstGeom prst="roundRect">
+              <a:avLst>
+                <a:gd name="adj" fmla="val 0"/>
+              </a:avLst>
+            </a:prstGeom>
+            <a:solidFill>
+              <a:schemeClr val="tx2">
+                <a:lumMod val="20000"/>
+                <a:lumOff val="80000"/>
+              </a:schemeClr>
+            </a:solidFill>
+            <a:ln w="19050">
+              <a:solidFill>
+                <a:schemeClr val="tx2">
+                  <a:lumMod val="20000"/>
+                  <a:lumOff val="80000"/>
+                </a:schemeClr>
+              </a:solidFill>
+            </a:ln>
+            <a:effectLst/>
+            <a:scene3d>
+              <a:camera prst="orthographicFront">
+                <a:rot lat="0" lon="0" rev="0"/>
+              </a:camera>
+              <a:lightRig rig="threePt" dir="t">
+                <a:rot lat="0" lon="0" rev="1200000"/>
+              </a:lightRig>
+            </a:scene3d>
+            <a:sp3d/>
+          </p:spPr>
+          <p:style>
+            <a:lnRef idx="0">
+              <a:schemeClr val="accent1"/>
+            </a:lnRef>
+            <a:fillRef idx="3">
+              <a:schemeClr val="accent1"/>
+            </a:fillRef>
+            <a:effectRef idx="3">
+              <a:schemeClr val="accent1"/>
+            </a:effectRef>
+            <a:fontRef idx="minor">
+              <a:schemeClr val="lt1"/>
+            </a:fontRef>
+          </p:style>
+          <p:txBody>
+            <a:bodyPr rtlCol="0" anchor="t" anchorCtr="0"/>
+            <a:lstStyle/>
+            <a:p>
+              <a:r>
+                <a:rPr lang="en-US" sz="1200" b="1" smtClean="0">
+                  <a:solidFill>
+                    <a:schemeClr val="tx1">
+                      <a:lumMod val="65000"/>
+                      <a:lumOff val="35000"/>
+                    </a:schemeClr>
+                  </a:solidFill>
+                  <a:latin typeface="Lucida Sans" panose="020B0602030504020204" pitchFamily="34" charset="0"/>
+                </a:rPr>
+                <a:t>delivery_order</a:t>
+              </a:r>
+              <a:endParaRPr lang="en-US" sz="1200" b="1" smtClean="0">
+                <a:solidFill>
+                  <a:schemeClr val="tx1">
+                    <a:lumMod val="65000"/>
+                    <a:lumOff val="35000"/>
+                  </a:schemeClr>
+                </a:solidFill>
+                <a:latin typeface="Lucida Sans" panose="020B0602030504020204" pitchFamily="34" charset="0"/>
+              </a:endParaRPr>
+            </a:p>
+          </p:txBody>
+        </p:sp>
+        <p:sp>
+          <p:nvSpPr>
+            <p:cNvPr id="64" name="Rectangle 63"/>
+            <p:cNvSpPr/>
+            <p:nvPr/>
+          </p:nvSpPr>
+          <p:spPr>
+            <a:xfrm>
+              <a:off x="2202622" y="904068"/>
+              <a:ext cx="360000" cy="252000"/>
+            </a:xfrm>
+            <a:prstGeom prst="rect">
+              <a:avLst/>
+            </a:prstGeom>
+            <a:solidFill>
+              <a:schemeClr val="bg1"/>
+            </a:solidFill>
+            <a:ln w="6350">
+              <a:solidFill>
+                <a:schemeClr val="tx2">
+                  <a:lumMod val="20000"/>
+                  <a:lumOff val="80000"/>
+                </a:schemeClr>
+              </a:solidFill>
+            </a:ln>
+            <a:effectLst/>
+            <a:scene3d>
+              <a:camera prst="orthographicFront">
+                <a:rot lat="0" lon="0" rev="0"/>
+              </a:camera>
+              <a:lightRig rig="threePt" dir="t">
+                <a:rot lat="0" lon="0" rev="1200000"/>
+              </a:lightRig>
+            </a:scene3d>
+            <a:sp3d/>
+          </p:spPr>
+          <p:style>
+            <a:lnRef idx="0">
+              <a:schemeClr val="accent1"/>
+            </a:lnRef>
+            <a:fillRef idx="3">
+              <a:schemeClr val="accent1"/>
+            </a:fillRef>
+            <a:effectRef idx="3">
+              <a:schemeClr val="accent1"/>
+            </a:effectRef>
+            <a:fontRef idx="minor">
+              <a:schemeClr val="lt1"/>
+            </a:fontRef>
+          </p:style>
+          <p:txBody>
+            <a:bodyPr rot="0" spcFirstLastPara="0" vertOverflow="overflow" horzOverflow="overflow" vert="horz" wrap="square" lIns="91440" tIns="45720" rIns="91440" bIns="45720" numCol="1" spcCol="0" rtlCol="0" fromWordArt="0" anchor="t" anchorCtr="0" forceAA="0" compatLnSpc="1">
+              <a:prstTxWarp prst="textNoShape">
+                <a:avLst/>
+              </a:prstTxWarp>
+              <a:noAutofit/>
+            </a:bodyPr>
+            <a:lstStyle/>
+            <a:p>
+              <a:r>
+                <a:rPr lang="en-US" sz="1000" b="1" smtClean="0">
+                  <a:solidFill>
+                    <a:schemeClr val="tx1">
+                      <a:lumMod val="65000"/>
+                      <a:lumOff val="35000"/>
+                    </a:schemeClr>
+                  </a:solidFill>
+                  <a:latin typeface="Lucida Console" panose="020B0609040504020204" pitchFamily="49" charset="0"/>
+                </a:rPr>
+                <a:t>id</a:t>
+              </a:r>
+              <a:endParaRPr lang="en-US" sz="1000" b="1" smtClean="0">
+                <a:solidFill>
+                  <a:schemeClr val="tx1">
+                    <a:lumMod val="65000"/>
+                    <a:lumOff val="35000"/>
+                  </a:schemeClr>
+                </a:solidFill>
+                <a:latin typeface="Lucida Console" panose="020B0609040504020204" pitchFamily="49" charset="0"/>
+              </a:endParaRPr>
+            </a:p>
+          </p:txBody>
+        </p:sp>
+        <p:sp>
+          <p:nvSpPr>
+            <p:cNvPr id="65" name="Rectangle 64"/>
+            <p:cNvSpPr/>
+            <p:nvPr/>
+          </p:nvSpPr>
+          <p:spPr>
+            <a:xfrm>
+              <a:off x="2562622" y="904068"/>
+              <a:ext cx="1044000" cy="252000"/>
+            </a:xfrm>
+            <a:prstGeom prst="rect">
+              <a:avLst/>
+            </a:prstGeom>
+            <a:solidFill>
+              <a:schemeClr val="bg1"/>
+            </a:solidFill>
+            <a:ln w="6350">
+              <a:solidFill>
+                <a:schemeClr val="tx2">
+                  <a:lumMod val="20000"/>
+                  <a:lumOff val="80000"/>
+                </a:schemeClr>
+              </a:solidFill>
+            </a:ln>
+            <a:effectLst/>
+            <a:scene3d>
+              <a:camera prst="orthographicFront">
+                <a:rot lat="0" lon="0" rev="0"/>
+              </a:camera>
+              <a:lightRig rig="threePt" dir="t">
+                <a:rot lat="0" lon="0" rev="1200000"/>
+              </a:lightRig>
+            </a:scene3d>
+            <a:sp3d/>
+          </p:spPr>
+          <p:style>
+            <a:lnRef idx="0">
+              <a:schemeClr val="accent1"/>
+            </a:lnRef>
+            <a:fillRef idx="3">
+              <a:schemeClr val="accent1"/>
+            </a:fillRef>
+            <a:effectRef idx="3">
+              <a:schemeClr val="accent1"/>
+            </a:effectRef>
+            <a:fontRef idx="minor">
+              <a:schemeClr val="lt1"/>
+            </a:fontRef>
+          </p:style>
+          <p:txBody>
+            <a:bodyPr rot="0" spcFirstLastPara="0" vertOverflow="overflow" horzOverflow="overflow" vert="horz" wrap="square" lIns="91440" tIns="45720" rIns="91440" bIns="45720" numCol="1" spcCol="0" rtlCol="0" fromWordArt="0" anchor="t" anchorCtr="0" forceAA="0" compatLnSpc="1">
+              <a:prstTxWarp prst="textNoShape">
+                <a:avLst/>
+              </a:prstTxWarp>
+              <a:noAutofit/>
+            </a:bodyPr>
+            <a:lstStyle/>
+            <a:p>
+              <a:r>
+                <a:rPr lang="en-US" sz="1000" smtClean="0">
+                  <a:solidFill>
+                    <a:schemeClr val="tx1">
+                      <a:lumMod val="65000"/>
+                      <a:lumOff val="35000"/>
+                    </a:schemeClr>
+                  </a:solidFill>
+                  <a:latin typeface="Lucida Console" panose="020B0609040504020204" pitchFamily="49" charset="0"/>
+                </a:rPr>
+                <a:t>creation_ts</a:t>
+              </a:r>
+              <a:endParaRPr lang="en-US" sz="1000" smtClean="0">
+                <a:solidFill>
+                  <a:schemeClr val="tx1">
+                    <a:lumMod val="65000"/>
+                    <a:lumOff val="35000"/>
+                  </a:schemeClr>
+                </a:solidFill>
+                <a:latin typeface="Lucida Console" panose="020B0609040504020204" pitchFamily="49" charset="0"/>
+              </a:endParaRPr>
+            </a:p>
+          </p:txBody>
+        </p:sp>
+        <p:sp>
+          <p:nvSpPr>
+            <p:cNvPr id="66" name="Rectangle 65"/>
+            <p:cNvSpPr/>
+            <p:nvPr/>
+          </p:nvSpPr>
+          <p:spPr>
+            <a:xfrm>
+              <a:off x="3606622" y="904068"/>
+              <a:ext cx="1116000" cy="252000"/>
+            </a:xfrm>
+            <a:prstGeom prst="rect">
+              <a:avLst/>
+            </a:prstGeom>
+            <a:solidFill>
+              <a:schemeClr val="bg1"/>
+            </a:solidFill>
+            <a:ln w="6350">
+              <a:solidFill>
+                <a:schemeClr val="tx2">
+                  <a:lumMod val="20000"/>
+                  <a:lumOff val="80000"/>
+                </a:schemeClr>
+              </a:solidFill>
+            </a:ln>
+            <a:effectLst/>
+            <a:scene3d>
+              <a:camera prst="orthographicFront">
+                <a:rot lat="0" lon="0" rev="0"/>
+              </a:camera>
+              <a:lightRig rig="threePt" dir="t">
+                <a:rot lat="0" lon="0" rev="1200000"/>
+              </a:lightRig>
+            </a:scene3d>
+            <a:sp3d/>
+          </p:spPr>
+          <p:style>
+            <a:lnRef idx="0">
+              <a:schemeClr val="accent1"/>
+            </a:lnRef>
+            <a:fillRef idx="3">
+              <a:schemeClr val="accent1"/>
+            </a:fillRef>
+            <a:effectRef idx="3">
+              <a:schemeClr val="accent1"/>
+            </a:effectRef>
+            <a:fontRef idx="minor">
+              <a:schemeClr val="lt1"/>
+            </a:fontRef>
+          </p:style>
+          <p:txBody>
+            <a:bodyPr rot="0" spcFirstLastPara="0" vertOverflow="overflow" horzOverflow="overflow" vert="horz" wrap="square" lIns="91440" tIns="45720" rIns="91440" bIns="45720" numCol="1" spcCol="0" rtlCol="0" fromWordArt="0" anchor="t" anchorCtr="0" forceAA="0" compatLnSpc="1">
+              <a:prstTxWarp prst="textNoShape">
+                <a:avLst/>
+              </a:prstTxWarp>
+              <a:noAutofit/>
+            </a:bodyPr>
+            <a:lstStyle/>
+            <a:p>
+              <a:r>
+                <a:rPr lang="en-US" sz="1000" smtClean="0">
+                  <a:solidFill>
+                    <a:schemeClr val="tx1">
+                      <a:lumMod val="65000"/>
+                      <a:lumOff val="35000"/>
+                    </a:schemeClr>
+                  </a:solidFill>
+                  <a:latin typeface="Lucida Console" panose="020B0609040504020204" pitchFamily="49" charset="0"/>
+                </a:rPr>
+                <a:t>take_cars_dt</a:t>
+              </a:r>
+              <a:endParaRPr lang="en-US" sz="1000" smtClean="0">
+                <a:solidFill>
+                  <a:schemeClr val="tx1">
+                    <a:lumMod val="65000"/>
+                    <a:lumOff val="35000"/>
+                  </a:schemeClr>
+                </a:solidFill>
+                <a:latin typeface="Lucida Console" panose="020B0609040504020204" pitchFamily="49" charset="0"/>
+              </a:endParaRPr>
+            </a:p>
+          </p:txBody>
+        </p:sp>
+        <p:sp>
+          <p:nvSpPr>
+            <p:cNvPr id="70" name="Rectangle 69"/>
+            <p:cNvSpPr/>
+            <p:nvPr/>
+          </p:nvSpPr>
+          <p:spPr>
+            <a:xfrm>
+              <a:off x="6074173" y="897589"/>
+              <a:ext cx="648000" cy="252000"/>
+            </a:xfrm>
+            <a:prstGeom prst="rect">
+              <a:avLst/>
+            </a:prstGeom>
+            <a:solidFill>
+              <a:schemeClr val="bg1"/>
+            </a:solidFill>
+            <a:ln w="6350">
+              <a:solidFill>
+                <a:schemeClr val="tx2">
+                  <a:lumMod val="20000"/>
+                  <a:lumOff val="80000"/>
+                </a:schemeClr>
+              </a:solidFill>
+            </a:ln>
+            <a:effectLst/>
+            <a:scene3d>
+              <a:camera prst="orthographicFront">
+                <a:rot lat="0" lon="0" rev="0"/>
+              </a:camera>
+              <a:lightRig rig="threePt" dir="t">
+                <a:rot lat="0" lon="0" rev="1200000"/>
+              </a:lightRig>
+            </a:scene3d>
+            <a:sp3d/>
+          </p:spPr>
+          <p:style>
+            <a:lnRef idx="0">
+              <a:schemeClr val="accent1"/>
+            </a:lnRef>
+            <a:fillRef idx="3">
+              <a:schemeClr val="accent1"/>
+            </a:fillRef>
+            <a:effectRef idx="3">
+              <a:schemeClr val="accent1"/>
+            </a:effectRef>
+            <a:fontRef idx="minor">
+              <a:schemeClr val="lt1"/>
+            </a:fontRef>
+          </p:style>
+          <p:txBody>
+            <a:bodyPr rot="0" spcFirstLastPara="0" vertOverflow="overflow" horzOverflow="overflow" vert="horz" wrap="square" lIns="91440" tIns="45720" rIns="91440" bIns="45720" numCol="1" spcCol="0" rtlCol="0" fromWordArt="0" anchor="t" anchorCtr="0" forceAA="0" compatLnSpc="1">
+              <a:prstTxWarp prst="textNoShape">
+                <a:avLst/>
+              </a:prstTxWarp>
+              <a:noAutofit/>
+            </a:bodyPr>
+            <a:lstStyle/>
+            <a:p>
+              <a:r>
+                <a:rPr lang="en-US" sz="1000" smtClean="0">
+                  <a:solidFill>
+                    <a:schemeClr val="tx1">
+                      <a:lumMod val="65000"/>
+                      <a:lumOff val="35000"/>
+                    </a:schemeClr>
+                  </a:solidFill>
+                  <a:latin typeface="Lucida Console" panose="020B0609040504020204" pitchFamily="49" charset="0"/>
+                </a:rPr>
+                <a:t>status</a:t>
+              </a:r>
+              <a:endParaRPr lang="en-US" sz="1000" smtClean="0">
+                <a:solidFill>
+                  <a:schemeClr val="tx1">
+                    <a:lumMod val="65000"/>
+                    <a:lumOff val="35000"/>
+                  </a:schemeClr>
+                </a:solidFill>
+                <a:latin typeface="Lucida Console" panose="020B0609040504020204" pitchFamily="49" charset="0"/>
+              </a:endParaRPr>
+            </a:p>
+          </p:txBody>
+        </p:sp>
+        <p:sp>
+          <p:nvSpPr>
+            <p:cNvPr id="71" name="Rectangle 70"/>
+            <p:cNvSpPr/>
+            <p:nvPr/>
+          </p:nvSpPr>
+          <p:spPr>
+            <a:xfrm>
+              <a:off x="4722622" y="904068"/>
+              <a:ext cx="1332000" cy="252000"/>
+            </a:xfrm>
+            <a:prstGeom prst="rect">
+              <a:avLst/>
+            </a:prstGeom>
+            <a:solidFill>
+              <a:schemeClr val="bg1"/>
+            </a:solidFill>
+            <a:ln w="6350">
+              <a:solidFill>
+                <a:schemeClr val="tx2">
+                  <a:lumMod val="20000"/>
+                  <a:lumOff val="80000"/>
+                </a:schemeClr>
+              </a:solidFill>
+            </a:ln>
+            <a:effectLst/>
+            <a:scene3d>
+              <a:camera prst="orthographicFront">
+                <a:rot lat="0" lon="0" rev="0"/>
+              </a:camera>
+              <a:lightRig rig="threePt" dir="t">
+                <a:rot lat="0" lon="0" rev="1200000"/>
+              </a:lightRig>
+            </a:scene3d>
+            <a:sp3d/>
+          </p:spPr>
+          <p:style>
+            <a:lnRef idx="0">
+              <a:schemeClr val="accent1"/>
+            </a:lnRef>
+            <a:fillRef idx="3">
+              <a:schemeClr val="accent1"/>
+            </a:fillRef>
+            <a:effectRef idx="3">
+              <a:schemeClr val="accent1"/>
+            </a:effectRef>
+            <a:fontRef idx="minor">
+              <a:schemeClr val="lt1"/>
+            </a:fontRef>
+          </p:style>
+          <p:txBody>
+            <a:bodyPr rot="0" spcFirstLastPara="0" vertOverflow="overflow" horzOverflow="overflow" vert="horz" wrap="square" lIns="91440" tIns="45720" rIns="91440" bIns="45720" numCol="1" spcCol="0" rtlCol="0" fromWordArt="0" anchor="t" anchorCtr="0" forceAA="0" compatLnSpc="1">
+              <a:prstTxWarp prst="textNoShape">
+                <a:avLst/>
+              </a:prstTxWarp>
+              <a:noAutofit/>
+            </a:bodyPr>
+            <a:lstStyle/>
+            <a:p>
+              <a:r>
+                <a:rPr lang="en-US" sz="1000" smtClean="0">
+                  <a:solidFill>
+                    <a:schemeClr val="tx1">
+                      <a:lumMod val="65000"/>
+                      <a:lumOff val="35000"/>
+                    </a:schemeClr>
+                  </a:solidFill>
+                  <a:latin typeface="Lucida Console" panose="020B0609040504020204" pitchFamily="49" charset="0"/>
+                </a:rPr>
+                <a:t>deliver_cars_dt</a:t>
+              </a:r>
+              <a:endParaRPr lang="en-US" sz="1000" smtClean="0">
+                <a:solidFill>
+                  <a:schemeClr val="tx1">
+                    <a:lumMod val="65000"/>
+                    <a:lumOff val="35000"/>
+                  </a:schemeClr>
+                </a:solidFill>
+                <a:latin typeface="Lucida Console" panose="020B0609040504020204" pitchFamily="49" charset="0"/>
+              </a:endParaRPr>
+            </a:p>
+          </p:txBody>
+        </p:sp>
+        <p:sp>
+          <p:nvSpPr>
+            <p:cNvPr id="73" name="Rectangle 72"/>
+            <p:cNvSpPr/>
+            <p:nvPr/>
+          </p:nvSpPr>
+          <p:spPr>
+            <a:xfrm>
+              <a:off x="6731024" y="904068"/>
+              <a:ext cx="828000" cy="252000"/>
+            </a:xfrm>
+            <a:prstGeom prst="rect">
+              <a:avLst/>
+            </a:prstGeom>
+            <a:solidFill>
+              <a:schemeClr val="bg1"/>
+            </a:solidFill>
+            <a:ln w="6350">
+              <a:solidFill>
+                <a:schemeClr val="tx2">
+                  <a:lumMod val="20000"/>
+                  <a:lumOff val="80000"/>
+                </a:schemeClr>
+              </a:solidFill>
+            </a:ln>
+            <a:effectLst/>
+            <a:scene3d>
+              <a:camera prst="orthographicFront">
+                <a:rot lat="0" lon="0" rev="0"/>
+              </a:camera>
+              <a:lightRig rig="threePt" dir="t">
+                <a:rot lat="0" lon="0" rev="1200000"/>
+              </a:lightRig>
+            </a:scene3d>
+            <a:sp3d/>
+          </p:spPr>
+          <p:style>
+            <a:lnRef idx="0">
+              <a:schemeClr val="accent1"/>
+            </a:lnRef>
+            <a:fillRef idx="3">
+              <a:schemeClr val="accent1"/>
+            </a:fillRef>
+            <a:effectRef idx="3">
+              <a:schemeClr val="accent1"/>
+            </a:effectRef>
+            <a:fontRef idx="minor">
+              <a:schemeClr val="lt1"/>
+            </a:fontRef>
+          </p:style>
+          <p:txBody>
+            <a:bodyPr rot="0" spcFirstLastPara="0" vertOverflow="overflow" horzOverflow="overflow" vert="horz" wrap="square" lIns="91440" tIns="45720" rIns="91440" bIns="45720" numCol="1" spcCol="0" rtlCol="0" fromWordArt="0" anchor="t" anchorCtr="0" forceAA="0" compatLnSpc="1">
+              <a:prstTxWarp prst="textNoShape">
+                <a:avLst/>
+              </a:prstTxWarp>
+              <a:noAutofit/>
+            </a:bodyPr>
+            <a:lstStyle/>
+            <a:p>
+              <a:r>
+                <a:rPr lang="en-US" sz="1000" u="sng" smtClean="0">
+                  <a:solidFill>
+                    <a:schemeClr val="tx1">
+                      <a:lumMod val="65000"/>
+                      <a:lumOff val="35000"/>
+                    </a:schemeClr>
+                  </a:solidFill>
+                  <a:latin typeface="Lucida Console" panose="020B0609040504020204" pitchFamily="49" charset="0"/>
+                </a:rPr>
+                <a:t>truck_id</a:t>
+              </a:r>
+              <a:endParaRPr lang="en-US" sz="1000" u="sng" smtClean="0">
+                <a:solidFill>
+                  <a:schemeClr val="tx1">
+                    <a:lumMod val="65000"/>
+                    <a:lumOff val="35000"/>
+                  </a:schemeClr>
+                </a:solidFill>
+                <a:latin typeface="Lucida Console" panose="020B0609040504020204" pitchFamily="49" charset="0"/>
+              </a:endParaRPr>
+            </a:p>
+          </p:txBody>
+        </p:sp>
+        <p:sp>
+          <p:nvSpPr>
+            <p:cNvPr id="74" name="Rectangle 73"/>
+            <p:cNvSpPr/>
+            <p:nvPr/>
+          </p:nvSpPr>
+          <p:spPr>
+            <a:xfrm>
+              <a:off x="7574701" y="904068"/>
+              <a:ext cx="648000" cy="252000"/>
+            </a:xfrm>
+            <a:prstGeom prst="rect">
+              <a:avLst/>
+            </a:prstGeom>
+            <a:solidFill>
+              <a:schemeClr val="bg1"/>
+            </a:solidFill>
+            <a:ln w="6350">
+              <a:solidFill>
+                <a:schemeClr val="tx2">
+                  <a:lumMod val="20000"/>
+                  <a:lumOff val="80000"/>
+                </a:schemeClr>
+              </a:solidFill>
+            </a:ln>
+            <a:effectLst/>
+            <a:scene3d>
+              <a:camera prst="orthographicFront">
+                <a:rot lat="0" lon="0" rev="0"/>
+              </a:camera>
+              <a:lightRig rig="threePt" dir="t">
+                <a:rot lat="0" lon="0" rev="1200000"/>
+              </a:lightRig>
+            </a:scene3d>
+            <a:sp3d/>
+          </p:spPr>
+          <p:style>
+            <a:lnRef idx="0">
+              <a:schemeClr val="accent1"/>
+            </a:lnRef>
+            <a:fillRef idx="3">
+              <a:schemeClr val="accent1"/>
+            </a:fillRef>
+            <a:effectRef idx="3">
+              <a:schemeClr val="accent1"/>
+            </a:effectRef>
+            <a:fontRef idx="minor">
+              <a:schemeClr val="lt1"/>
+            </a:fontRef>
+          </p:style>
+          <p:txBody>
+            <a:bodyPr rot="0" spcFirstLastPara="0" vertOverflow="overflow" horzOverflow="overflow" vert="horz" wrap="square" lIns="91440" tIns="45720" rIns="91440" bIns="45720" numCol="1" spcCol="0" rtlCol="0" fromWordArt="0" anchor="t" anchorCtr="0" forceAA="0" compatLnSpc="1">
+              <a:prstTxWarp prst="textNoShape">
+                <a:avLst/>
+              </a:prstTxWarp>
+              <a:noAutofit/>
+            </a:bodyPr>
+            <a:lstStyle/>
+            <a:p>
+              <a:r>
+                <a:rPr lang="en-US" sz="1000" u="sng" smtClean="0">
+                  <a:solidFill>
+                    <a:schemeClr val="tx1">
+                      <a:lumMod val="65000"/>
+                      <a:lumOff val="35000"/>
+                    </a:schemeClr>
+                  </a:solidFill>
+                  <a:latin typeface="Lucida Console" panose="020B0609040504020204" pitchFamily="49" charset="0"/>
+                </a:rPr>
+                <a:t>car_id</a:t>
+              </a:r>
+              <a:endParaRPr lang="en-US" sz="1000" u="sng" smtClean="0">
+                <a:solidFill>
+                  <a:schemeClr val="tx1">
+                    <a:lumMod val="65000"/>
+                    <a:lumOff val="35000"/>
+                  </a:schemeClr>
+                </a:solidFill>
+                <a:latin typeface="Lucida Console" panose="020B0609040504020204" pitchFamily="49" charset="0"/>
+              </a:endParaRPr>
+            </a:p>
+          </p:txBody>
+        </p:sp>
+        <p:sp>
+          <p:nvSpPr>
+            <p:cNvPr id="75" name="Rectangle 74"/>
+            <p:cNvSpPr/>
+            <p:nvPr/>
+          </p:nvSpPr>
+          <p:spPr>
+            <a:xfrm>
+              <a:off x="8243024" y="904068"/>
+              <a:ext cx="1332000" cy="252000"/>
+            </a:xfrm>
+            <a:prstGeom prst="rect">
+              <a:avLst/>
+            </a:prstGeom>
+            <a:solidFill>
+              <a:schemeClr val="bg1"/>
+            </a:solidFill>
+            <a:ln w="6350">
+              <a:solidFill>
+                <a:schemeClr val="tx2">
+                  <a:lumMod val="20000"/>
+                  <a:lumOff val="80000"/>
+                </a:schemeClr>
+              </a:solidFill>
+            </a:ln>
+            <a:effectLst/>
+            <a:scene3d>
+              <a:camera prst="orthographicFront">
+                <a:rot lat="0" lon="0" rev="0"/>
+              </a:camera>
+              <a:lightRig rig="threePt" dir="t">
+                <a:rot lat="0" lon="0" rev="1200000"/>
+              </a:lightRig>
+            </a:scene3d>
+            <a:sp3d/>
+          </p:spPr>
+          <p:style>
+            <a:lnRef idx="0">
+              <a:schemeClr val="accent1"/>
+            </a:lnRef>
+            <a:fillRef idx="3">
+              <a:schemeClr val="accent1"/>
+            </a:fillRef>
+            <a:effectRef idx="3">
+              <a:schemeClr val="accent1"/>
+            </a:effectRef>
+            <a:fontRef idx="minor">
+              <a:schemeClr val="lt1"/>
+            </a:fontRef>
+          </p:style>
+          <p:txBody>
+            <a:bodyPr rot="0" spcFirstLastPara="0" vertOverflow="overflow" horzOverflow="overflow" vert="horz" wrap="square" lIns="91440" tIns="45720" rIns="91440" bIns="45720" numCol="1" spcCol="0" rtlCol="0" fromWordArt="0" anchor="t" anchorCtr="0" forceAA="0" compatLnSpc="1">
+              <a:prstTxWarp prst="textNoShape">
+                <a:avLst/>
+              </a:prstTxWarp>
+              <a:noAutofit/>
+            </a:bodyPr>
+            <a:lstStyle/>
+            <a:p>
+              <a:r>
+                <a:rPr lang="en-US" sz="1000" u="sng" smtClean="0">
+                  <a:solidFill>
+                    <a:schemeClr val="tx1">
+                      <a:lumMod val="65000"/>
+                      <a:lumOff val="35000"/>
+                    </a:schemeClr>
+                  </a:solidFill>
+                  <a:latin typeface="Lucida Console" panose="020B0609040504020204" pitchFamily="49" charset="0"/>
+                </a:rPr>
+                <a:t>manufacturer_id</a:t>
+              </a:r>
+              <a:endParaRPr lang="en-US" sz="1000" u="sng" smtClean="0">
+                <a:solidFill>
+                  <a:schemeClr val="tx1">
+                    <a:lumMod val="65000"/>
+                    <a:lumOff val="35000"/>
+                  </a:schemeClr>
+                </a:solidFill>
+                <a:latin typeface="Lucida Console" panose="020B0609040504020204" pitchFamily="49" charset="0"/>
+              </a:endParaRPr>
+            </a:p>
+          </p:txBody>
+        </p:sp>
+        <p:sp>
+          <p:nvSpPr>
+            <p:cNvPr id="76" name="Rectangle 75"/>
+            <p:cNvSpPr/>
+            <p:nvPr/>
+          </p:nvSpPr>
+          <p:spPr>
+            <a:xfrm>
+              <a:off x="9575024" y="904068"/>
+              <a:ext cx="720000" cy="252000"/>
+            </a:xfrm>
+            <a:prstGeom prst="rect">
+              <a:avLst/>
+            </a:prstGeom>
+            <a:solidFill>
+              <a:schemeClr val="bg1"/>
+            </a:solidFill>
+            <a:ln w="6350">
+              <a:solidFill>
+                <a:schemeClr val="tx2">
+                  <a:lumMod val="20000"/>
+                  <a:lumOff val="80000"/>
+                </a:schemeClr>
+              </a:solidFill>
+            </a:ln>
+            <a:effectLst/>
+            <a:scene3d>
+              <a:camera prst="orthographicFront">
+                <a:rot lat="0" lon="0" rev="0"/>
+              </a:camera>
+              <a:lightRig rig="threePt" dir="t">
+                <a:rot lat="0" lon="0" rev="1200000"/>
+              </a:lightRig>
+            </a:scene3d>
+            <a:sp3d/>
+          </p:spPr>
+          <p:style>
+            <a:lnRef idx="0">
+              <a:schemeClr val="accent1"/>
+            </a:lnRef>
+            <a:fillRef idx="3">
+              <a:schemeClr val="accent1"/>
+            </a:fillRef>
+            <a:effectRef idx="3">
+              <a:schemeClr val="accent1"/>
+            </a:effectRef>
+            <a:fontRef idx="minor">
+              <a:schemeClr val="lt1"/>
+            </a:fontRef>
+          </p:style>
+          <p:txBody>
+            <a:bodyPr rot="0" spcFirstLastPara="0" vertOverflow="overflow" horzOverflow="overflow" vert="horz" wrap="square" lIns="91440" tIns="45720" rIns="91440" bIns="45720" numCol="1" spcCol="0" rtlCol="0" fromWordArt="0" anchor="t" anchorCtr="0" forceAA="0" compatLnSpc="1">
+              <a:prstTxWarp prst="textNoShape">
+                <a:avLst/>
+              </a:prstTxWarp>
+              <a:noAutofit/>
+            </a:bodyPr>
+            <a:lstStyle/>
+            <a:p>
+              <a:r>
+                <a:rPr lang="en-US" sz="1000" u="sng" smtClean="0">
+                  <a:solidFill>
+                    <a:schemeClr val="tx1">
+                      <a:lumMod val="65000"/>
+                      <a:lumOff val="35000"/>
+                    </a:schemeClr>
+                  </a:solidFill>
+                  <a:latin typeface="Lucida Console" panose="020B0609040504020204" pitchFamily="49" charset="0"/>
+                </a:rPr>
+                <a:t>shop_id</a:t>
+              </a:r>
+              <a:endParaRPr lang="en-US" sz="1000" u="sng" smtClean="0">
+                <a:solidFill>
+                  <a:schemeClr val="tx1">
+                    <a:lumMod val="65000"/>
+                    <a:lumOff val="35000"/>
+                  </a:schemeClr>
+                </a:solidFill>
+                <a:latin typeface="Lucida Console" panose="020B0609040504020204" pitchFamily="49" charset="0"/>
+              </a:endParaRPr>
+            </a:p>
+          </p:txBody>
+        </p:sp>
+        <p:sp>
+          <p:nvSpPr>
+            <p:cNvPr id="77" name="Rectangle 76"/>
+            <p:cNvSpPr/>
+            <p:nvPr/>
+          </p:nvSpPr>
+          <p:spPr>
+            <a:xfrm>
+              <a:off x="10285555" y="904068"/>
+              <a:ext cx="828000" cy="252000"/>
+            </a:xfrm>
+            <a:prstGeom prst="rect">
+              <a:avLst/>
+            </a:prstGeom>
+            <a:solidFill>
+              <a:schemeClr val="bg1"/>
+            </a:solidFill>
+            <a:ln w="6350">
+              <a:solidFill>
+                <a:schemeClr val="tx2">
+                  <a:lumMod val="20000"/>
+                  <a:lumOff val="80000"/>
+                </a:schemeClr>
+              </a:solidFill>
+            </a:ln>
+            <a:effectLst/>
+            <a:scene3d>
+              <a:camera prst="orthographicFront">
+                <a:rot lat="0" lon="0" rev="0"/>
+              </a:camera>
+              <a:lightRig rig="threePt" dir="t">
+                <a:rot lat="0" lon="0" rev="1200000"/>
+              </a:lightRig>
+            </a:scene3d>
+            <a:sp3d/>
+          </p:spPr>
+          <p:style>
+            <a:lnRef idx="0">
+              <a:schemeClr val="accent1"/>
+            </a:lnRef>
+            <a:fillRef idx="3">
+              <a:schemeClr val="accent1"/>
+            </a:fillRef>
+            <a:effectRef idx="3">
+              <a:schemeClr val="accent1"/>
+            </a:effectRef>
+            <a:fontRef idx="minor">
+              <a:schemeClr val="lt1"/>
+            </a:fontRef>
+          </p:style>
+          <p:txBody>
+            <a:bodyPr rot="0" spcFirstLastPara="0" vertOverflow="overflow" horzOverflow="overflow" vert="horz" wrap="square" lIns="91440" tIns="45720" rIns="91440" bIns="45720" numCol="1" spcCol="0" rtlCol="0" fromWordArt="0" anchor="t" anchorCtr="0" forceAA="0" compatLnSpc="1">
+              <a:prstTxWarp prst="textNoShape">
+                <a:avLst/>
+              </a:prstTxWarp>
+              <a:noAutofit/>
+            </a:bodyPr>
+            <a:lstStyle/>
+            <a:p>
+              <a:r>
+                <a:rPr lang="en-US" sz="1000" smtClean="0">
+                  <a:solidFill>
+                    <a:schemeClr val="tx1">
+                      <a:lumMod val="65000"/>
+                      <a:lumOff val="35000"/>
+                    </a:schemeClr>
+                  </a:solidFill>
+                  <a:latin typeface="Lucida Console" panose="020B0609040504020204" pitchFamily="49" charset="0"/>
+                </a:rPr>
+                <a:t>quantity</a:t>
+              </a:r>
+              <a:endParaRPr lang="en-US" sz="1000" smtClean="0">
+                <a:solidFill>
+                  <a:schemeClr val="tx1">
+                    <a:lumMod val="65000"/>
+                    <a:lumOff val="35000"/>
+                  </a:schemeClr>
+                </a:solidFill>
+                <a:latin typeface="Lucida Console" panose="020B0609040504020204" pitchFamily="49" charset="0"/>
+              </a:endParaRPr>
+            </a:p>
+          </p:txBody>
+        </p:sp>
+        <p:sp>
+          <p:nvSpPr>
+            <p:cNvPr id="87" name="Rectangle 86"/>
+            <p:cNvSpPr/>
+            <p:nvPr/>
+          </p:nvSpPr>
+          <p:spPr>
+            <a:xfrm>
+              <a:off x="11113555" y="904068"/>
+              <a:ext cx="576000" cy="252000"/>
+            </a:xfrm>
+            <a:prstGeom prst="rect">
+              <a:avLst/>
+            </a:prstGeom>
+            <a:solidFill>
+              <a:schemeClr val="bg1"/>
+            </a:solidFill>
+            <a:ln w="6350">
+              <a:solidFill>
+                <a:schemeClr val="tx2">
+                  <a:lumMod val="20000"/>
+                  <a:lumOff val="80000"/>
+                </a:schemeClr>
+              </a:solidFill>
+            </a:ln>
+            <a:effectLst/>
+            <a:scene3d>
+              <a:camera prst="orthographicFront">
+                <a:rot lat="0" lon="0" rev="0"/>
+              </a:camera>
+              <a:lightRig rig="threePt" dir="t">
+                <a:rot lat="0" lon="0" rev="1200000"/>
+              </a:lightRig>
+            </a:scene3d>
+            <a:sp3d/>
+          </p:spPr>
+          <p:style>
+            <a:lnRef idx="0">
+              <a:schemeClr val="accent1"/>
+            </a:lnRef>
+            <a:fillRef idx="3">
+              <a:schemeClr val="accent1"/>
+            </a:fillRef>
+            <a:effectRef idx="3">
+              <a:schemeClr val="accent1"/>
+            </a:effectRef>
+            <a:fontRef idx="minor">
+              <a:schemeClr val="lt1"/>
+            </a:fontRef>
+          </p:style>
+          <p:txBody>
+            <a:bodyPr rot="0" spcFirstLastPara="0" vertOverflow="overflow" horzOverflow="overflow" vert="horz" wrap="square" lIns="91440" tIns="45720" rIns="91440" bIns="45720" numCol="1" spcCol="0" rtlCol="0" fromWordArt="0" anchor="t" anchorCtr="0" forceAA="0" compatLnSpc="1">
+              <a:prstTxWarp prst="textNoShape">
+                <a:avLst/>
+              </a:prstTxWarp>
+              <a:noAutofit/>
+            </a:bodyPr>
+            <a:lstStyle/>
+            <a:p>
+              <a:r>
+                <a:rPr lang="en-US" sz="1000" smtClean="0">
+                  <a:solidFill>
+                    <a:schemeClr val="tx1">
+                      <a:lumMod val="65000"/>
+                      <a:lumOff val="35000"/>
+                    </a:schemeClr>
+                  </a:solidFill>
+                  <a:latin typeface="Lucida Console" panose="020B0609040504020204" pitchFamily="49" charset="0"/>
+                </a:rPr>
+                <a:t>price</a:t>
+              </a:r>
+              <a:endParaRPr lang="en-US" sz="1000" smtClean="0">
+                <a:solidFill>
+                  <a:schemeClr val="tx1">
+                    <a:lumMod val="65000"/>
+                    <a:lumOff val="35000"/>
+                  </a:schemeClr>
+                </a:solidFill>
+                <a:latin typeface="Lucida Console" panose="020B0609040504020204" pitchFamily="49" charset="0"/>
+              </a:endParaRPr>
+            </a:p>
+          </p:txBody>
+        </p:sp>
+      </p:grpSp>
+      <p:grpSp>
+        <p:nvGrpSpPr>
+          <p:cNvPr id="78" name="Group 77"/>
+          <p:cNvGrpSpPr/>
+          <p:nvPr/>
+        </p:nvGrpSpPr>
+        <p:grpSpPr>
+          <a:xfrm>
+            <a:off x="2391868" y="5688682"/>
+            <a:ext cx="4500000" cy="543474"/>
+            <a:chOff x="2202622" y="616068"/>
+            <a:chExt cx="4500000" cy="543474"/>
+          </a:xfrm>
+        </p:grpSpPr>
+        <p:sp>
+          <p:nvSpPr>
+            <p:cNvPr id="79" name="Rounded Rectangle 78"/>
+            <p:cNvSpPr/>
+            <p:nvPr/>
+          </p:nvSpPr>
+          <p:spPr>
+            <a:xfrm>
+              <a:off x="2202622" y="616068"/>
+              <a:ext cx="4500000" cy="540000"/>
+            </a:xfrm>
+            <a:prstGeom prst="roundRect">
+              <a:avLst>
+                <a:gd name="adj" fmla="val 0"/>
+              </a:avLst>
+            </a:prstGeom>
+            <a:solidFill>
+              <a:schemeClr val="tx2">
+                <a:lumMod val="20000"/>
+                <a:lumOff val="80000"/>
+              </a:schemeClr>
+            </a:solidFill>
+            <a:ln w="19050">
+              <a:solidFill>
+                <a:schemeClr val="tx2">
+                  <a:lumMod val="20000"/>
+                  <a:lumOff val="80000"/>
+                </a:schemeClr>
+              </a:solidFill>
+            </a:ln>
+            <a:effectLst/>
+            <a:scene3d>
+              <a:camera prst="orthographicFront">
+                <a:rot lat="0" lon="0" rev="0"/>
+              </a:camera>
+              <a:lightRig rig="threePt" dir="t">
+                <a:rot lat="0" lon="0" rev="1200000"/>
+              </a:lightRig>
+            </a:scene3d>
+            <a:sp3d/>
+          </p:spPr>
+          <p:style>
+            <a:lnRef idx="0">
+              <a:schemeClr val="accent1"/>
+            </a:lnRef>
+            <a:fillRef idx="3">
+              <a:schemeClr val="accent1"/>
+            </a:fillRef>
+            <a:effectRef idx="3">
+              <a:schemeClr val="accent1"/>
+            </a:effectRef>
+            <a:fontRef idx="minor">
+              <a:schemeClr val="lt1"/>
+            </a:fontRef>
+          </p:style>
+          <p:txBody>
+            <a:bodyPr rtlCol="0" anchor="t" anchorCtr="0"/>
+            <a:lstStyle/>
+            <a:p>
+              <a:r>
+                <a:rPr lang="en-US" sz="1200" b="1" smtClean="0">
+                  <a:solidFill>
+                    <a:schemeClr val="tx1">
+                      <a:lumMod val="65000"/>
+                      <a:lumOff val="35000"/>
+                    </a:schemeClr>
+                  </a:solidFill>
+                  <a:latin typeface="Lucida Sans" panose="020B0602030504020204" pitchFamily="34" charset="0"/>
+                </a:rPr>
+                <a:t>car</a:t>
+              </a:r>
+              <a:endParaRPr lang="en-US" sz="1200" b="1" smtClean="0">
+                <a:solidFill>
+                  <a:schemeClr val="tx1">
+                    <a:lumMod val="65000"/>
+                    <a:lumOff val="35000"/>
+                  </a:schemeClr>
+                </a:solidFill>
+                <a:latin typeface="Lucida Sans" panose="020B0602030504020204" pitchFamily="34" charset="0"/>
+              </a:endParaRPr>
+            </a:p>
+          </p:txBody>
+        </p:sp>
+        <p:sp>
+          <p:nvSpPr>
+            <p:cNvPr id="80" name="Rectangle 79"/>
+            <p:cNvSpPr/>
+            <p:nvPr/>
+          </p:nvSpPr>
+          <p:spPr>
+            <a:xfrm>
+              <a:off x="2202622" y="904068"/>
+              <a:ext cx="360000" cy="252000"/>
+            </a:xfrm>
+            <a:prstGeom prst="rect">
+              <a:avLst/>
+            </a:prstGeom>
+            <a:solidFill>
+              <a:schemeClr val="bg1"/>
+            </a:solidFill>
+            <a:ln w="6350">
+              <a:solidFill>
+                <a:schemeClr val="tx2">
+                  <a:lumMod val="20000"/>
+                  <a:lumOff val="80000"/>
+                </a:schemeClr>
+              </a:solidFill>
+            </a:ln>
+            <a:effectLst/>
+            <a:scene3d>
+              <a:camera prst="orthographicFront">
+                <a:rot lat="0" lon="0" rev="0"/>
+              </a:camera>
+              <a:lightRig rig="threePt" dir="t">
+                <a:rot lat="0" lon="0" rev="1200000"/>
+              </a:lightRig>
+            </a:scene3d>
+            <a:sp3d/>
+          </p:spPr>
+          <p:style>
+            <a:lnRef idx="0">
+              <a:schemeClr val="accent1"/>
+            </a:lnRef>
+            <a:fillRef idx="3">
+              <a:schemeClr val="accent1"/>
+            </a:fillRef>
+            <a:effectRef idx="3">
+              <a:schemeClr val="accent1"/>
+            </a:effectRef>
+            <a:fontRef idx="minor">
+              <a:schemeClr val="lt1"/>
+            </a:fontRef>
+          </p:style>
+          <p:txBody>
+            <a:bodyPr rot="0" spcFirstLastPara="0" vertOverflow="overflow" horzOverflow="overflow" vert="horz" wrap="square" lIns="91440" tIns="45720" rIns="91440" bIns="45720" numCol="1" spcCol="0" rtlCol="0" fromWordArt="0" anchor="t" anchorCtr="0" forceAA="0" compatLnSpc="1">
+              <a:prstTxWarp prst="textNoShape">
+                <a:avLst/>
+              </a:prstTxWarp>
+              <a:noAutofit/>
+            </a:bodyPr>
+            <a:lstStyle/>
+            <a:p>
+              <a:r>
+                <a:rPr lang="en-US" sz="1000" b="1" smtClean="0">
+                  <a:solidFill>
+                    <a:schemeClr val="tx1">
+                      <a:lumMod val="65000"/>
+                      <a:lumOff val="35000"/>
+                    </a:schemeClr>
+                  </a:solidFill>
+                  <a:latin typeface="Lucida Console" panose="020B0609040504020204" pitchFamily="49" charset="0"/>
+                </a:rPr>
+                <a:t>id</a:t>
+              </a:r>
+              <a:endParaRPr lang="en-US" sz="1000" b="1" smtClean="0">
+                <a:solidFill>
+                  <a:schemeClr val="tx1">
+                    <a:lumMod val="65000"/>
+                    <a:lumOff val="35000"/>
+                  </a:schemeClr>
+                </a:solidFill>
+                <a:latin typeface="Lucida Console" panose="020B0609040504020204" pitchFamily="49" charset="0"/>
+              </a:endParaRPr>
+            </a:p>
+          </p:txBody>
+        </p:sp>
+        <p:sp>
+          <p:nvSpPr>
+            <p:cNvPr id="82" name="Rectangle 81"/>
+            <p:cNvSpPr/>
+            <p:nvPr/>
+          </p:nvSpPr>
+          <p:spPr>
+            <a:xfrm>
+              <a:off x="2566321" y="904068"/>
+              <a:ext cx="576000" cy="252000"/>
+            </a:xfrm>
+            <a:prstGeom prst="rect">
+              <a:avLst/>
+            </a:prstGeom>
+            <a:solidFill>
+              <a:schemeClr val="bg1"/>
+            </a:solidFill>
+            <a:ln w="6350">
+              <a:solidFill>
+                <a:schemeClr val="tx2">
+                  <a:lumMod val="20000"/>
+                  <a:lumOff val="80000"/>
+                </a:schemeClr>
+              </a:solidFill>
+            </a:ln>
+            <a:effectLst/>
+            <a:scene3d>
+              <a:camera prst="orthographicFront">
+                <a:rot lat="0" lon="0" rev="0"/>
+              </a:camera>
+              <a:lightRig rig="threePt" dir="t">
+                <a:rot lat="0" lon="0" rev="1200000"/>
+              </a:lightRig>
+            </a:scene3d>
+            <a:sp3d/>
+          </p:spPr>
+          <p:style>
+            <a:lnRef idx="0">
+              <a:schemeClr val="accent1"/>
+            </a:lnRef>
+            <a:fillRef idx="3">
+              <a:schemeClr val="accent1"/>
+            </a:fillRef>
+            <a:effectRef idx="3">
+              <a:schemeClr val="accent1"/>
+            </a:effectRef>
+            <a:fontRef idx="minor">
+              <a:schemeClr val="lt1"/>
+            </a:fontRef>
+          </p:style>
+          <p:txBody>
+            <a:bodyPr rot="0" spcFirstLastPara="0" vertOverflow="overflow" horzOverflow="overflow" vert="horz" wrap="square" lIns="91440" tIns="45720" rIns="91440" bIns="45720" numCol="1" spcCol="0" rtlCol="0" fromWordArt="0" anchor="t" anchorCtr="0" forceAA="0" compatLnSpc="1">
+              <a:prstTxWarp prst="textNoShape">
+                <a:avLst/>
+              </a:prstTxWarp>
+              <a:noAutofit/>
+            </a:bodyPr>
+            <a:lstStyle/>
+            <a:p>
+              <a:r>
+                <a:rPr lang="en-US" sz="1000" smtClean="0">
+                  <a:solidFill>
+                    <a:schemeClr val="tx1">
+                      <a:lumMod val="65000"/>
+                      <a:lumOff val="35000"/>
+                    </a:schemeClr>
+                  </a:solidFill>
+                  <a:latin typeface="Lucida Console" panose="020B0609040504020204" pitchFamily="49" charset="0"/>
+                </a:rPr>
+                <a:t>brand</a:t>
+              </a:r>
+              <a:endParaRPr lang="en-US" sz="1000" smtClean="0">
+                <a:solidFill>
+                  <a:schemeClr val="tx1">
+                    <a:lumMod val="65000"/>
+                    <a:lumOff val="35000"/>
+                  </a:schemeClr>
+                </a:solidFill>
+                <a:latin typeface="Lucida Console" panose="020B0609040504020204" pitchFamily="49" charset="0"/>
+              </a:endParaRPr>
+            </a:p>
+          </p:txBody>
+        </p:sp>
+        <p:sp>
+          <p:nvSpPr>
+            <p:cNvPr id="83" name="Rectangle 82"/>
+            <p:cNvSpPr/>
+            <p:nvPr/>
+          </p:nvSpPr>
+          <p:spPr>
+            <a:xfrm>
+              <a:off x="3142321" y="904068"/>
+              <a:ext cx="576000" cy="252000"/>
+            </a:xfrm>
+            <a:prstGeom prst="rect">
+              <a:avLst/>
+            </a:prstGeom>
+            <a:solidFill>
+              <a:schemeClr val="bg1"/>
+            </a:solidFill>
+            <a:ln w="6350">
+              <a:solidFill>
+                <a:schemeClr val="tx2">
+                  <a:lumMod val="20000"/>
+                  <a:lumOff val="80000"/>
+                </a:schemeClr>
+              </a:solidFill>
+            </a:ln>
+            <a:effectLst/>
+            <a:scene3d>
+              <a:camera prst="orthographicFront">
+                <a:rot lat="0" lon="0" rev="0"/>
+              </a:camera>
+              <a:lightRig rig="threePt" dir="t">
+                <a:rot lat="0" lon="0" rev="1200000"/>
+              </a:lightRig>
+            </a:scene3d>
+            <a:sp3d/>
+          </p:spPr>
+          <p:style>
+            <a:lnRef idx="0">
+              <a:schemeClr val="accent1"/>
+            </a:lnRef>
+            <a:fillRef idx="3">
+              <a:schemeClr val="accent1"/>
+            </a:fillRef>
+            <a:effectRef idx="3">
+              <a:schemeClr val="accent1"/>
+            </a:effectRef>
+            <a:fontRef idx="minor">
+              <a:schemeClr val="lt1"/>
+            </a:fontRef>
+          </p:style>
+          <p:txBody>
+            <a:bodyPr rot="0" spcFirstLastPara="0" vertOverflow="overflow" horzOverflow="overflow" vert="horz" wrap="square" lIns="91440" tIns="45720" rIns="91440" bIns="45720" numCol="1" spcCol="0" rtlCol="0" fromWordArt="0" anchor="t" anchorCtr="0" forceAA="0" compatLnSpc="1">
+              <a:prstTxWarp prst="textNoShape">
+                <a:avLst/>
+              </a:prstTxWarp>
+              <a:noAutofit/>
+            </a:bodyPr>
+            <a:lstStyle/>
+            <a:p>
+              <a:r>
+                <a:rPr lang="en-US" sz="1000" smtClean="0">
+                  <a:solidFill>
+                    <a:schemeClr val="tx1">
+                      <a:lumMod val="65000"/>
+                      <a:lumOff val="35000"/>
+                    </a:schemeClr>
+                  </a:solidFill>
+                  <a:latin typeface="Lucida Console" panose="020B0609040504020204" pitchFamily="49" charset="0"/>
+                </a:rPr>
+                <a:t>model</a:t>
+              </a:r>
+              <a:endParaRPr lang="en-US" sz="1000" smtClean="0">
+                <a:solidFill>
+                  <a:schemeClr val="tx1">
+                    <a:lumMod val="65000"/>
+                    <a:lumOff val="35000"/>
+                  </a:schemeClr>
+                </a:solidFill>
+                <a:latin typeface="Lucida Console" panose="020B0609040504020204" pitchFamily="49" charset="0"/>
+              </a:endParaRPr>
+            </a:p>
+          </p:txBody>
+        </p:sp>
+        <p:sp>
+          <p:nvSpPr>
+            <p:cNvPr id="84" name="Rectangle 83"/>
+            <p:cNvSpPr/>
+            <p:nvPr/>
+          </p:nvSpPr>
+          <p:spPr>
+            <a:xfrm>
+              <a:off x="3718321" y="904068"/>
+              <a:ext cx="1044000" cy="252000"/>
+            </a:xfrm>
+            <a:prstGeom prst="rect">
+              <a:avLst/>
+            </a:prstGeom>
+            <a:solidFill>
+              <a:schemeClr val="bg1"/>
+            </a:solidFill>
+            <a:ln w="6350">
+              <a:solidFill>
+                <a:schemeClr val="tx2">
+                  <a:lumMod val="20000"/>
+                  <a:lumOff val="80000"/>
+                </a:schemeClr>
+              </a:solidFill>
+            </a:ln>
+            <a:effectLst/>
+            <a:scene3d>
+              <a:camera prst="orthographicFront">
+                <a:rot lat="0" lon="0" rev="0"/>
+              </a:camera>
+              <a:lightRig rig="threePt" dir="t">
+                <a:rot lat="0" lon="0" rev="1200000"/>
+              </a:lightRig>
+            </a:scene3d>
+            <a:sp3d/>
+          </p:spPr>
+          <p:style>
+            <a:lnRef idx="0">
+              <a:schemeClr val="accent1"/>
+            </a:lnRef>
+            <a:fillRef idx="3">
+              <a:schemeClr val="accent1"/>
+            </a:fillRef>
+            <a:effectRef idx="3">
+              <a:schemeClr val="accent1"/>
+            </a:effectRef>
+            <a:fontRef idx="minor">
+              <a:schemeClr val="lt1"/>
+            </a:fontRef>
+          </p:style>
+          <p:txBody>
+            <a:bodyPr rot="0" spcFirstLastPara="0" vertOverflow="overflow" horzOverflow="overflow" vert="horz" wrap="square" lIns="91440" tIns="45720" rIns="91440" bIns="45720" numCol="1" spcCol="0" rtlCol="0" fromWordArt="0" anchor="t" anchorCtr="0" forceAA="0" compatLnSpc="1">
+              <a:prstTxWarp prst="textNoShape">
+                <a:avLst/>
+              </a:prstTxWarp>
+              <a:noAutofit/>
+            </a:bodyPr>
+            <a:lstStyle/>
+            <a:p>
+              <a:r>
+                <a:rPr lang="en-US" sz="1000" smtClean="0">
+                  <a:solidFill>
+                    <a:schemeClr val="tx1">
+                      <a:lumMod val="65000"/>
+                      <a:lumOff val="35000"/>
+                    </a:schemeClr>
+                  </a:solidFill>
+                  <a:latin typeface="Lucida Console" panose="020B0609040504020204" pitchFamily="49" charset="0"/>
+                </a:rPr>
+                <a:t>series_name</a:t>
+              </a:r>
+              <a:endParaRPr lang="en-US" sz="1000" smtClean="0">
+                <a:solidFill>
+                  <a:schemeClr val="tx1">
+                    <a:lumMod val="65000"/>
+                    <a:lumOff val="35000"/>
+                  </a:schemeClr>
+                </a:solidFill>
+                <a:latin typeface="Lucida Console" panose="020B0609040504020204" pitchFamily="49" charset="0"/>
+              </a:endParaRPr>
+            </a:p>
+          </p:txBody>
+        </p:sp>
+        <p:sp>
+          <p:nvSpPr>
+            <p:cNvPr id="85" name="Rectangle 84"/>
+            <p:cNvSpPr/>
+            <p:nvPr/>
+          </p:nvSpPr>
+          <p:spPr>
+            <a:xfrm>
+              <a:off x="4766844" y="907542"/>
+              <a:ext cx="1260000" cy="252000"/>
+            </a:xfrm>
+            <a:prstGeom prst="rect">
+              <a:avLst/>
+            </a:prstGeom>
+            <a:solidFill>
+              <a:schemeClr val="bg1"/>
+            </a:solidFill>
+            <a:ln w="6350">
+              <a:solidFill>
+                <a:schemeClr val="tx2">
+                  <a:lumMod val="20000"/>
+                  <a:lumOff val="80000"/>
+                </a:schemeClr>
+              </a:solidFill>
+            </a:ln>
+            <a:effectLst/>
+            <a:scene3d>
+              <a:camera prst="orthographicFront">
+                <a:rot lat="0" lon="0" rev="0"/>
+              </a:camera>
+              <a:lightRig rig="threePt" dir="t">
+                <a:rot lat="0" lon="0" rev="1200000"/>
+              </a:lightRig>
+            </a:scene3d>
+            <a:sp3d/>
+          </p:spPr>
+          <p:style>
+            <a:lnRef idx="0">
+              <a:schemeClr val="accent1"/>
+            </a:lnRef>
+            <a:fillRef idx="3">
+              <a:schemeClr val="accent1"/>
+            </a:fillRef>
+            <a:effectRef idx="3">
+              <a:schemeClr val="accent1"/>
+            </a:effectRef>
+            <a:fontRef idx="minor">
+              <a:schemeClr val="lt1"/>
+            </a:fontRef>
+          </p:style>
+          <p:txBody>
+            <a:bodyPr rot="0" spcFirstLastPara="0" vertOverflow="overflow" horzOverflow="overflow" vert="horz" wrap="square" lIns="91440" tIns="45720" rIns="91440" bIns="45720" numCol="1" spcCol="0" rtlCol="0" fromWordArt="0" anchor="t" anchorCtr="0" forceAA="0" compatLnSpc="1">
+              <a:prstTxWarp prst="textNoShape">
+                <a:avLst/>
+              </a:prstTxWarp>
+              <a:noAutofit/>
+            </a:bodyPr>
+            <a:lstStyle/>
+            <a:p>
+              <a:r>
+                <a:rPr lang="en-US" sz="1000">
+                  <a:solidFill>
+                    <a:schemeClr val="tx1">
+                      <a:lumMod val="65000"/>
+                      <a:lumOff val="35000"/>
+                    </a:schemeClr>
+                  </a:solidFill>
+                  <a:latin typeface="Lucida Console" panose="020B0609040504020204" pitchFamily="49" charset="0"/>
+                </a:rPr>
+                <a:t>m</a:t>
+              </a:r>
+              <a:r>
+                <a:rPr lang="en-US" sz="1000" smtClean="0">
+                  <a:solidFill>
+                    <a:schemeClr val="tx1">
+                      <a:lumMod val="65000"/>
+                      <a:lumOff val="35000"/>
+                    </a:schemeClr>
+                  </a:solidFill>
+                  <a:latin typeface="Lucida Console" panose="020B0609040504020204" pitchFamily="49" charset="0"/>
+                </a:rPr>
+                <a:t>anufacture_dt</a:t>
+              </a:r>
+              <a:endParaRPr lang="en-US" sz="1000" smtClean="0">
+                <a:solidFill>
+                  <a:schemeClr val="tx1">
+                    <a:lumMod val="65000"/>
+                    <a:lumOff val="35000"/>
+                  </a:schemeClr>
+                </a:solidFill>
+                <a:latin typeface="Lucida Console" panose="020B0609040504020204" pitchFamily="49" charset="0"/>
+              </a:endParaRPr>
+            </a:p>
+          </p:txBody>
+        </p:sp>
+        <p:sp>
+          <p:nvSpPr>
+            <p:cNvPr id="86" name="Rectangle 85"/>
+            <p:cNvSpPr/>
+            <p:nvPr/>
+          </p:nvSpPr>
+          <p:spPr>
+            <a:xfrm>
+              <a:off x="6026844" y="907542"/>
+              <a:ext cx="648000" cy="252000"/>
+            </a:xfrm>
+            <a:prstGeom prst="rect">
+              <a:avLst/>
+            </a:prstGeom>
+            <a:solidFill>
+              <a:schemeClr val="bg1"/>
+            </a:solidFill>
+            <a:ln w="6350">
+              <a:solidFill>
+                <a:schemeClr val="tx2">
+                  <a:lumMod val="20000"/>
+                  <a:lumOff val="80000"/>
+                </a:schemeClr>
+              </a:solidFill>
+            </a:ln>
+            <a:effectLst/>
+            <a:scene3d>
+              <a:camera prst="orthographicFront">
+                <a:rot lat="0" lon="0" rev="0"/>
+              </a:camera>
+              <a:lightRig rig="threePt" dir="t">
+                <a:rot lat="0" lon="0" rev="1200000"/>
+              </a:lightRig>
+            </a:scene3d>
+            <a:sp3d/>
+          </p:spPr>
+          <p:style>
+            <a:lnRef idx="0">
+              <a:schemeClr val="accent1"/>
+            </a:lnRef>
+            <a:fillRef idx="3">
+              <a:schemeClr val="accent1"/>
+            </a:fillRef>
+            <a:effectRef idx="3">
+              <a:schemeClr val="accent1"/>
+            </a:effectRef>
+            <a:fontRef idx="minor">
+              <a:schemeClr val="lt1"/>
+            </a:fontRef>
+          </p:style>
+          <p:txBody>
+            <a:bodyPr rot="0" spcFirstLastPara="0" vertOverflow="overflow" horzOverflow="overflow" vert="horz" wrap="square" lIns="91440" tIns="45720" rIns="91440" bIns="45720" numCol="1" spcCol="0" rtlCol="0" fromWordArt="0" anchor="t" anchorCtr="0" forceAA="0" compatLnSpc="1">
+              <a:prstTxWarp prst="textNoShape">
+                <a:avLst/>
+              </a:prstTxWarp>
+              <a:noAutofit/>
+            </a:bodyPr>
+            <a:lstStyle/>
+            <a:p>
+              <a:r>
+                <a:rPr lang="en-US" sz="1000" smtClean="0">
+                  <a:solidFill>
+                    <a:schemeClr val="tx1">
+                      <a:lumMod val="65000"/>
+                      <a:lumOff val="35000"/>
+                    </a:schemeClr>
+                  </a:solidFill>
+                  <a:latin typeface="Lucida Console" panose="020B0609040504020204" pitchFamily="49" charset="0"/>
+                </a:rPr>
+                <a:t>is_new</a:t>
+              </a:r>
+              <a:endParaRPr lang="en-US" sz="1000" smtClean="0">
+                <a:solidFill>
+                  <a:schemeClr val="tx1">
+                    <a:lumMod val="65000"/>
+                    <a:lumOff val="35000"/>
+                  </a:schemeClr>
+                </a:solidFill>
+                <a:latin typeface="Lucida Console" panose="020B0609040504020204" pitchFamily="49" charset="0"/>
+              </a:endParaRPr>
+            </a:p>
+          </p:txBody>
+        </p:sp>
+      </p:grpSp>
+      <p:grpSp>
+        <p:nvGrpSpPr>
+          <p:cNvPr id="88" name="Group 87"/>
+          <p:cNvGrpSpPr/>
+          <p:nvPr/>
+        </p:nvGrpSpPr>
+        <p:grpSpPr>
+          <a:xfrm>
+            <a:off x="8746801" y="5688682"/>
+            <a:ext cx="3132000" cy="543474"/>
+            <a:chOff x="2202622" y="616068"/>
+            <a:chExt cx="3132000" cy="543474"/>
+          </a:xfrm>
+        </p:grpSpPr>
+        <p:sp>
+          <p:nvSpPr>
+            <p:cNvPr id="89" name="Rounded Rectangle 88"/>
+            <p:cNvSpPr/>
+            <p:nvPr/>
+          </p:nvSpPr>
+          <p:spPr>
+            <a:xfrm>
+              <a:off x="2202622" y="616068"/>
+              <a:ext cx="3132000" cy="540000"/>
+            </a:xfrm>
+            <a:prstGeom prst="roundRect">
+              <a:avLst>
+                <a:gd name="adj" fmla="val 0"/>
+              </a:avLst>
+            </a:prstGeom>
+            <a:solidFill>
+              <a:schemeClr val="tx2">
+                <a:lumMod val="20000"/>
+                <a:lumOff val="80000"/>
+              </a:schemeClr>
+            </a:solidFill>
+            <a:ln w="19050">
+              <a:solidFill>
+                <a:schemeClr val="tx2">
+                  <a:lumMod val="20000"/>
+                  <a:lumOff val="80000"/>
+                </a:schemeClr>
+              </a:solidFill>
+            </a:ln>
+            <a:effectLst/>
+            <a:scene3d>
+              <a:camera prst="orthographicFront">
+                <a:rot lat="0" lon="0" rev="0"/>
+              </a:camera>
+              <a:lightRig rig="threePt" dir="t">
+                <a:rot lat="0" lon="0" rev="1200000"/>
+              </a:lightRig>
+            </a:scene3d>
+            <a:sp3d/>
+          </p:spPr>
+          <p:style>
+            <a:lnRef idx="0">
+              <a:schemeClr val="accent1"/>
+            </a:lnRef>
+            <a:fillRef idx="3">
+              <a:schemeClr val="accent1"/>
+            </a:fillRef>
+            <a:effectRef idx="3">
+              <a:schemeClr val="accent1"/>
+            </a:effectRef>
+            <a:fontRef idx="minor">
+              <a:schemeClr val="lt1"/>
+            </a:fontRef>
+          </p:style>
+          <p:txBody>
+            <a:bodyPr rtlCol="0" anchor="t" anchorCtr="0"/>
+            <a:lstStyle/>
+            <a:p>
+              <a:r>
+                <a:rPr lang="en-US" sz="1200" b="1" smtClean="0">
+                  <a:solidFill>
+                    <a:schemeClr val="tx1">
+                      <a:lumMod val="65000"/>
+                      <a:lumOff val="35000"/>
+                    </a:schemeClr>
+                  </a:solidFill>
+                  <a:latin typeface="Lucida Sans" panose="020B0602030504020204" pitchFamily="34" charset="0"/>
+                </a:rPr>
+                <a:t>point_of_interest</a:t>
+              </a:r>
+              <a:endParaRPr lang="en-US" sz="1200" b="1" smtClean="0">
+                <a:solidFill>
+                  <a:schemeClr val="tx1">
+                    <a:lumMod val="65000"/>
+                    <a:lumOff val="35000"/>
+                  </a:schemeClr>
+                </a:solidFill>
+                <a:latin typeface="Lucida Sans" panose="020B0602030504020204" pitchFamily="34" charset="0"/>
+              </a:endParaRPr>
+            </a:p>
+          </p:txBody>
+        </p:sp>
+        <p:sp>
+          <p:nvSpPr>
+            <p:cNvPr id="90" name="Rectangle 89"/>
+            <p:cNvSpPr/>
+            <p:nvPr/>
+          </p:nvSpPr>
+          <p:spPr>
+            <a:xfrm>
+              <a:off x="2202622" y="904068"/>
+              <a:ext cx="360000" cy="252000"/>
+            </a:xfrm>
+            <a:prstGeom prst="rect">
+              <a:avLst/>
+            </a:prstGeom>
+            <a:solidFill>
+              <a:schemeClr val="bg1"/>
+            </a:solidFill>
+            <a:ln w="6350">
+              <a:solidFill>
+                <a:schemeClr val="tx2">
+                  <a:lumMod val="20000"/>
+                  <a:lumOff val="80000"/>
+                </a:schemeClr>
+              </a:solidFill>
+            </a:ln>
+            <a:effectLst/>
+            <a:scene3d>
+              <a:camera prst="orthographicFront">
+                <a:rot lat="0" lon="0" rev="0"/>
+              </a:camera>
+              <a:lightRig rig="threePt" dir="t">
+                <a:rot lat="0" lon="0" rev="1200000"/>
+              </a:lightRig>
+            </a:scene3d>
+            <a:sp3d/>
+          </p:spPr>
+          <p:style>
+            <a:lnRef idx="0">
+              <a:schemeClr val="accent1"/>
+            </a:lnRef>
+            <a:fillRef idx="3">
+              <a:schemeClr val="accent1"/>
+            </a:fillRef>
+            <a:effectRef idx="3">
+              <a:schemeClr val="accent1"/>
+            </a:effectRef>
+            <a:fontRef idx="minor">
+              <a:schemeClr val="lt1"/>
+            </a:fontRef>
+          </p:style>
+          <p:txBody>
+            <a:bodyPr rot="0" spcFirstLastPara="0" vertOverflow="overflow" horzOverflow="overflow" vert="horz" wrap="square" lIns="91440" tIns="45720" rIns="91440" bIns="45720" numCol="1" spcCol="0" rtlCol="0" fromWordArt="0" anchor="t" anchorCtr="0" forceAA="0" compatLnSpc="1">
+              <a:prstTxWarp prst="textNoShape">
+                <a:avLst/>
+              </a:prstTxWarp>
+              <a:noAutofit/>
+            </a:bodyPr>
+            <a:lstStyle/>
+            <a:p>
+              <a:r>
+                <a:rPr lang="en-US" sz="1000" b="1" smtClean="0">
+                  <a:solidFill>
+                    <a:schemeClr val="tx1">
+                      <a:lumMod val="65000"/>
+                      <a:lumOff val="35000"/>
+                    </a:schemeClr>
+                  </a:solidFill>
+                  <a:latin typeface="Lucida Console" panose="020B0609040504020204" pitchFamily="49" charset="0"/>
+                </a:rPr>
+                <a:t>id</a:t>
+              </a:r>
+              <a:endParaRPr lang="en-US" sz="1000" b="1" smtClean="0">
+                <a:solidFill>
+                  <a:schemeClr val="tx1">
+                    <a:lumMod val="65000"/>
+                    <a:lumOff val="35000"/>
+                  </a:schemeClr>
+                </a:solidFill>
+                <a:latin typeface="Lucida Console" panose="020B0609040504020204" pitchFamily="49" charset="0"/>
+              </a:endParaRPr>
+            </a:p>
+          </p:txBody>
+        </p:sp>
+        <p:sp>
+          <p:nvSpPr>
+            <p:cNvPr id="91" name="Rectangle 90"/>
+            <p:cNvSpPr/>
+            <p:nvPr/>
+          </p:nvSpPr>
+          <p:spPr>
+            <a:xfrm>
+              <a:off x="2566321" y="904068"/>
+              <a:ext cx="504000" cy="252000"/>
+            </a:xfrm>
+            <a:prstGeom prst="rect">
+              <a:avLst/>
+            </a:prstGeom>
+            <a:solidFill>
+              <a:schemeClr val="bg1"/>
+            </a:solidFill>
+            <a:ln w="6350">
+              <a:solidFill>
+                <a:schemeClr val="tx2">
+                  <a:lumMod val="20000"/>
+                  <a:lumOff val="80000"/>
+                </a:schemeClr>
+              </a:solidFill>
+            </a:ln>
+            <a:effectLst/>
+            <a:scene3d>
+              <a:camera prst="orthographicFront">
+                <a:rot lat="0" lon="0" rev="0"/>
+              </a:camera>
+              <a:lightRig rig="threePt" dir="t">
+                <a:rot lat="0" lon="0" rev="1200000"/>
+              </a:lightRig>
+            </a:scene3d>
+            <a:sp3d/>
+          </p:spPr>
+          <p:style>
+            <a:lnRef idx="0">
+              <a:schemeClr val="accent1"/>
+            </a:lnRef>
+            <a:fillRef idx="3">
+              <a:schemeClr val="accent1"/>
+            </a:fillRef>
+            <a:effectRef idx="3">
+              <a:schemeClr val="accent1"/>
+            </a:effectRef>
+            <a:fontRef idx="minor">
+              <a:schemeClr val="lt1"/>
+            </a:fontRef>
+          </p:style>
+          <p:txBody>
+            <a:bodyPr rot="0" spcFirstLastPara="0" vertOverflow="overflow" horzOverflow="overflow" vert="horz" wrap="square" lIns="91440" tIns="45720" rIns="91440" bIns="45720" numCol="1" spcCol="0" rtlCol="0" fromWordArt="0" anchor="t" anchorCtr="0" forceAA="0" compatLnSpc="1">
+              <a:prstTxWarp prst="textNoShape">
+                <a:avLst/>
+              </a:prstTxWarp>
+              <a:noAutofit/>
+            </a:bodyPr>
+            <a:lstStyle/>
+            <a:p>
+              <a:r>
+                <a:rPr lang="en-US" sz="1000" smtClean="0">
+                  <a:solidFill>
+                    <a:schemeClr val="tx1">
+                      <a:lumMod val="65000"/>
+                      <a:lumOff val="35000"/>
+                    </a:schemeClr>
+                  </a:solidFill>
+                  <a:latin typeface="Lucida Console" panose="020B0609040504020204" pitchFamily="49" charset="0"/>
+                </a:rPr>
+                <a:t>name</a:t>
+              </a:r>
+              <a:endParaRPr lang="en-US" sz="1000" smtClean="0">
+                <a:solidFill>
+                  <a:schemeClr val="tx1">
+                    <a:lumMod val="65000"/>
+                    <a:lumOff val="35000"/>
+                  </a:schemeClr>
+                </a:solidFill>
+                <a:latin typeface="Lucida Console" panose="020B0609040504020204" pitchFamily="49" charset="0"/>
+              </a:endParaRPr>
+            </a:p>
+          </p:txBody>
+        </p:sp>
+        <p:sp>
+          <p:nvSpPr>
+            <p:cNvPr id="93" name="Rectangle 92"/>
+            <p:cNvSpPr/>
+            <p:nvPr/>
+          </p:nvSpPr>
+          <p:spPr>
+            <a:xfrm>
+              <a:off x="3578196" y="904068"/>
+              <a:ext cx="900000" cy="252000"/>
+            </a:xfrm>
+            <a:prstGeom prst="rect">
+              <a:avLst/>
+            </a:prstGeom>
+            <a:solidFill>
+              <a:schemeClr val="bg1"/>
+            </a:solidFill>
+            <a:ln w="6350">
+              <a:solidFill>
+                <a:schemeClr val="tx2">
+                  <a:lumMod val="20000"/>
+                  <a:lumOff val="80000"/>
+                </a:schemeClr>
+              </a:solidFill>
+            </a:ln>
+            <a:effectLst/>
+            <a:scene3d>
+              <a:camera prst="orthographicFront">
+                <a:rot lat="0" lon="0" rev="0"/>
+              </a:camera>
+              <a:lightRig rig="threePt" dir="t">
+                <a:rot lat="0" lon="0" rev="1200000"/>
+              </a:lightRig>
+            </a:scene3d>
+            <a:sp3d/>
+          </p:spPr>
+          <p:style>
+            <a:lnRef idx="0">
+              <a:schemeClr val="accent1"/>
+            </a:lnRef>
+            <a:fillRef idx="3">
+              <a:schemeClr val="accent1"/>
+            </a:fillRef>
+            <a:effectRef idx="3">
+              <a:schemeClr val="accent1"/>
+            </a:effectRef>
+            <a:fontRef idx="minor">
+              <a:schemeClr val="lt1"/>
+            </a:fontRef>
+          </p:style>
+          <p:txBody>
+            <a:bodyPr rot="0" spcFirstLastPara="0" vertOverflow="overflow" horzOverflow="overflow" vert="horz" wrap="square" lIns="91440" tIns="45720" rIns="91440" bIns="45720" numCol="1" spcCol="0" rtlCol="0" fromWordArt="0" anchor="t" anchorCtr="0" forceAA="0" compatLnSpc="1">
+              <a:prstTxWarp prst="textNoShape">
+                <a:avLst/>
+              </a:prstTxWarp>
+              <a:noAutofit/>
+            </a:bodyPr>
+            <a:lstStyle/>
+            <a:p>
+              <a:r>
+                <a:rPr lang="en-US" sz="1000" smtClean="0">
+                  <a:solidFill>
+                    <a:schemeClr val="tx1">
+                      <a:lumMod val="65000"/>
+                      <a:lumOff val="35000"/>
+                    </a:schemeClr>
+                  </a:solidFill>
+                  <a:latin typeface="Lucida Console" panose="020B0609040504020204" pitchFamily="49" charset="0"/>
+                </a:rPr>
+                <a:t>longitude</a:t>
+              </a:r>
+              <a:endParaRPr lang="en-US" sz="1000" smtClean="0">
+                <a:solidFill>
+                  <a:schemeClr val="tx1">
+                    <a:lumMod val="65000"/>
+                    <a:lumOff val="35000"/>
+                  </a:schemeClr>
+                </a:solidFill>
+                <a:latin typeface="Lucida Console" panose="020B0609040504020204" pitchFamily="49" charset="0"/>
+              </a:endParaRPr>
+            </a:p>
+          </p:txBody>
+        </p:sp>
+        <p:sp>
+          <p:nvSpPr>
+            <p:cNvPr id="94" name="Rectangle 93"/>
+            <p:cNvSpPr/>
+            <p:nvPr/>
+          </p:nvSpPr>
+          <p:spPr>
+            <a:xfrm>
+              <a:off x="4489376" y="907542"/>
+              <a:ext cx="828000" cy="252000"/>
+            </a:xfrm>
+            <a:prstGeom prst="rect">
+              <a:avLst/>
+            </a:prstGeom>
+            <a:solidFill>
+              <a:schemeClr val="bg1"/>
+            </a:solidFill>
+            <a:ln w="6350">
+              <a:solidFill>
+                <a:schemeClr val="tx2">
+                  <a:lumMod val="20000"/>
+                  <a:lumOff val="80000"/>
+                </a:schemeClr>
+              </a:solidFill>
+            </a:ln>
+            <a:effectLst/>
+            <a:scene3d>
+              <a:camera prst="orthographicFront">
+                <a:rot lat="0" lon="0" rev="0"/>
+              </a:camera>
+              <a:lightRig rig="threePt" dir="t">
+                <a:rot lat="0" lon="0" rev="1200000"/>
+              </a:lightRig>
+            </a:scene3d>
+            <a:sp3d/>
+          </p:spPr>
+          <p:style>
+            <a:lnRef idx="0">
+              <a:schemeClr val="accent1"/>
+            </a:lnRef>
+            <a:fillRef idx="3">
+              <a:schemeClr val="accent1"/>
+            </a:fillRef>
+            <a:effectRef idx="3">
+              <a:schemeClr val="accent1"/>
+            </a:effectRef>
+            <a:fontRef idx="minor">
+              <a:schemeClr val="lt1"/>
+            </a:fontRef>
+          </p:style>
+          <p:txBody>
+            <a:bodyPr rot="0" spcFirstLastPara="0" vertOverflow="overflow" horzOverflow="overflow" vert="horz" wrap="square" lIns="91440" tIns="45720" rIns="91440" bIns="45720" numCol="1" spcCol="0" rtlCol="0" fromWordArt="0" anchor="t" anchorCtr="0" forceAA="0" compatLnSpc="1">
+              <a:prstTxWarp prst="textNoShape">
+                <a:avLst/>
+              </a:prstTxWarp>
+              <a:noAutofit/>
+            </a:bodyPr>
+            <a:lstStyle/>
+            <a:p>
+              <a:r>
+                <a:rPr lang="en-US" sz="1000" smtClean="0">
+                  <a:solidFill>
+                    <a:schemeClr val="tx1">
+                      <a:lumMod val="65000"/>
+                      <a:lumOff val="35000"/>
+                    </a:schemeClr>
+                  </a:solidFill>
+                  <a:latin typeface="Lucida Console" panose="020B0609040504020204" pitchFamily="49" charset="0"/>
+                </a:rPr>
+                <a:t>latitude</a:t>
+              </a:r>
+              <a:endParaRPr lang="en-US" sz="1000" smtClean="0">
+                <a:solidFill>
+                  <a:schemeClr val="tx1">
+                    <a:lumMod val="65000"/>
+                    <a:lumOff val="35000"/>
+                  </a:schemeClr>
+                </a:solidFill>
+                <a:latin typeface="Lucida Console" panose="020B0609040504020204" pitchFamily="49" charset="0"/>
+              </a:endParaRPr>
+            </a:p>
+          </p:txBody>
+        </p:sp>
+        <p:sp>
+          <p:nvSpPr>
+            <p:cNvPr id="97" name="Rectangle 96"/>
+            <p:cNvSpPr/>
+            <p:nvPr/>
+          </p:nvSpPr>
+          <p:spPr>
+            <a:xfrm>
+              <a:off x="3074196" y="904068"/>
+              <a:ext cx="504000" cy="252000"/>
+            </a:xfrm>
+            <a:prstGeom prst="rect">
+              <a:avLst/>
+            </a:prstGeom>
+            <a:solidFill>
+              <a:schemeClr val="bg1"/>
+            </a:solidFill>
+            <a:ln w="6350">
+              <a:solidFill>
+                <a:schemeClr val="tx2">
+                  <a:lumMod val="20000"/>
+                  <a:lumOff val="80000"/>
+                </a:schemeClr>
+              </a:solidFill>
+            </a:ln>
+            <a:effectLst/>
+            <a:scene3d>
+              <a:camera prst="orthographicFront">
+                <a:rot lat="0" lon="0" rev="0"/>
+              </a:camera>
+              <a:lightRig rig="threePt" dir="t">
+                <a:rot lat="0" lon="0" rev="1200000"/>
+              </a:lightRig>
+            </a:scene3d>
+            <a:sp3d/>
+          </p:spPr>
+          <p:style>
+            <a:lnRef idx="0">
+              <a:schemeClr val="accent1"/>
+            </a:lnRef>
+            <a:fillRef idx="3">
+              <a:schemeClr val="accent1"/>
+            </a:fillRef>
+            <a:effectRef idx="3">
+              <a:schemeClr val="accent1"/>
+            </a:effectRef>
+            <a:fontRef idx="minor">
+              <a:schemeClr val="lt1"/>
+            </a:fontRef>
+          </p:style>
+          <p:txBody>
+            <a:bodyPr rot="0" spcFirstLastPara="0" vertOverflow="overflow" horzOverflow="overflow" vert="horz" wrap="square" lIns="91440" tIns="45720" rIns="91440" bIns="45720" numCol="1" spcCol="0" rtlCol="0" fromWordArt="0" anchor="t" anchorCtr="0" forceAA="0" compatLnSpc="1">
+              <a:prstTxWarp prst="textNoShape">
+                <a:avLst/>
+              </a:prstTxWarp>
+              <a:noAutofit/>
+            </a:bodyPr>
+            <a:lstStyle/>
+            <a:p>
+              <a:r>
+                <a:rPr lang="en-US" sz="1000" smtClean="0">
+                  <a:solidFill>
+                    <a:schemeClr val="tx1">
+                      <a:lumMod val="65000"/>
+                      <a:lumOff val="35000"/>
+                    </a:schemeClr>
+                  </a:solidFill>
+                  <a:latin typeface="Lucida Console" panose="020B0609040504020204" pitchFamily="49" charset="0"/>
+                </a:rPr>
+                <a:t>type</a:t>
+              </a:r>
+              <a:endParaRPr lang="en-US" sz="1000" smtClean="0">
+                <a:solidFill>
+                  <a:schemeClr val="tx1">
+                    <a:lumMod val="65000"/>
+                    <a:lumOff val="35000"/>
+                  </a:schemeClr>
+                </a:solidFill>
+                <a:latin typeface="Lucida Console" panose="020B0609040504020204" pitchFamily="49" charset="0"/>
+              </a:endParaRPr>
+            </a:p>
+          </p:txBody>
+        </p:sp>
+      </p:grpSp>
+      <p:grpSp>
+        <p:nvGrpSpPr>
+          <p:cNvPr id="105" name="Group 104"/>
+          <p:cNvGrpSpPr/>
+          <p:nvPr/>
+        </p:nvGrpSpPr>
+        <p:grpSpPr>
+          <a:xfrm>
+            <a:off x="5126237" y="1116234"/>
+            <a:ext cx="936000" cy="540000"/>
+            <a:chOff x="2202622" y="616068"/>
+            <a:chExt cx="936000" cy="540000"/>
+          </a:xfrm>
+        </p:grpSpPr>
+        <p:sp>
+          <p:nvSpPr>
+            <p:cNvPr id="106" name="Rounded Rectangle 105"/>
+            <p:cNvSpPr/>
+            <p:nvPr/>
+          </p:nvSpPr>
+          <p:spPr>
+            <a:xfrm>
+              <a:off x="2202622" y="616068"/>
+              <a:ext cx="936000" cy="540000"/>
+            </a:xfrm>
+            <a:prstGeom prst="roundRect">
+              <a:avLst>
+                <a:gd name="adj" fmla="val 0"/>
+              </a:avLst>
+            </a:prstGeom>
+            <a:solidFill>
+              <a:schemeClr val="tx2">
+                <a:lumMod val="20000"/>
+                <a:lumOff val="80000"/>
+              </a:schemeClr>
+            </a:solidFill>
+            <a:ln w="19050">
+              <a:solidFill>
+                <a:schemeClr val="tx2">
+                  <a:lumMod val="20000"/>
+                  <a:lumOff val="80000"/>
+                </a:schemeClr>
+              </a:solidFill>
+            </a:ln>
+            <a:effectLst/>
+            <a:scene3d>
+              <a:camera prst="orthographicFront">
+                <a:rot lat="0" lon="0" rev="0"/>
+              </a:camera>
+              <a:lightRig rig="threePt" dir="t">
+                <a:rot lat="0" lon="0" rev="1200000"/>
+              </a:lightRig>
+            </a:scene3d>
+            <a:sp3d/>
+          </p:spPr>
+          <p:style>
+            <a:lnRef idx="0">
+              <a:schemeClr val="accent1"/>
+            </a:lnRef>
+            <a:fillRef idx="3">
+              <a:schemeClr val="accent1"/>
+            </a:fillRef>
+            <a:effectRef idx="3">
+              <a:schemeClr val="accent1"/>
+            </a:effectRef>
+            <a:fontRef idx="minor">
+              <a:schemeClr val="lt1"/>
+            </a:fontRef>
+          </p:style>
+          <p:txBody>
+            <a:bodyPr rtlCol="0" anchor="t" anchorCtr="0"/>
+            <a:lstStyle/>
+            <a:p>
+              <a:r>
+                <a:rPr lang="en-US" sz="1200" b="1" smtClean="0">
+                  <a:solidFill>
+                    <a:schemeClr val="tx1">
+                      <a:lumMod val="65000"/>
+                      <a:lumOff val="35000"/>
+                    </a:schemeClr>
+                  </a:solidFill>
+                  <a:latin typeface="Lucida Sans" panose="020B0602030504020204" pitchFamily="34" charset="0"/>
+                </a:rPr>
+                <a:t>sms_user</a:t>
+              </a:r>
+              <a:endParaRPr lang="en-US" sz="1200" b="1" smtClean="0">
+                <a:solidFill>
+                  <a:schemeClr val="tx1">
+                    <a:lumMod val="65000"/>
+                    <a:lumOff val="35000"/>
+                  </a:schemeClr>
+                </a:solidFill>
+                <a:latin typeface="Lucida Sans" panose="020B0602030504020204" pitchFamily="34" charset="0"/>
+              </a:endParaRPr>
+            </a:p>
+          </p:txBody>
+        </p:sp>
+        <p:sp>
+          <p:nvSpPr>
+            <p:cNvPr id="107" name="Rectangle 106"/>
+            <p:cNvSpPr/>
+            <p:nvPr/>
+          </p:nvSpPr>
+          <p:spPr>
+            <a:xfrm>
+              <a:off x="2202622" y="904068"/>
+              <a:ext cx="936000" cy="252000"/>
+            </a:xfrm>
+            <a:prstGeom prst="rect">
+              <a:avLst/>
+            </a:prstGeom>
+            <a:solidFill>
+              <a:schemeClr val="bg1"/>
+            </a:solidFill>
+            <a:ln w="6350">
+              <a:solidFill>
+                <a:schemeClr val="tx2">
+                  <a:lumMod val="20000"/>
+                  <a:lumOff val="80000"/>
+                </a:schemeClr>
+              </a:solidFill>
+            </a:ln>
+            <a:effectLst/>
+            <a:scene3d>
+              <a:camera prst="orthographicFront">
+                <a:rot lat="0" lon="0" rev="0"/>
+              </a:camera>
+              <a:lightRig rig="threePt" dir="t">
+                <a:rot lat="0" lon="0" rev="1200000"/>
+              </a:lightRig>
+            </a:scene3d>
+            <a:sp3d/>
+          </p:spPr>
+          <p:style>
+            <a:lnRef idx="0">
+              <a:schemeClr val="accent1"/>
+            </a:lnRef>
+            <a:fillRef idx="3">
+              <a:schemeClr val="accent1"/>
+            </a:fillRef>
+            <a:effectRef idx="3">
+              <a:schemeClr val="accent1"/>
+            </a:effectRef>
+            <a:fontRef idx="minor">
+              <a:schemeClr val="lt1"/>
+            </a:fontRef>
+          </p:style>
+          <p:txBody>
+            <a:bodyPr rot="0" spcFirstLastPara="0" vertOverflow="overflow" horzOverflow="overflow" vert="horz" wrap="square" lIns="91440" tIns="45720" rIns="91440" bIns="45720" numCol="1" spcCol="0" rtlCol="0" fromWordArt="0" anchor="t" anchorCtr="0" forceAA="0" compatLnSpc="1">
+              <a:prstTxWarp prst="textNoShape">
+                <a:avLst/>
+              </a:prstTxWarp>
+              <a:noAutofit/>
+            </a:bodyPr>
+            <a:lstStyle/>
+            <a:p>
+              <a:r>
+                <a:rPr lang="en-US" sz="1000" b="1" smtClean="0">
+                  <a:solidFill>
+                    <a:schemeClr val="tx1">
+                      <a:lumMod val="65000"/>
+                      <a:lumOff val="35000"/>
+                    </a:schemeClr>
+                  </a:solidFill>
+                  <a:latin typeface="Lucida Console" panose="020B0609040504020204" pitchFamily="49" charset="0"/>
+                </a:rPr>
+                <a:t>id</a:t>
+              </a:r>
+              <a:endParaRPr lang="en-US" sz="1000" b="1" smtClean="0">
+                <a:solidFill>
+                  <a:schemeClr val="tx1">
+                    <a:lumMod val="65000"/>
+                    <a:lumOff val="35000"/>
+                  </a:schemeClr>
+                </a:solidFill>
+                <a:latin typeface="Lucida Console" panose="020B0609040504020204" pitchFamily="49" charset="0"/>
+              </a:endParaRPr>
+            </a:p>
+          </p:txBody>
+        </p:sp>
+      </p:grpSp>
+      <p:cxnSp>
+        <p:nvCxnSpPr>
+          <p:cNvPr id="137" name="Elbow Connector 136"/>
+          <p:cNvCxnSpPr>
+            <a:stCxn id="5" idx="2"/>
+            <a:endCxn id="149" idx="3"/>
+          </p:cNvCxnSpPr>
+          <p:nvPr/>
+        </p:nvCxnSpPr>
+        <p:spPr>
+          <a:xfrm rot="16200000" flipH="1">
+            <a:off x="3487461" y="-159520"/>
+            <a:ext cx="900160" cy="2731347"/>
+          </a:xfrm>
+          <a:prstGeom prst="bentConnector3">
+            <a:avLst>
+              <a:gd name="adj1" fmla="val 125395"/>
+            </a:avLst>
+          </a:prstGeom>
+          <a:ln w="19050">
+            <a:solidFill>
+              <a:schemeClr val="tx2">
+                <a:lumMod val="20000"/>
+                <a:lumOff val="80000"/>
+              </a:schemeClr>
+            </a:solidFill>
+            <a:tailEnd type="arrow"/>
+          </a:ln>
+        </p:spPr>
+        <p:style>
+          <a:lnRef idx="1">
+            <a:schemeClr val="accent1"/>
+          </a:lnRef>
+          <a:fillRef idx="0">
+            <a:schemeClr val="accent1"/>
+          </a:fillRef>
+          <a:effectRef idx="0">
+            <a:schemeClr val="accent1"/>
+          </a:effectRef>
+          <a:fontRef idx="minor">
+            <a:schemeClr val="tx1"/>
+          </a:fontRef>
+        </p:style>
+      </p:cxnSp>
+      <p:cxnSp>
+        <p:nvCxnSpPr>
+          <p:cNvPr id="162" name="Elbow Connector 161"/>
+          <p:cNvCxnSpPr>
+            <a:stCxn id="159" idx="4"/>
+            <a:endCxn id="149" idx="4"/>
+          </p:cNvCxnSpPr>
+          <p:nvPr/>
+        </p:nvCxnSpPr>
+        <p:spPr>
+          <a:xfrm rot="5400000" flipH="1" flipV="1">
+            <a:off x="3656081" y="752020"/>
+            <a:ext cx="922940" cy="2731367"/>
+          </a:xfrm>
+          <a:prstGeom prst="bentConnector3">
+            <a:avLst>
+              <a:gd name="adj1" fmla="val -24769"/>
+            </a:avLst>
+          </a:prstGeom>
+          <a:ln w="19050">
+            <a:solidFill>
+              <a:schemeClr val="tx2">
+                <a:lumMod val="20000"/>
+                <a:lumOff val="80000"/>
+              </a:schemeClr>
+            </a:solidFill>
+            <a:tailEnd type="arrow"/>
+          </a:ln>
+        </p:spPr>
+        <p:style>
+          <a:lnRef idx="1">
+            <a:schemeClr val="accent1"/>
+          </a:lnRef>
+          <a:fillRef idx="0">
+            <a:schemeClr val="accent1"/>
+          </a:fillRef>
+          <a:effectRef idx="0">
+            <a:schemeClr val="accent1"/>
+          </a:effectRef>
+          <a:fontRef idx="minor">
+            <a:schemeClr val="tx1"/>
+          </a:fontRef>
+        </p:style>
+      </p:cxnSp>
+      <p:cxnSp>
+        <p:nvCxnSpPr>
+          <p:cNvPr id="164" name="Elbow Connector 163"/>
+          <p:cNvCxnSpPr>
+            <a:stCxn id="160" idx="2"/>
+          </p:cNvCxnSpPr>
+          <p:nvPr/>
+        </p:nvCxnSpPr>
+        <p:spPr>
+          <a:xfrm rot="5400000" flipH="1">
+            <a:off x="5291795" y="2027694"/>
+            <a:ext cx="922940" cy="180020"/>
+          </a:xfrm>
+          <a:prstGeom prst="bentConnector3">
+            <a:avLst>
+              <a:gd name="adj1" fmla="val -24769"/>
+            </a:avLst>
+          </a:prstGeom>
+          <a:ln w="19050">
+            <a:solidFill>
+              <a:schemeClr val="tx2">
+                <a:lumMod val="20000"/>
+                <a:lumOff val="80000"/>
+              </a:schemeClr>
+            </a:solidFill>
+            <a:tailEnd type="arrow"/>
+          </a:ln>
+        </p:spPr>
+        <p:style>
+          <a:lnRef idx="1">
+            <a:schemeClr val="accent1"/>
+          </a:lnRef>
+          <a:fillRef idx="0">
+            <a:schemeClr val="accent1"/>
+          </a:fillRef>
+          <a:effectRef idx="0">
+            <a:schemeClr val="accent1"/>
+          </a:effectRef>
+          <a:fontRef idx="minor">
+            <a:schemeClr val="tx1"/>
+          </a:fontRef>
+        </p:style>
+      </p:cxnSp>
+      <p:cxnSp>
+        <p:nvCxnSpPr>
+          <p:cNvPr id="166" name="Elbow Connector 165"/>
+          <p:cNvCxnSpPr>
+            <a:stCxn id="23" idx="2"/>
+            <a:endCxn id="152" idx="4"/>
+          </p:cNvCxnSpPr>
+          <p:nvPr/>
+        </p:nvCxnSpPr>
+        <p:spPr>
+          <a:xfrm rot="5400000">
+            <a:off x="5678603" y="920747"/>
+            <a:ext cx="900160" cy="570815"/>
+          </a:xfrm>
+          <a:prstGeom prst="bentConnector3">
+            <a:avLst>
+              <a:gd name="adj1" fmla="val 125395"/>
+            </a:avLst>
+          </a:prstGeom>
+          <a:ln w="19050">
+            <a:solidFill>
+              <a:schemeClr val="tx2">
+                <a:lumMod val="20000"/>
+                <a:lumOff val="80000"/>
+              </a:schemeClr>
+            </a:solidFill>
+            <a:tailEnd type="arrow"/>
+          </a:ln>
+        </p:spPr>
+        <p:style>
+          <a:lnRef idx="1">
+            <a:schemeClr val="accent1"/>
+          </a:lnRef>
+          <a:fillRef idx="0">
+            <a:schemeClr val="accent1"/>
+          </a:fillRef>
+          <a:effectRef idx="0">
+            <a:schemeClr val="accent1"/>
+          </a:effectRef>
+          <a:fontRef idx="minor">
+            <a:schemeClr val="tx1"/>
+          </a:fontRef>
+        </p:style>
+      </p:cxnSp>
+      <p:cxnSp>
+        <p:nvCxnSpPr>
+          <p:cNvPr id="168" name="Elbow Connector 167"/>
+          <p:cNvCxnSpPr>
+            <a:stCxn id="34" idx="2"/>
+            <a:endCxn id="152" idx="4"/>
+          </p:cNvCxnSpPr>
+          <p:nvPr/>
+        </p:nvCxnSpPr>
+        <p:spPr>
+          <a:xfrm rot="5400000">
+            <a:off x="6202340" y="400484"/>
+            <a:ext cx="896686" cy="1614815"/>
+          </a:xfrm>
+          <a:prstGeom prst="bentConnector3">
+            <a:avLst>
+              <a:gd name="adj1" fmla="val 125494"/>
+            </a:avLst>
+          </a:prstGeom>
+          <a:ln w="19050">
+            <a:solidFill>
+              <a:schemeClr val="tx2">
+                <a:lumMod val="20000"/>
+                <a:lumOff val="80000"/>
+              </a:schemeClr>
+            </a:solidFill>
+            <a:tailEnd type="arrow"/>
+          </a:ln>
+        </p:spPr>
+        <p:style>
+          <a:lnRef idx="1">
+            <a:schemeClr val="accent1"/>
+          </a:lnRef>
+          <a:fillRef idx="0">
+            <a:schemeClr val="accent1"/>
+          </a:fillRef>
+          <a:effectRef idx="0">
+            <a:schemeClr val="accent1"/>
+          </a:effectRef>
+          <a:fontRef idx="minor">
+            <a:schemeClr val="tx1"/>
+          </a:fontRef>
+        </p:style>
+      </p:cxnSp>
+      <p:cxnSp>
+        <p:nvCxnSpPr>
+          <p:cNvPr id="170" name="Elbow Connector 169"/>
+          <p:cNvCxnSpPr>
+            <a:stCxn id="44" idx="2"/>
+            <a:endCxn id="18" idx="2"/>
+          </p:cNvCxnSpPr>
+          <p:nvPr/>
+        </p:nvCxnSpPr>
+        <p:spPr>
+          <a:xfrm rot="5400000" flipH="1">
+            <a:off x="2328816" y="2835390"/>
+            <a:ext cx="936104" cy="450000"/>
+          </a:xfrm>
+          <a:prstGeom prst="bentConnector5">
+            <a:avLst>
+              <a:gd name="adj1" fmla="val -24420"/>
+              <a:gd name="adj2" fmla="val 190800"/>
+              <a:gd name="adj3" fmla="val 77415"/>
+            </a:avLst>
+          </a:prstGeom>
+          <a:ln w="19050">
+            <a:solidFill>
+              <a:schemeClr val="tx2">
+                <a:lumMod val="20000"/>
+                <a:lumOff val="80000"/>
+              </a:schemeClr>
+            </a:solidFill>
+            <a:tailEnd type="arrow"/>
+          </a:ln>
+        </p:spPr>
+        <p:style>
+          <a:lnRef idx="1">
+            <a:schemeClr val="accent1"/>
+          </a:lnRef>
+          <a:fillRef idx="0">
+            <a:schemeClr val="accent1"/>
+          </a:fillRef>
+          <a:effectRef idx="0">
+            <a:schemeClr val="accent1"/>
+          </a:effectRef>
+          <a:fontRef idx="minor">
+            <a:schemeClr val="tx1"/>
+          </a:fontRef>
+        </p:style>
+      </p:cxnSp>
+      <p:cxnSp>
+        <p:nvCxnSpPr>
+          <p:cNvPr id="173" name="Elbow Connector 172"/>
+          <p:cNvCxnSpPr>
+            <a:stCxn id="46" idx="2"/>
+            <a:endCxn id="160" idx="3"/>
+          </p:cNvCxnSpPr>
+          <p:nvPr/>
+        </p:nvCxnSpPr>
+        <p:spPr>
+          <a:xfrm rot="5400000" flipH="1" flipV="1">
+            <a:off x="4696062" y="2201209"/>
+            <a:ext cx="949268" cy="1705197"/>
+          </a:xfrm>
+          <a:prstGeom prst="bentConnector3">
+            <a:avLst>
+              <a:gd name="adj1" fmla="val -24082"/>
+            </a:avLst>
+          </a:prstGeom>
+          <a:ln w="19050">
+            <a:solidFill>
+              <a:schemeClr val="tx2">
+                <a:lumMod val="20000"/>
+                <a:lumOff val="80000"/>
+              </a:schemeClr>
+            </a:solidFill>
+            <a:tailEnd type="arrow"/>
+          </a:ln>
+        </p:spPr>
+        <p:style>
+          <a:lnRef idx="1">
+            <a:schemeClr val="accent1"/>
+          </a:lnRef>
+          <a:fillRef idx="0">
+            <a:schemeClr val="accent1"/>
+          </a:fillRef>
+          <a:effectRef idx="0">
+            <a:schemeClr val="accent1"/>
+          </a:effectRef>
+          <a:fontRef idx="minor">
+            <a:schemeClr val="tx1"/>
+          </a:fontRef>
+        </p:style>
+      </p:cxnSp>
+      <p:cxnSp>
+        <p:nvCxnSpPr>
+          <p:cNvPr id="177" name="Elbow Connector 176"/>
+          <p:cNvCxnSpPr>
+            <a:stCxn id="50" idx="2"/>
+            <a:endCxn id="160" idx="4"/>
+          </p:cNvCxnSpPr>
+          <p:nvPr/>
+        </p:nvCxnSpPr>
+        <p:spPr>
+          <a:xfrm rot="5400000" flipH="1">
+            <a:off x="6133081" y="2649409"/>
+            <a:ext cx="949268" cy="808799"/>
+          </a:xfrm>
+          <a:prstGeom prst="bentConnector3">
+            <a:avLst>
+              <a:gd name="adj1" fmla="val -24082"/>
+            </a:avLst>
+          </a:prstGeom>
+          <a:ln w="19050">
+            <a:solidFill>
+              <a:schemeClr val="tx2">
+                <a:lumMod val="20000"/>
+                <a:lumOff val="80000"/>
+              </a:schemeClr>
+            </a:solidFill>
+            <a:tailEnd type="arrow"/>
+          </a:ln>
+        </p:spPr>
+        <p:style>
+          <a:lnRef idx="1">
+            <a:schemeClr val="accent1"/>
+          </a:lnRef>
+          <a:fillRef idx="0">
+            <a:schemeClr val="accent1"/>
+          </a:fillRef>
+          <a:effectRef idx="0">
+            <a:schemeClr val="accent1"/>
+          </a:effectRef>
+          <a:fontRef idx="minor">
+            <a:schemeClr val="tx1"/>
+          </a:fontRef>
+        </p:style>
+      </p:cxnSp>
+      <p:cxnSp>
+        <p:nvCxnSpPr>
+          <p:cNvPr id="179" name="Elbow Connector 178"/>
+          <p:cNvCxnSpPr>
+            <a:stCxn id="51" idx="2"/>
+            <a:endCxn id="54" idx="2"/>
+          </p:cNvCxnSpPr>
+          <p:nvPr/>
+        </p:nvCxnSpPr>
+        <p:spPr>
+          <a:xfrm rot="5400000">
+            <a:off x="4881971" y="1218339"/>
+            <a:ext cx="900040" cy="5520246"/>
+          </a:xfrm>
+          <a:prstGeom prst="bentConnector3">
+            <a:avLst>
+              <a:gd name="adj1" fmla="val 125399"/>
+            </a:avLst>
+          </a:prstGeom>
+          <a:ln w="19050">
+            <a:solidFill>
+              <a:schemeClr val="tx2">
+                <a:lumMod val="20000"/>
+                <a:lumOff val="80000"/>
+              </a:schemeClr>
+            </a:solidFill>
+            <a:tailEnd type="arrow"/>
+          </a:ln>
+        </p:spPr>
+        <p:style>
+          <a:lnRef idx="1">
+            <a:schemeClr val="accent1"/>
+          </a:lnRef>
+          <a:fillRef idx="0">
+            <a:schemeClr val="accent1"/>
+          </a:fillRef>
+          <a:effectRef idx="0">
+            <a:schemeClr val="accent1"/>
+          </a:effectRef>
+          <a:fontRef idx="minor">
+            <a:schemeClr val="tx1"/>
+          </a:fontRef>
+        </p:style>
+      </p:cxnSp>
+      <p:cxnSp>
+        <p:nvCxnSpPr>
+          <p:cNvPr id="192" name="Elbow Connector 191"/>
+          <p:cNvCxnSpPr>
+            <a:stCxn id="54" idx="1"/>
+            <a:endCxn id="73" idx="2"/>
+          </p:cNvCxnSpPr>
+          <p:nvPr/>
+        </p:nvCxnSpPr>
+        <p:spPr>
+          <a:xfrm rot="10800000" flipH="1" flipV="1">
+            <a:off x="2391868" y="4302482"/>
+            <a:ext cx="4942402" cy="990096"/>
+          </a:xfrm>
+          <a:prstGeom prst="bentConnector4">
+            <a:avLst>
+              <a:gd name="adj1" fmla="val -4625"/>
+              <a:gd name="adj2" fmla="val 123089"/>
+            </a:avLst>
+          </a:prstGeom>
+          <a:ln w="19050">
+            <a:solidFill>
+              <a:schemeClr val="tx2">
+                <a:lumMod val="20000"/>
+                <a:lumOff val="80000"/>
+              </a:schemeClr>
+            </a:solidFill>
+            <a:headEnd type="arrow"/>
+            <a:tailEnd type="none"/>
+          </a:ln>
+        </p:spPr>
+        <p:style>
+          <a:lnRef idx="1">
+            <a:schemeClr val="accent1"/>
+          </a:lnRef>
+          <a:fillRef idx="0">
+            <a:schemeClr val="accent1"/>
+          </a:fillRef>
+          <a:effectRef idx="0">
+            <a:schemeClr val="accent1"/>
+          </a:effectRef>
+          <a:fontRef idx="minor">
+            <a:schemeClr val="tx1"/>
+          </a:fontRef>
+        </p:style>
+      </p:cxnSp>
+      <p:cxnSp>
+        <p:nvCxnSpPr>
+          <p:cNvPr id="199" name="Elbow Connector 198"/>
+          <p:cNvCxnSpPr>
+            <a:stCxn id="80" idx="2"/>
+            <a:endCxn id="74" idx="2"/>
+          </p:cNvCxnSpPr>
+          <p:nvPr/>
+        </p:nvCxnSpPr>
+        <p:spPr>
+          <a:xfrm rot="5400000" flipH="1" flipV="1">
+            <a:off x="4861855" y="3002590"/>
+            <a:ext cx="936104" cy="5516079"/>
+          </a:xfrm>
+          <a:prstGeom prst="bentConnector3">
+            <a:avLst>
+              <a:gd name="adj1" fmla="val -24420"/>
+            </a:avLst>
+          </a:prstGeom>
+          <a:ln w="19050">
+            <a:solidFill>
+              <a:schemeClr val="tx2">
+                <a:lumMod val="20000"/>
+                <a:lumOff val="80000"/>
+              </a:schemeClr>
+            </a:solidFill>
+            <a:headEnd type="arrow"/>
+            <a:tailEnd type="none"/>
+          </a:ln>
+        </p:spPr>
+        <p:style>
+          <a:lnRef idx="1">
+            <a:schemeClr val="accent1"/>
+          </a:lnRef>
+          <a:fillRef idx="0">
+            <a:schemeClr val="accent1"/>
+          </a:fillRef>
+          <a:effectRef idx="0">
+            <a:schemeClr val="accent1"/>
+          </a:effectRef>
+          <a:fontRef idx="minor">
+            <a:schemeClr val="tx1"/>
+          </a:fontRef>
+        </p:style>
+      </p:cxnSp>
+      <p:cxnSp>
+        <p:nvCxnSpPr>
+          <p:cNvPr id="205" name="Elbow Connector 204"/>
+          <p:cNvCxnSpPr>
+            <a:stCxn id="75" idx="2"/>
+            <a:endCxn id="203" idx="2"/>
+          </p:cNvCxnSpPr>
+          <p:nvPr/>
+        </p:nvCxnSpPr>
+        <p:spPr>
+          <a:xfrm rot="5400000">
+            <a:off x="8454576" y="5588462"/>
+            <a:ext cx="939578" cy="347810"/>
+          </a:xfrm>
+          <a:prstGeom prst="bentConnector5">
+            <a:avLst>
+              <a:gd name="adj1" fmla="val 22728"/>
+              <a:gd name="adj2" fmla="val 165726"/>
+              <a:gd name="adj3" fmla="val 124330"/>
+            </a:avLst>
+          </a:prstGeom>
+          <a:ln w="19050">
+            <a:solidFill>
+              <a:schemeClr val="tx2">
+                <a:lumMod val="20000"/>
+                <a:lumOff val="80000"/>
+              </a:schemeClr>
+            </a:solidFill>
+            <a:tailEnd type="arrow"/>
+          </a:ln>
+        </p:spPr>
+        <p:style>
+          <a:lnRef idx="1">
+            <a:schemeClr val="accent1"/>
+          </a:lnRef>
+          <a:fillRef idx="0">
+            <a:schemeClr val="accent1"/>
+          </a:fillRef>
+          <a:effectRef idx="0">
+            <a:schemeClr val="accent1"/>
+          </a:effectRef>
+          <a:fontRef idx="minor">
+            <a:schemeClr val="tx1"/>
+          </a:fontRef>
+        </p:style>
+      </p:cxnSp>
+      <p:cxnSp>
+        <p:nvCxnSpPr>
+          <p:cNvPr id="212" name="Elbow Connector 211"/>
+          <p:cNvCxnSpPr>
+            <a:stCxn id="76" idx="2"/>
+          </p:cNvCxnSpPr>
+          <p:nvPr/>
+        </p:nvCxnSpPr>
+        <p:spPr>
+          <a:xfrm rot="16200000" flipH="1">
+            <a:off x="11025324" y="4391524"/>
+            <a:ext cx="180080" cy="1982188"/>
+          </a:xfrm>
+          <a:prstGeom prst="bentConnector2">
+            <a:avLst/>
+          </a:prstGeom>
+          <a:ln w="19050">
+            <a:solidFill>
+              <a:schemeClr val="tx2">
+                <a:lumMod val="20000"/>
+                <a:lumOff val="80000"/>
+              </a:schemeClr>
+            </a:solidFill>
+            <a:tailEnd type="none"/>
+          </a:ln>
+        </p:spPr>
+        <p:style>
+          <a:lnRef idx="1">
+            <a:schemeClr val="accent1"/>
+          </a:lnRef>
+          <a:fillRef idx="0">
+            <a:schemeClr val="accent1"/>
+          </a:fillRef>
+          <a:effectRef idx="0">
+            <a:schemeClr val="accent1"/>
+          </a:effectRef>
+          <a:fontRef idx="minor">
+            <a:schemeClr val="tx1"/>
+          </a:fontRef>
+        </p:style>
+      </p:cxnSp>
+      <p:cxnSp>
+        <p:nvCxnSpPr>
+          <p:cNvPr id="214" name="Elbow Connector 213"/>
+          <p:cNvCxnSpPr>
+            <a:endCxn id="203" idx="4"/>
+          </p:cNvCxnSpPr>
+          <p:nvPr/>
+        </p:nvCxnSpPr>
+        <p:spPr>
+          <a:xfrm rot="10800000" flipV="1">
+            <a:off x="9110500" y="5472658"/>
+            <a:ext cx="2995958" cy="759497"/>
+          </a:xfrm>
+          <a:prstGeom prst="bentConnector4">
+            <a:avLst>
+              <a:gd name="adj1" fmla="val 56"/>
+              <a:gd name="adj2" fmla="val 130099"/>
+            </a:avLst>
+          </a:prstGeom>
+          <a:ln w="19050">
+            <a:solidFill>
+              <a:schemeClr val="tx2">
+                <a:lumMod val="20000"/>
+                <a:lumOff val="80000"/>
+              </a:schemeClr>
+            </a:solidFill>
+            <a:tailEnd type="arrow"/>
+          </a:ln>
+        </p:spPr>
+        <p:style>
+          <a:lnRef idx="1">
+            <a:schemeClr val="accent1"/>
+          </a:lnRef>
+          <a:fillRef idx="0">
+            <a:schemeClr val="accent1"/>
+          </a:fillRef>
+          <a:effectRef idx="0">
+            <a:schemeClr val="accent1"/>
+          </a:effectRef>
+          <a:fontRef idx="minor">
+            <a:schemeClr val="tx1"/>
+          </a:fontRef>
+        </p:style>
+      </p:cxnSp>
+    </p:spTree>
+    <p:extLst>
+      <p:ext uri="{BB962C8B-B14F-4D97-AF65-F5344CB8AC3E}">
+        <p14:creationId xmlns:p14="http://schemas.microsoft.com/office/powerpoint/2010/main" val="4159086989"/>
       </p:ext>
     </p:extLst>
   </p:cSld>
@@ -6621,12 +12674,14 @@
     </a:spDef>
     <a:lnDef>
       <a:spPr>
-        <a:ln w="38100">
+        <a:ln w="19050">
           <a:solidFill>
-            <a:schemeClr val="bg1">
-              <a:lumMod val="75000"/>
+            <a:schemeClr val="tx2">
+              <a:lumMod val="20000"/>
+              <a:lumOff val="80000"/>
             </a:schemeClr>
           </a:solidFill>
+          <a:tailEnd type="arrow"/>
         </a:ln>
       </a:spPr>
       <a:bodyPr/>

--- a/diagrams/dmd/domainModel.pptx
+++ b/diagrams/dmd/domainModel.pptx
@@ -289,7 +289,7 @@
           <a:p>
             <a:fld id="{DCF155DA-1BAC-41A4-AEA2-7DD759E9BDBC}" type="datetimeFigureOut">
               <a:rPr lang="en-US" smtClean="0"/>
-              <a:t>15-Nov-15</a:t>
+              <a:t>16-Nov-15</a:t>
             </a:fld>
             <a:endParaRPr lang="en-US"/>
           </a:p>
@@ -459,7 +459,7 @@
           <a:p>
             <a:fld id="{DCF155DA-1BAC-41A4-AEA2-7DD759E9BDBC}" type="datetimeFigureOut">
               <a:rPr lang="en-US" smtClean="0"/>
-              <a:t>15-Nov-15</a:t>
+              <a:t>16-Nov-15</a:t>
             </a:fld>
             <a:endParaRPr lang="en-US"/>
           </a:p>
@@ -639,7 +639,7 @@
           <a:p>
             <a:fld id="{DCF155DA-1BAC-41A4-AEA2-7DD759E9BDBC}" type="datetimeFigureOut">
               <a:rPr lang="en-US" smtClean="0"/>
-              <a:t>15-Nov-15</a:t>
+              <a:t>16-Nov-15</a:t>
             </a:fld>
             <a:endParaRPr lang="en-US"/>
           </a:p>
@@ -809,7 +809,7 @@
           <a:p>
             <a:fld id="{DCF155DA-1BAC-41A4-AEA2-7DD759E9BDBC}" type="datetimeFigureOut">
               <a:rPr lang="en-US" smtClean="0"/>
-              <a:t>15-Nov-15</a:t>
+              <a:t>16-Nov-15</a:t>
             </a:fld>
             <a:endParaRPr lang="en-US"/>
           </a:p>
@@ -1055,7 +1055,7 @@
           <a:p>
             <a:fld id="{DCF155DA-1BAC-41A4-AEA2-7DD759E9BDBC}" type="datetimeFigureOut">
               <a:rPr lang="en-US" smtClean="0"/>
-              <a:t>15-Nov-15</a:t>
+              <a:t>16-Nov-15</a:t>
             </a:fld>
             <a:endParaRPr lang="en-US"/>
           </a:p>
@@ -1343,7 +1343,7 @@
           <a:p>
             <a:fld id="{DCF155DA-1BAC-41A4-AEA2-7DD759E9BDBC}" type="datetimeFigureOut">
               <a:rPr lang="en-US" smtClean="0"/>
-              <a:t>15-Nov-15</a:t>
+              <a:t>16-Nov-15</a:t>
             </a:fld>
             <a:endParaRPr lang="en-US"/>
           </a:p>
@@ -1770,7 +1770,7 @@
           <a:p>
             <a:fld id="{DCF155DA-1BAC-41A4-AEA2-7DD759E9BDBC}" type="datetimeFigureOut">
               <a:rPr lang="en-US" smtClean="0"/>
-              <a:t>15-Nov-15</a:t>
+              <a:t>16-Nov-15</a:t>
             </a:fld>
             <a:endParaRPr lang="en-US"/>
           </a:p>
@@ -1888,7 +1888,7 @@
           <a:p>
             <a:fld id="{DCF155DA-1BAC-41A4-AEA2-7DD759E9BDBC}" type="datetimeFigureOut">
               <a:rPr lang="en-US" smtClean="0"/>
-              <a:t>15-Nov-15</a:t>
+              <a:t>16-Nov-15</a:t>
             </a:fld>
             <a:endParaRPr lang="en-US"/>
           </a:p>
@@ -1983,7 +1983,7 @@
           <a:p>
             <a:fld id="{DCF155DA-1BAC-41A4-AEA2-7DD759E9BDBC}" type="datetimeFigureOut">
               <a:rPr lang="en-US" smtClean="0"/>
-              <a:t>15-Nov-15</a:t>
+              <a:t>16-Nov-15</a:t>
             </a:fld>
             <a:endParaRPr lang="en-US"/>
           </a:p>
@@ -2260,7 +2260,7 @@
           <a:p>
             <a:fld id="{DCF155DA-1BAC-41A4-AEA2-7DD759E9BDBC}" type="datetimeFigureOut">
               <a:rPr lang="en-US" smtClean="0"/>
-              <a:t>15-Nov-15</a:t>
+              <a:t>16-Nov-15</a:t>
             </a:fld>
             <a:endParaRPr lang="en-US"/>
           </a:p>
@@ -2513,7 +2513,7 @@
           <a:p>
             <a:fld id="{DCF155DA-1BAC-41A4-AEA2-7DD759E9BDBC}" type="datetimeFigureOut">
               <a:rPr lang="en-US" smtClean="0"/>
-              <a:t>15-Nov-15</a:t>
+              <a:t>16-Nov-15</a:t>
             </a:fld>
             <a:endParaRPr lang="en-US"/>
           </a:p>
@@ -2726,7 +2726,7 @@
           <a:p>
             <a:fld id="{DCF155DA-1BAC-41A4-AEA2-7DD759E9BDBC}" type="datetimeFigureOut">
               <a:rPr lang="en-US" smtClean="0"/>
-              <a:t>15-Nov-15</a:t>
+              <a:t>16-Nov-15</a:t>
             </a:fld>
             <a:endParaRPr lang="en-US"/>
           </a:p>
@@ -3361,19 +3361,7 @@
                   </a:solidFill>
                   <a:latin typeface="Lucida Console" panose="020B0609040504020204" pitchFamily="49" charset="0"/>
                 </a:rPr>
-                <a:t>manufactureDateTime: </a:t>
-              </a:r>
-              <a:r>
-                <a:rPr lang="en-US" sz="1000" smtClean="0">
-                  <a:solidFill>
-                    <a:schemeClr val="tx1">
-                      <a:lumMod val="65000"/>
-                      <a:lumOff val="35000"/>
-                    </a:schemeClr>
-                  </a:solidFill>
-                  <a:latin typeface="Lucida Console" panose="020B0609040504020204" pitchFamily="49" charset="0"/>
-                </a:rPr>
-                <a:t>dateTime</a:t>
+                <a:t>manufactureDateTime: dateTime</a:t>
               </a:r>
             </a:p>
             <a:p>
@@ -4344,9 +4332,6 @@
               </a:rPr>
               <a:t>*</a:t>
             </a:r>
-            <a:endParaRPr lang="en-US" sz="1000">
-              <a:latin typeface="Lucida Console" panose="020B0609040504020204" pitchFamily="49" charset="0"/>
-            </a:endParaRPr>
           </a:p>
         </p:txBody>
       </p:sp>
@@ -5242,19 +5227,7 @@
                   </a:solidFill>
                   <a:latin typeface="Lucida Console" panose="020B0609040504020204" pitchFamily="49" charset="0"/>
                 </a:rPr>
-                <a:t>creationTimeStamp: </a:t>
-              </a:r>
-              <a:r>
-                <a:rPr lang="en-US" sz="1000" smtClean="0">
-                  <a:solidFill>
-                    <a:schemeClr val="tx1">
-                      <a:lumMod val="65000"/>
-                      <a:lumOff val="35000"/>
-                    </a:schemeClr>
-                  </a:solidFill>
-                  <a:latin typeface="Lucida Console" panose="020B0609040504020204" pitchFamily="49" charset="0"/>
-                </a:rPr>
-                <a:t>dateTime</a:t>
+                <a:t>creationTimeStamp: dateTime</a:t>
               </a:r>
             </a:p>
             <a:p>
@@ -5296,19 +5269,7 @@
                   </a:solidFill>
                   <a:latin typeface="Lucida Console" panose="020B0609040504020204" pitchFamily="49" charset="0"/>
                 </a:rPr>
-                <a:t>status: </a:t>
-              </a:r>
-              <a:r>
-                <a:rPr lang="en-US" sz="1000" smtClean="0">
-                  <a:solidFill>
-                    <a:schemeClr val="tx1">
-                      <a:lumMod val="65000"/>
-                      <a:lumOff val="35000"/>
-                    </a:schemeClr>
-                  </a:solidFill>
-                  <a:latin typeface="Lucida Console" panose="020B0609040504020204" pitchFamily="49" charset="0"/>
-                </a:rPr>
-                <a:t>string</a:t>
+                <a:t>status: string</a:t>
               </a:r>
             </a:p>
             <a:p>
@@ -5338,15 +5299,6 @@
                 </a:rPr>
                 <a:t>price: double</a:t>
               </a:r>
-              <a:endParaRPr lang="en-US" sz="1000" smtClean="0">
-                <a:solidFill>
-                  <a:schemeClr val="tx1">
-                    <a:lumMod val="65000"/>
-                    <a:lumOff val="35000"/>
-                  </a:schemeClr>
-                </a:solidFill>
-                <a:latin typeface="Lucida Console" panose="020B0609040504020204" pitchFamily="49" charset="0"/>
-              </a:endParaRPr>
             </a:p>
           </p:txBody>
         </p:sp>
@@ -5692,19 +5644,7 @@
                   </a:solidFill>
                   <a:latin typeface="Lucida Console" panose="020B0609040504020204" pitchFamily="49" charset="0"/>
                 </a:rPr>
-                <a:t>creationTimeStamp: </a:t>
-              </a:r>
-              <a:r>
-                <a:rPr lang="en-US" sz="1000" smtClean="0">
-                  <a:solidFill>
-                    <a:schemeClr val="tx1">
-                      <a:lumMod val="65000"/>
-                      <a:lumOff val="35000"/>
-                    </a:schemeClr>
-                  </a:solidFill>
-                  <a:latin typeface="Lucida Console" panose="020B0609040504020204" pitchFamily="49" charset="0"/>
-                </a:rPr>
-                <a:t>dateTime</a:t>
+                <a:t>creationTimeStamp: dateTime</a:t>
               </a:r>
             </a:p>
             <a:p>
@@ -6642,9 +6582,9 @@
         <p:grpSpPr>
           <a:xfrm>
             <a:off x="2391868" y="216074"/>
-            <a:ext cx="5652000" cy="543474"/>
+            <a:ext cx="5796000" cy="543474"/>
             <a:chOff x="2202622" y="616068"/>
-            <a:chExt cx="5652000" cy="543474"/>
+            <a:chExt cx="5796000" cy="543474"/>
           </a:xfrm>
         </p:grpSpPr>
         <p:sp>
@@ -6656,7 +6596,7 @@
           <p:spPr>
             <a:xfrm>
               <a:off x="2202622" y="616068"/>
-              <a:ext cx="5652000" cy="540000"/>
+              <a:ext cx="5796000" cy="540000"/>
             </a:xfrm>
             <a:prstGeom prst="roundRect">
               <a:avLst>
@@ -6718,15 +6658,6 @@
                 </a:rPr>
                 <a:t>sms</a:t>
               </a:r>
-              <a:endParaRPr lang="en-US" sz="1200" b="1" smtClean="0">
-                <a:solidFill>
-                  <a:schemeClr val="tx1">
-                    <a:lumMod val="65000"/>
-                    <a:lumOff val="35000"/>
-                  </a:schemeClr>
-                </a:solidFill>
-                <a:latin typeface="Lucida Sans" panose="020B0602030504020204" pitchFamily="34" charset="0"/>
-              </a:endParaRPr>
             </a:p>
           </p:txBody>
         </p:sp>
@@ -6801,15 +6732,6 @@
                 </a:rPr>
                 <a:t>id</a:t>
               </a:r>
-              <a:endParaRPr lang="en-US" sz="1000" b="1" smtClean="0">
-                <a:solidFill>
-                  <a:schemeClr val="tx1">
-                    <a:lumMod val="65000"/>
-                    <a:lumOff val="35000"/>
-                  </a:schemeClr>
-                </a:solidFill>
-                <a:latin typeface="Lucida Console" panose="020B0609040504020204" pitchFamily="49" charset="0"/>
-              </a:endParaRPr>
             </a:p>
           </p:txBody>
         </p:sp>
@@ -6884,15 +6806,6 @@
                 </a:rPr>
                 <a:t>creation_ts</a:t>
               </a:r>
-              <a:endParaRPr lang="en-US" sz="1000" smtClean="0">
-                <a:solidFill>
-                  <a:schemeClr val="tx1">
-                    <a:lumMod val="65000"/>
-                    <a:lumOff val="35000"/>
-                  </a:schemeClr>
-                </a:solidFill>
-                <a:latin typeface="Lucida Console" panose="020B0609040504020204" pitchFamily="49" charset="0"/>
-              </a:endParaRPr>
             </a:p>
           </p:txBody>
         </p:sp>
@@ -6967,15 +6880,6 @@
                 </a:rPr>
                 <a:t>text</a:t>
               </a:r>
-              <a:endParaRPr lang="en-US" sz="1000" smtClean="0">
-                <a:solidFill>
-                  <a:schemeClr val="tx1">
-                    <a:lumMod val="65000"/>
-                    <a:lumOff val="35000"/>
-                  </a:schemeClr>
-                </a:solidFill>
-                <a:latin typeface="Lucida Console" panose="020B0609040504020204" pitchFamily="49" charset="0"/>
-              </a:endParaRPr>
             </a:p>
           </p:txBody>
         </p:sp>
@@ -6988,7 +6892,7 @@
           <p:spPr>
             <a:xfrm>
               <a:off x="4118844" y="904068"/>
-              <a:ext cx="648000" cy="252000"/>
+              <a:ext cx="720000" cy="252000"/>
             </a:xfrm>
             <a:prstGeom prst="rect">
               <a:avLst/>
@@ -7048,17 +6952,8 @@
                   </a:solidFill>
                   <a:latin typeface="Lucida Console" panose="020B0609040504020204" pitchFamily="49" charset="0"/>
                 </a:rPr>
-                <a:t>isSent</a:t>
+                <a:t>is_sent</a:t>
               </a:r>
-              <a:endParaRPr lang="en-US" sz="1000" smtClean="0">
-                <a:solidFill>
-                  <a:schemeClr val="tx1">
-                    <a:lumMod val="65000"/>
-                    <a:lumOff val="35000"/>
-                  </a:schemeClr>
-                </a:solidFill>
-                <a:latin typeface="Lucida Console" panose="020B0609040504020204" pitchFamily="49" charset="0"/>
-              </a:endParaRPr>
             </a:p>
           </p:txBody>
         </p:sp>
@@ -7070,7 +6965,81 @@
           </p:nvSpPr>
           <p:spPr>
             <a:xfrm>
-              <a:off x="4766844" y="904068"/>
+              <a:off x="4838844" y="904068"/>
+              <a:ext cx="1044000" cy="252000"/>
+            </a:xfrm>
+            <a:prstGeom prst="rect">
+              <a:avLst/>
+            </a:prstGeom>
+            <a:solidFill>
+              <a:schemeClr val="bg1"/>
+            </a:solidFill>
+            <a:ln w="6350">
+              <a:solidFill>
+                <a:schemeClr val="tx2">
+                  <a:lumMod val="20000"/>
+                  <a:lumOff val="80000"/>
+                </a:schemeClr>
+              </a:solidFill>
+            </a:ln>
+            <a:effectLst/>
+            <a:scene3d>
+              <a:camera prst="orthographicFront">
+                <a:rot lat="0" lon="0" rev="0"/>
+              </a:camera>
+              <a:lightRig rig="threePt" dir="t">
+                <a:rot lat="0" lon="0" rev="1200000"/>
+              </a:lightRig>
+            </a:scene3d>
+            <a:sp3d/>
+          </p:spPr>
+          <p:style>
+            <a:lnRef idx="0">
+              <a:schemeClr val="accent1"/>
+            </a:lnRef>
+            <a:fillRef idx="3">
+              <a:schemeClr val="accent1"/>
+            </a:fillRef>
+            <a:effectRef idx="3">
+              <a:schemeClr val="accent1"/>
+            </a:effectRef>
+            <a:fontRef idx="minor">
+              <a:schemeClr val="lt1"/>
+            </a:fontRef>
+          </p:style>
+          <p:txBody>
+            <a:bodyPr rot="0" spcFirstLastPara="0" vertOverflow="overflow" horzOverflow="overflow" vert="horz" wrap="square" lIns="91440" tIns="45720" rIns="91440" bIns="45720" numCol="1" spcCol="0" rtlCol="0" fromWordArt="0" anchor="t" anchorCtr="0" forceAA="0" compatLnSpc="1">
+              <a:prstTxWarp prst="textNoShape">
+                <a:avLst/>
+              </a:prstTxWarp>
+              <a:noAutofit/>
+            </a:bodyPr>
+            <a:lstStyle/>
+            <a:p>
+              <a:r>
+                <a:rPr lang="en-US" sz="1000" smtClean="0">
+                  <a:solidFill>
+                    <a:schemeClr val="tx1">
+                      <a:lumMod val="65000"/>
+                      <a:lumOff val="35000"/>
+                    </a:schemeClr>
+                  </a:solidFill>
+                  <a:latin typeface="Lucida Console" panose="020B0609040504020204" pitchFamily="49" charset="0"/>
+                </a:rPr>
+                <a:t>is_received</a:t>
+              </a:r>
+            </a:p>
+          </p:txBody>
+        </p:sp>
+        <p:sp>
+          <p:nvSpPr>
+            <p:cNvPr id="23" name="Rectangle 22"/>
+            <p:cNvSpPr/>
+            <p:nvPr/>
+          </p:nvSpPr>
+          <p:spPr>
+            <a:xfrm>
+              <a:off x="5885013" y="904068"/>
               <a:ext cx="972000" cy="252000"/>
             </a:xfrm>
             <a:prstGeom prst="rect">
@@ -7122,89 +7091,6 @@
             <a:lstStyle/>
             <a:p>
               <a:r>
-                <a:rPr lang="en-US" sz="1000" smtClean="0">
-                  <a:solidFill>
-                    <a:schemeClr val="tx1">
-                      <a:lumMod val="65000"/>
-                      <a:lumOff val="35000"/>
-                    </a:schemeClr>
-                  </a:solidFill>
-                  <a:latin typeface="Lucida Console" panose="020B0609040504020204" pitchFamily="49" charset="0"/>
-                </a:rPr>
-                <a:t>isReceived</a:t>
-              </a:r>
-              <a:endParaRPr lang="en-US" sz="1000" smtClean="0">
-                <a:solidFill>
-                  <a:schemeClr val="tx1">
-                    <a:lumMod val="65000"/>
-                    <a:lumOff val="35000"/>
-                  </a:schemeClr>
-                </a:solidFill>
-                <a:latin typeface="Lucida Console" panose="020B0609040504020204" pitchFamily="49" charset="0"/>
-              </a:endParaRPr>
-            </a:p>
-          </p:txBody>
-        </p:sp>
-        <p:sp>
-          <p:nvSpPr>
-            <p:cNvPr id="23" name="Rectangle 22"/>
-            <p:cNvSpPr/>
-            <p:nvPr/>
-          </p:nvSpPr>
-          <p:spPr>
-            <a:xfrm>
-              <a:off x="5738844" y="904068"/>
-              <a:ext cx="972000" cy="252000"/>
-            </a:xfrm>
-            <a:prstGeom prst="rect">
-              <a:avLst/>
-            </a:prstGeom>
-            <a:solidFill>
-              <a:schemeClr val="bg1"/>
-            </a:solidFill>
-            <a:ln w="6350">
-              <a:solidFill>
-                <a:schemeClr val="tx2">
-                  <a:lumMod val="20000"/>
-                  <a:lumOff val="80000"/>
-                </a:schemeClr>
-              </a:solidFill>
-            </a:ln>
-            <a:effectLst/>
-            <a:scene3d>
-              <a:camera prst="orthographicFront">
-                <a:rot lat="0" lon="0" rev="0"/>
-              </a:camera>
-              <a:lightRig rig="threePt" dir="t">
-                <a:rot lat="0" lon="0" rev="1200000"/>
-              </a:lightRig>
-            </a:scene3d>
-            <a:sp3d/>
-          </p:spPr>
-          <p:style>
-            <a:lnRef idx="0">
-              <a:schemeClr val="accent1"/>
-            </a:lnRef>
-            <a:fillRef idx="3">
-              <a:schemeClr val="accent1"/>
-            </a:fillRef>
-            <a:effectRef idx="3">
-              <a:schemeClr val="accent1"/>
-            </a:effectRef>
-            <a:fontRef idx="minor">
-              <a:schemeClr val="lt1"/>
-            </a:fontRef>
-          </p:style>
-          <p:txBody>
-            <a:bodyPr rot="0" spcFirstLastPara="0" vertOverflow="overflow" horzOverflow="overflow" vert="horz" wrap="square" lIns="91440" tIns="45720" rIns="91440" bIns="45720" numCol="1" spcCol="0" rtlCol="0" fromWordArt="0" anchor="t" anchorCtr="0" forceAA="0" compatLnSpc="1">
-              <a:prstTxWarp prst="textNoShape">
-                <a:avLst/>
-              </a:prstTxWarp>
-              <a:noAutofit/>
-            </a:bodyPr>
-            <a:lstStyle/>
-            <a:p>
-              <a:r>
                 <a:rPr lang="en-US" sz="1000" u="sng" smtClean="0">
                   <a:solidFill>
                     <a:schemeClr val="tx1">
@@ -7216,15 +7102,6 @@
                 </a:rPr>
                 <a:t>sender_id</a:t>
               </a:r>
-              <a:endParaRPr lang="en-US" sz="1000" u="sng" smtClean="0">
-                <a:solidFill>
-                  <a:schemeClr val="tx1">
-                    <a:lumMod val="65000"/>
-                    <a:lumOff val="35000"/>
-                  </a:schemeClr>
-                </a:solidFill>
-                <a:latin typeface="Lucida Console" panose="020B0609040504020204" pitchFamily="49" charset="0"/>
-              </a:endParaRPr>
             </a:p>
           </p:txBody>
         </p:sp>
@@ -7236,7 +7113,7 @@
           </p:nvSpPr>
           <p:spPr>
             <a:xfrm>
-              <a:off x="6710844" y="907542"/>
+              <a:off x="6857013" y="907542"/>
               <a:ext cx="1116000" cy="252000"/>
             </a:xfrm>
             <a:prstGeom prst="rect">
@@ -7299,15 +7176,6 @@
                 </a:rPr>
                 <a:t>recipient_id</a:t>
               </a:r>
-              <a:endParaRPr lang="en-US" sz="1000" u="sng" smtClean="0">
-                <a:solidFill>
-                  <a:schemeClr val="tx1">
-                    <a:lumMod val="65000"/>
-                    <a:lumOff val="35000"/>
-                  </a:schemeClr>
-                </a:solidFill>
-                <a:latin typeface="Lucida Console" panose="020B0609040504020204" pitchFamily="49" charset="0"/>
-              </a:endParaRPr>
             </a:p>
           </p:txBody>
         </p:sp>
@@ -7397,15 +7265,6 @@
                 </a:rPr>
                 <a:t>logistician</a:t>
               </a:r>
-              <a:endParaRPr lang="en-US" sz="1200" b="1" smtClean="0">
-                <a:solidFill>
-                  <a:schemeClr val="tx1">
-                    <a:lumMod val="65000"/>
-                    <a:lumOff val="35000"/>
-                  </a:schemeClr>
-                </a:solidFill>
-                <a:latin typeface="Lucida Sans" panose="020B0602030504020204" pitchFamily="34" charset="0"/>
-              </a:endParaRPr>
             </a:p>
           </p:txBody>
         </p:sp>
@@ -7480,15 +7339,6 @@
                 </a:rPr>
                 <a:t>id</a:t>
               </a:r>
-              <a:endParaRPr lang="en-US" sz="1000" b="1" u="sng" smtClean="0">
-                <a:solidFill>
-                  <a:schemeClr val="tx1">
-                    <a:lumMod val="65000"/>
-                    <a:lumOff val="35000"/>
-                  </a:schemeClr>
-                </a:solidFill>
-                <a:latin typeface="Lucida Console" panose="020B0609040504020204" pitchFamily="49" charset="0"/>
-              </a:endParaRPr>
             </a:p>
           </p:txBody>
         </p:sp>
@@ -7563,15 +7413,6 @@
                 </a:rPr>
                 <a:t>username</a:t>
               </a:r>
-              <a:endParaRPr lang="en-US" sz="1000" smtClean="0">
-                <a:solidFill>
-                  <a:schemeClr val="tx1">
-                    <a:lumMod val="65000"/>
-                    <a:lumOff val="35000"/>
-                  </a:schemeClr>
-                </a:solidFill>
-                <a:latin typeface="Lucida Console" panose="020B0609040504020204" pitchFamily="49" charset="0"/>
-              </a:endParaRPr>
             </a:p>
           </p:txBody>
         </p:sp>
@@ -7646,15 +7487,6 @@
                 </a:rPr>
                 <a:t>password</a:t>
               </a:r>
-              <a:endParaRPr lang="en-US" sz="1000" smtClean="0">
-                <a:solidFill>
-                  <a:schemeClr val="tx1">
-                    <a:lumMod val="65000"/>
-                    <a:lumOff val="35000"/>
-                  </a:schemeClr>
-                </a:solidFill>
-                <a:latin typeface="Lucida Console" panose="020B0609040504020204" pitchFamily="49" charset="0"/>
-              </a:endParaRPr>
             </a:p>
           </p:txBody>
         </p:sp>
@@ -7729,15 +7561,6 @@
                 </a:rPr>
                 <a:t>telephone</a:t>
               </a:r>
-              <a:endParaRPr lang="en-US" sz="1000" smtClean="0">
-                <a:solidFill>
-                  <a:schemeClr val="tx1">
-                    <a:lumMod val="65000"/>
-                    <a:lumOff val="35000"/>
-                  </a:schemeClr>
-                </a:solidFill>
-                <a:latin typeface="Lucida Console" panose="020B0609040504020204" pitchFamily="49" charset="0"/>
-              </a:endParaRPr>
             </a:p>
           </p:txBody>
         </p:sp>
@@ -7827,15 +7650,6 @@
                 </a:rPr>
                 <a:t>truck_driver</a:t>
               </a:r>
-              <a:endParaRPr lang="en-US" sz="1200" b="1" smtClean="0">
-                <a:solidFill>
-                  <a:schemeClr val="tx1">
-                    <a:lumMod val="65000"/>
-                    <a:lumOff val="35000"/>
-                  </a:schemeClr>
-                </a:solidFill>
-                <a:latin typeface="Lucida Sans" panose="020B0602030504020204" pitchFamily="34" charset="0"/>
-              </a:endParaRPr>
             </a:p>
           </p:txBody>
         </p:sp>
@@ -7910,15 +7724,6 @@
                 </a:rPr>
                 <a:t>id</a:t>
               </a:r>
-              <a:endParaRPr lang="en-US" sz="1000" b="1" u="sng" smtClean="0">
-                <a:solidFill>
-                  <a:schemeClr val="tx1">
-                    <a:lumMod val="65000"/>
-                    <a:lumOff val="35000"/>
-                  </a:schemeClr>
-                </a:solidFill>
-                <a:latin typeface="Lucida Console" panose="020B0609040504020204" pitchFamily="49" charset="0"/>
-              </a:endParaRPr>
             </a:p>
           </p:txBody>
         </p:sp>
@@ -7993,15 +7798,6 @@
                 </a:rPr>
                 <a:t>first_name</a:t>
               </a:r>
-              <a:endParaRPr lang="en-US" sz="1000" smtClean="0">
-                <a:solidFill>
-                  <a:schemeClr val="tx1">
-                    <a:lumMod val="65000"/>
-                    <a:lumOff val="35000"/>
-                  </a:schemeClr>
-                </a:solidFill>
-                <a:latin typeface="Lucida Console" panose="020B0609040504020204" pitchFamily="49" charset="0"/>
-              </a:endParaRPr>
             </a:p>
           </p:txBody>
         </p:sp>
@@ -8076,15 +7872,6 @@
                 </a:rPr>
                 <a:t>last_name</a:t>
               </a:r>
-              <a:endParaRPr lang="en-US" sz="1000" smtClean="0">
-                <a:solidFill>
-                  <a:schemeClr val="tx1">
-                    <a:lumMod val="65000"/>
-                    <a:lumOff val="35000"/>
-                  </a:schemeClr>
-                </a:solidFill>
-                <a:latin typeface="Lucida Console" panose="020B0609040504020204" pitchFamily="49" charset="0"/>
-              </a:endParaRPr>
             </a:p>
           </p:txBody>
         </p:sp>
@@ -8159,15 +7946,6 @@
                 </a:rPr>
                 <a:t>telephone</a:t>
               </a:r>
-              <a:endParaRPr lang="en-US" sz="1000" smtClean="0">
-                <a:solidFill>
-                  <a:schemeClr val="tx1">
-                    <a:lumMod val="65000"/>
-                    <a:lumOff val="35000"/>
-                  </a:schemeClr>
-                </a:solidFill>
-                <a:latin typeface="Lucida Console" panose="020B0609040504020204" pitchFamily="49" charset="0"/>
-              </a:endParaRPr>
             </a:p>
           </p:txBody>
         </p:sp>
@@ -8257,15 +8035,6 @@
                 </a:rPr>
                 <a:t>logistician_and_truck_driver</a:t>
               </a:r>
-              <a:endParaRPr lang="en-US" sz="1200" b="1" smtClean="0">
-                <a:solidFill>
-                  <a:schemeClr val="tx1">
-                    <a:lumMod val="65000"/>
-                    <a:lumOff val="35000"/>
-                  </a:schemeClr>
-                </a:solidFill>
-                <a:latin typeface="Lucida Sans" panose="020B0602030504020204" pitchFamily="34" charset="0"/>
-              </a:endParaRPr>
             </a:p>
           </p:txBody>
         </p:sp>
@@ -8340,15 +8109,6 @@
                 </a:rPr>
                 <a:t>logistician_id</a:t>
               </a:r>
-              <a:endParaRPr lang="en-US" sz="1000" b="1" u="sng" smtClean="0">
-                <a:solidFill>
-                  <a:schemeClr val="tx1">
-                    <a:lumMod val="65000"/>
-                    <a:lumOff val="35000"/>
-                  </a:schemeClr>
-                </a:solidFill>
-                <a:latin typeface="Lucida Console" panose="020B0609040504020204" pitchFamily="49" charset="0"/>
-              </a:endParaRPr>
             </a:p>
           </p:txBody>
         </p:sp>
@@ -8423,15 +8183,6 @@
                 </a:rPr>
                 <a:t>truck_driver_id</a:t>
               </a:r>
-              <a:endParaRPr lang="en-US" sz="1000" b="1" u="sng" smtClean="0">
-                <a:solidFill>
-                  <a:schemeClr val="tx1">
-                    <a:lumMod val="65000"/>
-                    <a:lumOff val="35000"/>
-                  </a:schemeClr>
-                </a:solidFill>
-                <a:latin typeface="Lucida Console" panose="020B0609040504020204" pitchFamily="49" charset="0"/>
-              </a:endParaRPr>
             </a:p>
           </p:txBody>
         </p:sp>
@@ -8521,15 +8272,6 @@
                 </a:rPr>
                 <a:t>truck_driver_and_truck</a:t>
               </a:r>
-              <a:endParaRPr lang="en-US" sz="1200" b="1" smtClean="0">
-                <a:solidFill>
-                  <a:schemeClr val="tx1">
-                    <a:lumMod val="65000"/>
-                    <a:lumOff val="35000"/>
-                  </a:schemeClr>
-                </a:solidFill>
-                <a:latin typeface="Lucida Sans" panose="020B0602030504020204" pitchFamily="34" charset="0"/>
-              </a:endParaRPr>
             </a:p>
           </p:txBody>
         </p:sp>
@@ -8604,15 +8346,6 @@
                 </a:rPr>
                 <a:t>truck_driver_id</a:t>
               </a:r>
-              <a:endParaRPr lang="en-US" sz="1000" b="1" u="sng" smtClean="0">
-                <a:solidFill>
-                  <a:schemeClr val="tx1">
-                    <a:lumMod val="65000"/>
-                    <a:lumOff val="35000"/>
-                  </a:schemeClr>
-                </a:solidFill>
-                <a:latin typeface="Lucida Console" panose="020B0609040504020204" pitchFamily="49" charset="0"/>
-              </a:endParaRPr>
             </a:p>
           </p:txBody>
         </p:sp>
@@ -8687,15 +8420,6 @@
                 </a:rPr>
                 <a:t>truck_id</a:t>
               </a:r>
-              <a:endParaRPr lang="en-US" sz="1000" b="1" u="sng" smtClean="0">
-                <a:solidFill>
-                  <a:schemeClr val="tx1">
-                    <a:lumMod val="65000"/>
-                    <a:lumOff val="35000"/>
-                  </a:schemeClr>
-                </a:solidFill>
-                <a:latin typeface="Lucida Console" panose="020B0609040504020204" pitchFamily="49" charset="0"/>
-              </a:endParaRPr>
             </a:p>
           </p:txBody>
         </p:sp>
@@ -8785,15 +8509,6 @@
                 </a:rPr>
                 <a:t>truck</a:t>
               </a:r>
-              <a:endParaRPr lang="en-US" sz="1200" b="1" smtClean="0">
-                <a:solidFill>
-                  <a:schemeClr val="tx1">
-                    <a:lumMod val="65000"/>
-                    <a:lumOff val="35000"/>
-                  </a:schemeClr>
-                </a:solidFill>
-                <a:latin typeface="Lucida Sans" panose="020B0602030504020204" pitchFamily="34" charset="0"/>
-              </a:endParaRPr>
             </a:p>
           </p:txBody>
         </p:sp>
@@ -8868,15 +8583,6 @@
                 </a:rPr>
                 <a:t>id</a:t>
               </a:r>
-              <a:endParaRPr lang="en-US" sz="1000" b="1" smtClean="0">
-                <a:solidFill>
-                  <a:schemeClr val="tx1">
-                    <a:lumMod val="65000"/>
-                    <a:lumOff val="35000"/>
-                  </a:schemeClr>
-                </a:solidFill>
-                <a:latin typeface="Lucida Console" panose="020B0609040504020204" pitchFamily="49" charset="0"/>
-              </a:endParaRPr>
             </a:p>
           </p:txBody>
         </p:sp>
@@ -8951,15 +8657,6 @@
                 </a:rPr>
                 <a:t>vehicle_capacity</a:t>
               </a:r>
-              <a:endParaRPr lang="en-US" sz="1000" smtClean="0">
-                <a:solidFill>
-                  <a:schemeClr val="tx1">
-                    <a:lumMod val="65000"/>
-                    <a:lumOff val="35000"/>
-                  </a:schemeClr>
-                </a:solidFill>
-                <a:latin typeface="Lucida Console" panose="020B0609040504020204" pitchFamily="49" charset="0"/>
-              </a:endParaRPr>
             </a:p>
           </p:txBody>
         </p:sp>
@@ -9034,15 +8731,6 @@
                 </a:rPr>
                 <a:t>brand</a:t>
               </a:r>
-              <a:endParaRPr lang="en-US" sz="1000" smtClean="0">
-                <a:solidFill>
-                  <a:schemeClr val="tx1">
-                    <a:lumMod val="65000"/>
-                    <a:lumOff val="35000"/>
-                  </a:schemeClr>
-                </a:solidFill>
-                <a:latin typeface="Lucida Console" panose="020B0609040504020204" pitchFamily="49" charset="0"/>
-              </a:endParaRPr>
             </a:p>
           </p:txBody>
         </p:sp>
@@ -9117,15 +8805,6 @@
                 </a:rPr>
                 <a:t>model</a:t>
               </a:r>
-              <a:endParaRPr lang="en-US" sz="1000" smtClean="0">
-                <a:solidFill>
-                  <a:schemeClr val="tx1">
-                    <a:lumMod val="65000"/>
-                    <a:lumOff val="35000"/>
-                  </a:schemeClr>
-                </a:solidFill>
-                <a:latin typeface="Lucida Console" panose="020B0609040504020204" pitchFamily="49" charset="0"/>
-              </a:endParaRPr>
             </a:p>
           </p:txBody>
         </p:sp>
@@ -9200,15 +8879,6 @@
                 </a:rPr>
                 <a:t>engine</a:t>
               </a:r>
-              <a:endParaRPr lang="en-US" sz="1000" smtClean="0">
-                <a:solidFill>
-                  <a:schemeClr val="tx1">
-                    <a:lumMod val="65000"/>
-                    <a:lumOff val="35000"/>
-                  </a:schemeClr>
-                </a:solidFill>
-                <a:latin typeface="Lucida Console" panose="020B0609040504020204" pitchFamily="49" charset="0"/>
-              </a:endParaRPr>
             </a:p>
           </p:txBody>
         </p:sp>
@@ -9283,15 +8953,6 @@
                 </a:rPr>
                 <a:t>tires_serial</a:t>
               </a:r>
-              <a:endParaRPr lang="en-US" sz="1000" smtClean="0">
-                <a:solidFill>
-                  <a:schemeClr val="tx1">
-                    <a:lumMod val="65000"/>
-                    <a:lumOff val="35000"/>
-                  </a:schemeClr>
-                </a:solidFill>
-                <a:latin typeface="Lucida Console" panose="020B0609040504020204" pitchFamily="49" charset="0"/>
-              </a:endParaRPr>
             </a:p>
           </p:txBody>
         </p:sp>
@@ -9366,15 +9027,6 @@
                 </a:rPr>
                 <a:t>age</a:t>
               </a:r>
-              <a:endParaRPr lang="en-US" sz="1000" smtClean="0">
-                <a:solidFill>
-                  <a:schemeClr val="tx1">
-                    <a:lumMod val="65000"/>
-                    <a:lumOff val="35000"/>
-                  </a:schemeClr>
-                </a:solidFill>
-                <a:latin typeface="Lucida Console" panose="020B0609040504020204" pitchFamily="49" charset="0"/>
-              </a:endParaRPr>
             </a:p>
           </p:txBody>
         </p:sp>
@@ -9464,15 +9116,6 @@
                 </a:rPr>
                 <a:t>delivery_order</a:t>
               </a:r>
-              <a:endParaRPr lang="en-US" sz="1200" b="1" smtClean="0">
-                <a:solidFill>
-                  <a:schemeClr val="tx1">
-                    <a:lumMod val="65000"/>
-                    <a:lumOff val="35000"/>
-                  </a:schemeClr>
-                </a:solidFill>
-                <a:latin typeface="Lucida Sans" panose="020B0602030504020204" pitchFamily="34" charset="0"/>
-              </a:endParaRPr>
             </a:p>
           </p:txBody>
         </p:sp>
@@ -9547,15 +9190,6 @@
                 </a:rPr>
                 <a:t>id</a:t>
               </a:r>
-              <a:endParaRPr lang="en-US" sz="1000" b="1" smtClean="0">
-                <a:solidFill>
-                  <a:schemeClr val="tx1">
-                    <a:lumMod val="65000"/>
-                    <a:lumOff val="35000"/>
-                  </a:schemeClr>
-                </a:solidFill>
-                <a:latin typeface="Lucida Console" panose="020B0609040504020204" pitchFamily="49" charset="0"/>
-              </a:endParaRPr>
             </a:p>
           </p:txBody>
         </p:sp>
@@ -9630,15 +9264,6 @@
                 </a:rPr>
                 <a:t>creation_ts</a:t>
               </a:r>
-              <a:endParaRPr lang="en-US" sz="1000" smtClean="0">
-                <a:solidFill>
-                  <a:schemeClr val="tx1">
-                    <a:lumMod val="65000"/>
-                    <a:lumOff val="35000"/>
-                  </a:schemeClr>
-                </a:solidFill>
-                <a:latin typeface="Lucida Console" panose="020B0609040504020204" pitchFamily="49" charset="0"/>
-              </a:endParaRPr>
             </a:p>
           </p:txBody>
         </p:sp>
@@ -9713,15 +9338,6 @@
                 </a:rPr>
                 <a:t>take_cars_dt</a:t>
               </a:r>
-              <a:endParaRPr lang="en-US" sz="1000" smtClean="0">
-                <a:solidFill>
-                  <a:schemeClr val="tx1">
-                    <a:lumMod val="65000"/>
-                    <a:lumOff val="35000"/>
-                  </a:schemeClr>
-                </a:solidFill>
-                <a:latin typeface="Lucida Console" panose="020B0609040504020204" pitchFamily="49" charset="0"/>
-              </a:endParaRPr>
             </a:p>
           </p:txBody>
         </p:sp>
@@ -9796,15 +9412,6 @@
                 </a:rPr>
                 <a:t>status</a:t>
               </a:r>
-              <a:endParaRPr lang="en-US" sz="1000" smtClean="0">
-                <a:solidFill>
-                  <a:schemeClr val="tx1">
-                    <a:lumMod val="65000"/>
-                    <a:lumOff val="35000"/>
-                  </a:schemeClr>
-                </a:solidFill>
-                <a:latin typeface="Lucida Console" panose="020B0609040504020204" pitchFamily="49" charset="0"/>
-              </a:endParaRPr>
             </a:p>
           </p:txBody>
         </p:sp>
@@ -9879,15 +9486,6 @@
                 </a:rPr>
                 <a:t>deliver_cars_dt</a:t>
               </a:r>
-              <a:endParaRPr lang="en-US" sz="1000" smtClean="0">
-                <a:solidFill>
-                  <a:schemeClr val="tx1">
-                    <a:lumMod val="65000"/>
-                    <a:lumOff val="35000"/>
-                  </a:schemeClr>
-                </a:solidFill>
-                <a:latin typeface="Lucida Console" panose="020B0609040504020204" pitchFamily="49" charset="0"/>
-              </a:endParaRPr>
             </a:p>
           </p:txBody>
         </p:sp>
@@ -9962,15 +9560,6 @@
                 </a:rPr>
                 <a:t>truck_id</a:t>
               </a:r>
-              <a:endParaRPr lang="en-US" sz="1000" u="sng" smtClean="0">
-                <a:solidFill>
-                  <a:schemeClr val="tx1">
-                    <a:lumMod val="65000"/>
-                    <a:lumOff val="35000"/>
-                  </a:schemeClr>
-                </a:solidFill>
-                <a:latin typeface="Lucida Console" panose="020B0609040504020204" pitchFamily="49" charset="0"/>
-              </a:endParaRPr>
             </a:p>
           </p:txBody>
         </p:sp>
@@ -10045,15 +9634,6 @@
                 </a:rPr>
                 <a:t>car_id</a:t>
               </a:r>
-              <a:endParaRPr lang="en-US" sz="1000" u="sng" smtClean="0">
-                <a:solidFill>
-                  <a:schemeClr val="tx1">
-                    <a:lumMod val="65000"/>
-                    <a:lumOff val="35000"/>
-                  </a:schemeClr>
-                </a:solidFill>
-                <a:latin typeface="Lucida Console" panose="020B0609040504020204" pitchFamily="49" charset="0"/>
-              </a:endParaRPr>
             </a:p>
           </p:txBody>
         </p:sp>
@@ -10128,15 +9708,6 @@
                 </a:rPr>
                 <a:t>manufacturer_id</a:t>
               </a:r>
-              <a:endParaRPr lang="en-US" sz="1000" u="sng" smtClean="0">
-                <a:solidFill>
-                  <a:schemeClr val="tx1">
-                    <a:lumMod val="65000"/>
-                    <a:lumOff val="35000"/>
-                  </a:schemeClr>
-                </a:solidFill>
-                <a:latin typeface="Lucida Console" panose="020B0609040504020204" pitchFamily="49" charset="0"/>
-              </a:endParaRPr>
             </a:p>
           </p:txBody>
         </p:sp>
@@ -10211,15 +9782,6 @@
                 </a:rPr>
                 <a:t>shop_id</a:t>
               </a:r>
-              <a:endParaRPr lang="en-US" sz="1000" u="sng" smtClean="0">
-                <a:solidFill>
-                  <a:schemeClr val="tx1">
-                    <a:lumMod val="65000"/>
-                    <a:lumOff val="35000"/>
-                  </a:schemeClr>
-                </a:solidFill>
-                <a:latin typeface="Lucida Console" panose="020B0609040504020204" pitchFamily="49" charset="0"/>
-              </a:endParaRPr>
             </a:p>
           </p:txBody>
         </p:sp>
@@ -10294,15 +9856,6 @@
                 </a:rPr>
                 <a:t>quantity</a:t>
               </a:r>
-              <a:endParaRPr lang="en-US" sz="1000" smtClean="0">
-                <a:solidFill>
-                  <a:schemeClr val="tx1">
-                    <a:lumMod val="65000"/>
-                    <a:lumOff val="35000"/>
-                  </a:schemeClr>
-                </a:solidFill>
-                <a:latin typeface="Lucida Console" panose="020B0609040504020204" pitchFamily="49" charset="0"/>
-              </a:endParaRPr>
             </a:p>
           </p:txBody>
         </p:sp>
@@ -10377,15 +9930,6 @@
                 </a:rPr>
                 <a:t>price</a:t>
               </a:r>
-              <a:endParaRPr lang="en-US" sz="1000" smtClean="0">
-                <a:solidFill>
-                  <a:schemeClr val="tx1">
-                    <a:lumMod val="65000"/>
-                    <a:lumOff val="35000"/>
-                  </a:schemeClr>
-                </a:solidFill>
-                <a:latin typeface="Lucida Console" panose="020B0609040504020204" pitchFamily="49" charset="0"/>
-              </a:endParaRPr>
             </a:p>
           </p:txBody>
         </p:sp>
@@ -10475,15 +10019,6 @@
                 </a:rPr>
                 <a:t>car</a:t>
               </a:r>
-              <a:endParaRPr lang="en-US" sz="1200" b="1" smtClean="0">
-                <a:solidFill>
-                  <a:schemeClr val="tx1">
-                    <a:lumMod val="65000"/>
-                    <a:lumOff val="35000"/>
-                  </a:schemeClr>
-                </a:solidFill>
-                <a:latin typeface="Lucida Sans" panose="020B0602030504020204" pitchFamily="34" charset="0"/>
-              </a:endParaRPr>
             </a:p>
           </p:txBody>
         </p:sp>
@@ -10558,15 +10093,6 @@
                 </a:rPr>
                 <a:t>id</a:t>
               </a:r>
-              <a:endParaRPr lang="en-US" sz="1000" b="1" smtClean="0">
-                <a:solidFill>
-                  <a:schemeClr val="tx1">
-                    <a:lumMod val="65000"/>
-                    <a:lumOff val="35000"/>
-                  </a:schemeClr>
-                </a:solidFill>
-                <a:latin typeface="Lucida Console" panose="020B0609040504020204" pitchFamily="49" charset="0"/>
-              </a:endParaRPr>
             </a:p>
           </p:txBody>
         </p:sp>
@@ -10641,15 +10167,6 @@
                 </a:rPr>
                 <a:t>brand</a:t>
               </a:r>
-              <a:endParaRPr lang="en-US" sz="1000" smtClean="0">
-                <a:solidFill>
-                  <a:schemeClr val="tx1">
-                    <a:lumMod val="65000"/>
-                    <a:lumOff val="35000"/>
-                  </a:schemeClr>
-                </a:solidFill>
-                <a:latin typeface="Lucida Console" panose="020B0609040504020204" pitchFamily="49" charset="0"/>
-              </a:endParaRPr>
             </a:p>
           </p:txBody>
         </p:sp>
@@ -10724,15 +10241,6 @@
                 </a:rPr>
                 <a:t>model</a:t>
               </a:r>
-              <a:endParaRPr lang="en-US" sz="1000" smtClean="0">
-                <a:solidFill>
-                  <a:schemeClr val="tx1">
-                    <a:lumMod val="65000"/>
-                    <a:lumOff val="35000"/>
-                  </a:schemeClr>
-                </a:solidFill>
-                <a:latin typeface="Lucida Console" panose="020B0609040504020204" pitchFamily="49" charset="0"/>
-              </a:endParaRPr>
             </a:p>
           </p:txBody>
         </p:sp>
@@ -10807,15 +10315,6 @@
                 </a:rPr>
                 <a:t>series_name</a:t>
               </a:r>
-              <a:endParaRPr lang="en-US" sz="1000" smtClean="0">
-                <a:solidFill>
-                  <a:schemeClr val="tx1">
-                    <a:lumMod val="65000"/>
-                    <a:lumOff val="35000"/>
-                  </a:schemeClr>
-                </a:solidFill>
-                <a:latin typeface="Lucida Console" panose="020B0609040504020204" pitchFamily="49" charset="0"/>
-              </a:endParaRPr>
             </a:p>
           </p:txBody>
         </p:sp>
@@ -10902,15 +10401,6 @@
                 </a:rPr>
                 <a:t>anufacture_dt</a:t>
               </a:r>
-              <a:endParaRPr lang="en-US" sz="1000" smtClean="0">
-                <a:solidFill>
-                  <a:schemeClr val="tx1">
-                    <a:lumMod val="65000"/>
-                    <a:lumOff val="35000"/>
-                  </a:schemeClr>
-                </a:solidFill>
-                <a:latin typeface="Lucida Console" panose="020B0609040504020204" pitchFamily="49" charset="0"/>
-              </a:endParaRPr>
             </a:p>
           </p:txBody>
         </p:sp>
@@ -10985,15 +10475,6 @@
                 </a:rPr>
                 <a:t>is_new</a:t>
               </a:r>
-              <a:endParaRPr lang="en-US" sz="1000" smtClean="0">
-                <a:solidFill>
-                  <a:schemeClr val="tx1">
-                    <a:lumMod val="65000"/>
-                    <a:lumOff val="35000"/>
-                  </a:schemeClr>
-                </a:solidFill>
-                <a:latin typeface="Lucida Console" panose="020B0609040504020204" pitchFamily="49" charset="0"/>
-              </a:endParaRPr>
             </a:p>
           </p:txBody>
         </p:sp>
@@ -11083,15 +10564,6 @@
                 </a:rPr>
                 <a:t>point_of_interest</a:t>
               </a:r>
-              <a:endParaRPr lang="en-US" sz="1200" b="1" smtClean="0">
-                <a:solidFill>
-                  <a:schemeClr val="tx1">
-                    <a:lumMod val="65000"/>
-                    <a:lumOff val="35000"/>
-                  </a:schemeClr>
-                </a:solidFill>
-                <a:latin typeface="Lucida Sans" panose="020B0602030504020204" pitchFamily="34" charset="0"/>
-              </a:endParaRPr>
             </a:p>
           </p:txBody>
         </p:sp>
@@ -11166,15 +10638,6 @@
                 </a:rPr>
                 <a:t>id</a:t>
               </a:r>
-              <a:endParaRPr lang="en-US" sz="1000" b="1" smtClean="0">
-                <a:solidFill>
-                  <a:schemeClr val="tx1">
-                    <a:lumMod val="65000"/>
-                    <a:lumOff val="35000"/>
-                  </a:schemeClr>
-                </a:solidFill>
-                <a:latin typeface="Lucida Console" panose="020B0609040504020204" pitchFamily="49" charset="0"/>
-              </a:endParaRPr>
             </a:p>
           </p:txBody>
         </p:sp>
@@ -11249,15 +10712,6 @@
                 </a:rPr>
                 <a:t>name</a:t>
               </a:r>
-              <a:endParaRPr lang="en-US" sz="1000" smtClean="0">
-                <a:solidFill>
-                  <a:schemeClr val="tx1">
-                    <a:lumMod val="65000"/>
-                    <a:lumOff val="35000"/>
-                  </a:schemeClr>
-                </a:solidFill>
-                <a:latin typeface="Lucida Console" panose="020B0609040504020204" pitchFamily="49" charset="0"/>
-              </a:endParaRPr>
             </a:p>
           </p:txBody>
         </p:sp>
@@ -11332,15 +10786,6 @@
                 </a:rPr>
                 <a:t>longitude</a:t>
               </a:r>
-              <a:endParaRPr lang="en-US" sz="1000" smtClean="0">
-                <a:solidFill>
-                  <a:schemeClr val="tx1">
-                    <a:lumMod val="65000"/>
-                    <a:lumOff val="35000"/>
-                  </a:schemeClr>
-                </a:solidFill>
-                <a:latin typeface="Lucida Console" panose="020B0609040504020204" pitchFamily="49" charset="0"/>
-              </a:endParaRPr>
             </a:p>
           </p:txBody>
         </p:sp>
@@ -11415,15 +10860,6 @@
                 </a:rPr>
                 <a:t>latitude</a:t>
               </a:r>
-              <a:endParaRPr lang="en-US" sz="1000" smtClean="0">
-                <a:solidFill>
-                  <a:schemeClr val="tx1">
-                    <a:lumMod val="65000"/>
-                    <a:lumOff val="35000"/>
-                  </a:schemeClr>
-                </a:solidFill>
-                <a:latin typeface="Lucida Console" panose="020B0609040504020204" pitchFamily="49" charset="0"/>
-              </a:endParaRPr>
             </a:p>
           </p:txBody>
         </p:sp>
@@ -11498,15 +10934,6 @@
                 </a:rPr>
                 <a:t>type</a:t>
               </a:r>
-              <a:endParaRPr lang="en-US" sz="1000" smtClean="0">
-                <a:solidFill>
-                  <a:schemeClr val="tx1">
-                    <a:lumMod val="65000"/>
-                    <a:lumOff val="35000"/>
-                  </a:schemeClr>
-                </a:solidFill>
-                <a:latin typeface="Lucida Console" panose="020B0609040504020204" pitchFamily="49" charset="0"/>
-              </a:endParaRPr>
             </a:p>
           </p:txBody>
         </p:sp>
@@ -11596,15 +11023,6 @@
                 </a:rPr>
                 <a:t>sms_user</a:t>
               </a:r>
-              <a:endParaRPr lang="en-US" sz="1200" b="1" smtClean="0">
-                <a:solidFill>
-                  <a:schemeClr val="tx1">
-                    <a:lumMod val="65000"/>
-                    <a:lumOff val="35000"/>
-                  </a:schemeClr>
-                </a:solidFill>
-                <a:latin typeface="Lucida Sans" panose="020B0602030504020204" pitchFamily="34" charset="0"/>
-              </a:endParaRPr>
             </a:p>
           </p:txBody>
         </p:sp>
@@ -11679,63 +11097,10 @@
                 </a:rPr>
                 <a:t>id</a:t>
               </a:r>
-              <a:endParaRPr lang="en-US" sz="1000" b="1" smtClean="0">
-                <a:solidFill>
-                  <a:schemeClr val="tx1">
-                    <a:lumMod val="65000"/>
-                    <a:lumOff val="35000"/>
-                  </a:schemeClr>
-                </a:solidFill>
-                <a:latin typeface="Lucida Console" panose="020B0609040504020204" pitchFamily="49" charset="0"/>
-              </a:endParaRPr>
             </a:p>
           </p:txBody>
         </p:sp>
       </p:grpSp>
-      <p:cxnSp>
-        <p:nvCxnSpPr>
-          <p:cNvPr id="137" name="Elbow Connector 136"/>
-          <p:cNvCxnSpPr>
-            <a:stCxn id="5" idx="2"/>
-            <a:endCxn id="149" idx="3"/>
-          </p:cNvCxnSpPr>
-          <p:nvPr/>
-        </p:nvCxnSpPr>
-        <p:spPr>
-          <a:xfrm rot="16200000" flipH="1">
-            <a:off x="3487461" y="-159520"/>
-            <a:ext cx="900160" cy="2731347"/>
-          </a:xfrm>
-          <a:prstGeom prst="bentConnector3">
-            <a:avLst>
-              <a:gd name="adj1" fmla="val 125395"/>
-            </a:avLst>
-          </a:prstGeom>
-          <a:ln w="19050">
-            <a:solidFill>
-              <a:schemeClr val="tx2">
-                <a:lumMod val="20000"/>
-                <a:lumOff val="80000"/>
-              </a:schemeClr>
-            </a:solidFill>
-            <a:tailEnd type="arrow"/>
-          </a:ln>
-        </p:spPr>
-        <p:style>
-          <a:lnRef idx="1">
-            <a:schemeClr val="accent1"/>
-          </a:lnRef>
-          <a:fillRef idx="0">
-            <a:schemeClr val="accent1"/>
-          </a:fillRef>
-          <a:effectRef idx="0">
-            <a:schemeClr val="accent1"/>
-          </a:effectRef>
-          <a:fontRef idx="minor">
-            <a:schemeClr val="tx1"/>
-          </a:fontRef>
-        </p:style>
-      </p:cxnSp>
       <p:cxnSp>
         <p:nvCxnSpPr>
           <p:cNvPr id="162" name="Elbow Connector 161"/>
@@ -11834,8 +11199,8 @@
         </p:nvCxnSpPr>
         <p:spPr>
           <a:xfrm rot="5400000">
-            <a:off x="5678603" y="920747"/>
-            <a:ext cx="900160" cy="570815"/>
+            <a:off x="5751687" y="847662"/>
+            <a:ext cx="900160" cy="716984"/>
           </a:xfrm>
           <a:prstGeom prst="bentConnector3">
             <a:avLst>
@@ -11878,8 +11243,8 @@
         </p:nvCxnSpPr>
         <p:spPr>
           <a:xfrm rot="5400000">
-            <a:off x="6202340" y="400484"/>
-            <a:ext cx="896686" cy="1614815"/>
+            <a:off x="6275424" y="327399"/>
+            <a:ext cx="896686" cy="1760984"/>
           </a:xfrm>
           <a:prstGeom prst="bentConnector3">
             <a:avLst>
